--- a/Bluetooth.pptx
+++ b/Bluetooth.pptx
@@ -8,7 +8,16 @@
     <p:sldId id="261" r:id="rId2"/>
     <p:sldId id="257" r:id="rId3"/>
     <p:sldId id="258" r:id="rId4"/>
-    <p:sldId id="260" r:id="rId5"/>
+    <p:sldId id="268" r:id="rId5"/>
+    <p:sldId id="269" r:id="rId6"/>
+    <p:sldId id="262" r:id="rId7"/>
+    <p:sldId id="264" r:id="rId8"/>
+    <p:sldId id="265" r:id="rId9"/>
+    <p:sldId id="270" r:id="rId10"/>
+    <p:sldId id="273" r:id="rId11"/>
+    <p:sldId id="271" r:id="rId12"/>
+    <p:sldId id="272" r:id="rId13"/>
+    <p:sldId id="275" r:id="rId14"/>
   </p:sldIdLst>
   <p:sldSz cx="12192000" cy="6858000"/>
   <p:notesSz cx="6858000" cy="9144000"/>
@@ -107,6 +116,37 @@
       </a:defRPr>
     </a:lvl9pPr>
   </p:defaultTextStyle>
+  <p:extLst>
+    <p:ext uri="{521415D9-36F7-43E2-AB2F-B90AF26B5E84}">
+      <p14:sectionLst xmlns:p14="http://schemas.microsoft.com/office/powerpoint/2010/main">
+        <p14:section name="Introduzione" id="{7C9300B5-66FF-491D-B6B1-767CF67B141A}">
+          <p14:sldIdLst>
+            <p14:sldId id="261"/>
+            <p14:sldId id="257"/>
+            <p14:sldId id="258"/>
+            <p14:sldId id="268"/>
+          </p14:sldIdLst>
+        </p14:section>
+        <p14:section name="Permessi" id="{16B3E46E-11D3-4016-ACCC-3FF52FE2E5EF}">
+          <p14:sldIdLst>
+            <p14:sldId id="269"/>
+            <p14:sldId id="262"/>
+            <p14:sldId id="264"/>
+            <p14:sldId id="265"/>
+          </p14:sldIdLst>
+        </p14:section>
+        <p14:section name="Connessione" id="{31103A0A-2002-4F32-A93C-53550CD57B35}">
+          <p14:sldIdLst>
+            <p14:sldId id="270"/>
+            <p14:sldId id="273"/>
+            <p14:sldId id="271"/>
+            <p14:sldId id="272"/>
+            <p14:sldId id="275"/>
+          </p14:sldIdLst>
+        </p14:section>
+      </p14:sectionLst>
+    </p:ext>
+  </p:extLst>
 </p:presentation>
 </file>
 
@@ -1032,6 +1072,927 @@
 </file>
 
 <file path=ppt/diagrams/colors2.xml><?xml version="1.0" encoding="utf-8"?>
+<dgm:colorsDef xmlns:dgm="http://schemas.openxmlformats.org/drawingml/2006/diagram" xmlns:a="http://schemas.openxmlformats.org/drawingml/2006/main" uniqueId="urn:microsoft.com/office/officeart/2018/5/colors/Iconchunking_neutralbg_colorful1">
+  <dgm:title val=""/>
+  <dgm:desc val=""/>
+  <dgm:catLst>
+    <dgm:cat type="colorful" pri="10100"/>
+  </dgm:catLst>
+  <dgm:styleLbl name="node0">
+    <dgm:fillClrLst meth="repeat">
+      <a:schemeClr val="accent1"/>
+    </dgm:fillClrLst>
+    <dgm:linClrLst meth="repeat">
+      <a:schemeClr val="lt1"/>
+    </dgm:linClrLst>
+    <dgm:effectClrLst/>
+    <dgm:txLinClrLst/>
+    <dgm:txFillClrLst/>
+    <dgm:txEffectClrLst/>
+  </dgm:styleLbl>
+  <dgm:styleLbl name="node1">
+    <dgm:fillClrLst meth="repeat">
+      <a:schemeClr val="accent2"/>
+      <a:schemeClr val="accent3"/>
+      <a:schemeClr val="accent4"/>
+      <a:schemeClr val="accent5"/>
+      <a:schemeClr val="accent6"/>
+    </dgm:fillClrLst>
+    <dgm:linClrLst meth="repeat">
+      <a:schemeClr val="lt1">
+        <a:alpha val="0"/>
+      </a:schemeClr>
+    </dgm:linClrLst>
+    <dgm:effectClrLst/>
+    <dgm:txLinClrLst/>
+    <dgm:txFillClrLst/>
+    <dgm:txEffectClrLst/>
+  </dgm:styleLbl>
+  <dgm:styleLbl name="alignNode1">
+    <dgm:fillClrLst meth="repeat">
+      <a:schemeClr val="accent2"/>
+      <a:schemeClr val="accent3"/>
+      <a:schemeClr val="accent4"/>
+      <a:schemeClr val="accent5"/>
+      <a:schemeClr val="accent6"/>
+    </dgm:fillClrLst>
+    <dgm:linClrLst meth="repeat">
+      <a:schemeClr val="accent2"/>
+      <a:schemeClr val="accent3"/>
+      <a:schemeClr val="accent4"/>
+      <a:schemeClr val="accent5"/>
+      <a:schemeClr val="accent6"/>
+    </dgm:linClrLst>
+    <dgm:effectClrLst/>
+    <dgm:txLinClrLst/>
+    <dgm:txFillClrLst/>
+    <dgm:txEffectClrLst/>
+  </dgm:styleLbl>
+  <dgm:styleLbl name="lnNode1">
+    <dgm:fillClrLst meth="repeat">
+      <a:schemeClr val="accent2"/>
+      <a:schemeClr val="accent3"/>
+      <a:schemeClr val="accent4"/>
+      <a:schemeClr val="accent5"/>
+      <a:schemeClr val="accent6"/>
+    </dgm:fillClrLst>
+    <dgm:linClrLst meth="repeat">
+      <a:schemeClr val="lt1"/>
+    </dgm:linClrLst>
+    <dgm:effectClrLst/>
+    <dgm:txLinClrLst/>
+    <dgm:txFillClrLst/>
+    <dgm:txEffectClrLst/>
+  </dgm:styleLbl>
+  <dgm:styleLbl name="vennNode1">
+    <dgm:fillClrLst meth="repeat">
+      <a:schemeClr val="accent2">
+        <a:alpha val="50000"/>
+      </a:schemeClr>
+      <a:schemeClr val="accent3">
+        <a:alpha val="50000"/>
+      </a:schemeClr>
+      <a:schemeClr val="accent4">
+        <a:alpha val="50000"/>
+      </a:schemeClr>
+      <a:schemeClr val="accent5">
+        <a:alpha val="50000"/>
+      </a:schemeClr>
+      <a:schemeClr val="accent6">
+        <a:alpha val="50000"/>
+      </a:schemeClr>
+    </dgm:fillClrLst>
+    <dgm:linClrLst meth="repeat">
+      <a:schemeClr val="lt1"/>
+    </dgm:linClrLst>
+    <dgm:effectClrLst/>
+    <dgm:txLinClrLst/>
+    <dgm:txFillClrLst/>
+    <dgm:txEffectClrLst/>
+  </dgm:styleLbl>
+  <dgm:styleLbl name="node2">
+    <dgm:fillClrLst>
+      <a:schemeClr val="accent2"/>
+    </dgm:fillClrLst>
+    <dgm:linClrLst meth="repeat">
+      <a:schemeClr val="lt1"/>
+    </dgm:linClrLst>
+    <dgm:effectClrLst/>
+    <dgm:txLinClrLst/>
+    <dgm:txFillClrLst/>
+    <dgm:txEffectClrLst/>
+  </dgm:styleLbl>
+  <dgm:styleLbl name="node3">
+    <dgm:fillClrLst>
+      <a:schemeClr val="accent3"/>
+    </dgm:fillClrLst>
+    <dgm:linClrLst meth="repeat">
+      <a:schemeClr val="lt1"/>
+    </dgm:linClrLst>
+    <dgm:effectClrLst/>
+    <dgm:txLinClrLst/>
+    <dgm:txFillClrLst/>
+    <dgm:txEffectClrLst/>
+  </dgm:styleLbl>
+  <dgm:styleLbl name="node4">
+    <dgm:fillClrLst>
+      <a:schemeClr val="accent4"/>
+    </dgm:fillClrLst>
+    <dgm:linClrLst meth="repeat">
+      <a:schemeClr val="lt1"/>
+    </dgm:linClrLst>
+    <dgm:effectClrLst/>
+    <dgm:txLinClrLst/>
+    <dgm:txFillClrLst/>
+    <dgm:txEffectClrLst/>
+  </dgm:styleLbl>
+  <dgm:styleLbl name="fgImgPlace1">
+    <dgm:fillClrLst meth="repeat">
+      <a:schemeClr val="accent2">
+        <a:tint val="50000"/>
+      </a:schemeClr>
+      <a:schemeClr val="accent3">
+        <a:tint val="50000"/>
+      </a:schemeClr>
+      <a:schemeClr val="accent4">
+        <a:tint val="50000"/>
+      </a:schemeClr>
+      <a:schemeClr val="accent5">
+        <a:tint val="50000"/>
+      </a:schemeClr>
+      <a:schemeClr val="accent6">
+        <a:tint val="50000"/>
+      </a:schemeClr>
+    </dgm:fillClrLst>
+    <dgm:linClrLst meth="repeat">
+      <a:schemeClr val="lt1"/>
+    </dgm:linClrLst>
+    <dgm:effectClrLst/>
+    <dgm:txLinClrLst/>
+    <dgm:txFillClrLst meth="repeat">
+      <a:schemeClr val="lt1"/>
+    </dgm:txFillClrLst>
+    <dgm:txEffectClrLst/>
+  </dgm:styleLbl>
+  <dgm:styleLbl name="alignImgPlace1">
+    <dgm:fillClrLst>
+      <a:schemeClr val="accent1">
+        <a:tint val="50000"/>
+      </a:schemeClr>
+      <a:schemeClr val="accent2">
+        <a:tint val="20000"/>
+      </a:schemeClr>
+    </dgm:fillClrLst>
+    <dgm:linClrLst meth="repeat">
+      <a:schemeClr val="lt1"/>
+    </dgm:linClrLst>
+    <dgm:effectClrLst/>
+    <dgm:txLinClrLst/>
+    <dgm:txFillClrLst meth="repeat">
+      <a:schemeClr val="lt1"/>
+    </dgm:txFillClrLst>
+    <dgm:txEffectClrLst/>
+  </dgm:styleLbl>
+  <dgm:styleLbl name="bgImgPlace1">
+    <dgm:fillClrLst>
+      <a:schemeClr val="accent1">
+        <a:tint val="50000"/>
+      </a:schemeClr>
+      <a:schemeClr val="accent2">
+        <a:tint val="20000"/>
+      </a:schemeClr>
+    </dgm:fillClrLst>
+    <dgm:linClrLst meth="repeat">
+      <a:schemeClr val="lt1"/>
+    </dgm:linClrLst>
+    <dgm:effectClrLst/>
+    <dgm:txLinClrLst/>
+    <dgm:txFillClrLst meth="repeat">
+      <a:schemeClr val="lt1"/>
+    </dgm:txFillClrLst>
+    <dgm:txEffectClrLst/>
+  </dgm:styleLbl>
+  <dgm:styleLbl name="sibTrans2D1">
+    <dgm:fillClrLst meth="repeat">
+      <a:schemeClr val="accent2"/>
+      <a:schemeClr val="accent3"/>
+      <a:schemeClr val="accent4"/>
+      <a:schemeClr val="accent5"/>
+      <a:schemeClr val="accent6"/>
+    </dgm:fillClrLst>
+    <dgm:linClrLst meth="cycle">
+      <a:schemeClr val="lt1"/>
+    </dgm:linClrLst>
+    <dgm:effectClrLst/>
+    <dgm:txLinClrLst/>
+    <dgm:txFillClrLst/>
+    <dgm:txEffectClrLst/>
+  </dgm:styleLbl>
+  <dgm:styleLbl name="fgSibTrans2D1">
+    <dgm:fillClrLst meth="repeat">
+      <a:schemeClr val="accent2"/>
+      <a:schemeClr val="accent3"/>
+      <a:schemeClr val="accent4"/>
+      <a:schemeClr val="accent5"/>
+      <a:schemeClr val="accent6"/>
+    </dgm:fillClrLst>
+    <dgm:linClrLst meth="cycle">
+      <a:schemeClr val="lt1"/>
+    </dgm:linClrLst>
+    <dgm:effectClrLst/>
+    <dgm:txLinClrLst/>
+    <dgm:txFillClrLst meth="repeat">
+      <a:schemeClr val="lt1"/>
+    </dgm:txFillClrLst>
+    <dgm:txEffectClrLst/>
+  </dgm:styleLbl>
+  <dgm:styleLbl name="bgSibTrans2D1">
+    <dgm:fillClrLst meth="repeat">
+      <a:schemeClr val="accent2"/>
+      <a:schemeClr val="accent3"/>
+      <a:schemeClr val="accent4"/>
+      <a:schemeClr val="accent5"/>
+      <a:schemeClr val="accent6"/>
+    </dgm:fillClrLst>
+    <dgm:linClrLst meth="cycle">
+      <a:schemeClr val="lt1"/>
+    </dgm:linClrLst>
+    <dgm:effectClrLst/>
+    <dgm:txLinClrLst/>
+    <dgm:txFillClrLst meth="repeat">
+      <a:schemeClr val="lt1"/>
+    </dgm:txFillClrLst>
+    <dgm:txEffectClrLst/>
+  </dgm:styleLbl>
+  <dgm:styleLbl name="sibTrans1D1">
+    <dgm:fillClrLst meth="repeat">
+      <a:schemeClr val="accent2"/>
+      <a:schemeClr val="accent3"/>
+      <a:schemeClr val="accent4"/>
+      <a:schemeClr val="accent5"/>
+      <a:schemeClr val="accent6"/>
+    </dgm:fillClrLst>
+    <dgm:linClrLst meth="repeat">
+      <a:schemeClr val="accent2"/>
+      <a:schemeClr val="accent3"/>
+      <a:schemeClr val="accent4"/>
+      <a:schemeClr val="accent5"/>
+      <a:schemeClr val="accent6"/>
+    </dgm:linClrLst>
+    <dgm:effectClrLst/>
+    <dgm:txLinClrLst/>
+    <dgm:txFillClrLst meth="repeat">
+      <a:schemeClr val="tx1"/>
+    </dgm:txFillClrLst>
+    <dgm:txEffectClrLst/>
+  </dgm:styleLbl>
+  <dgm:styleLbl name="callout">
+    <dgm:fillClrLst meth="repeat">
+      <a:schemeClr val="accent2"/>
+    </dgm:fillClrLst>
+    <dgm:linClrLst meth="repeat">
+      <a:schemeClr val="accent2">
+        <a:tint val="50000"/>
+      </a:schemeClr>
+    </dgm:linClrLst>
+    <dgm:effectClrLst/>
+    <dgm:txLinClrLst/>
+    <dgm:txFillClrLst meth="repeat">
+      <a:schemeClr val="tx1"/>
+    </dgm:txFillClrLst>
+    <dgm:txEffectClrLst/>
+  </dgm:styleLbl>
+  <dgm:styleLbl name="asst0">
+    <dgm:fillClrLst meth="repeat">
+      <a:schemeClr val="accent1"/>
+    </dgm:fillClrLst>
+    <dgm:linClrLst meth="repeat">
+      <a:schemeClr val="lt1"/>
+    </dgm:linClrLst>
+    <dgm:effectClrLst/>
+    <dgm:txLinClrLst/>
+    <dgm:txFillClrLst/>
+    <dgm:txEffectClrLst/>
+  </dgm:styleLbl>
+  <dgm:styleLbl name="asst1">
+    <dgm:fillClrLst meth="repeat">
+      <a:schemeClr val="accent2"/>
+    </dgm:fillClrLst>
+    <dgm:linClrLst meth="repeat">
+      <a:schemeClr val="lt1"/>
+    </dgm:linClrLst>
+    <dgm:effectClrLst/>
+    <dgm:txLinClrLst/>
+    <dgm:txFillClrLst/>
+    <dgm:txEffectClrLst/>
+  </dgm:styleLbl>
+  <dgm:styleLbl name="asst2">
+    <dgm:fillClrLst>
+      <a:schemeClr val="accent3"/>
+    </dgm:fillClrLst>
+    <dgm:linClrLst meth="repeat">
+      <a:schemeClr val="lt1"/>
+    </dgm:linClrLst>
+    <dgm:effectClrLst/>
+    <dgm:txLinClrLst/>
+    <dgm:txFillClrLst/>
+    <dgm:txEffectClrLst/>
+  </dgm:styleLbl>
+  <dgm:styleLbl name="asst3">
+    <dgm:fillClrLst>
+      <a:schemeClr val="accent4"/>
+    </dgm:fillClrLst>
+    <dgm:linClrLst meth="repeat">
+      <a:schemeClr val="lt1"/>
+    </dgm:linClrLst>
+    <dgm:effectClrLst/>
+    <dgm:txLinClrLst/>
+    <dgm:txFillClrLst/>
+    <dgm:txEffectClrLst/>
+  </dgm:styleLbl>
+  <dgm:styleLbl name="asst4">
+    <dgm:fillClrLst>
+      <a:schemeClr val="accent5"/>
+    </dgm:fillClrLst>
+    <dgm:linClrLst meth="repeat">
+      <a:schemeClr val="lt1"/>
+    </dgm:linClrLst>
+    <dgm:effectClrLst/>
+    <dgm:txLinClrLst/>
+    <dgm:txFillClrLst/>
+    <dgm:txEffectClrLst/>
+  </dgm:styleLbl>
+  <dgm:styleLbl name="parChTrans2D1">
+    <dgm:fillClrLst meth="repeat">
+      <a:schemeClr val="accent2"/>
+    </dgm:fillClrLst>
+    <dgm:linClrLst meth="repeat">
+      <a:schemeClr val="lt1"/>
+    </dgm:linClrLst>
+    <dgm:effectClrLst/>
+    <dgm:txLinClrLst/>
+    <dgm:txFillClrLst meth="repeat">
+      <a:schemeClr val="lt1"/>
+    </dgm:txFillClrLst>
+    <dgm:txEffectClrLst/>
+  </dgm:styleLbl>
+  <dgm:styleLbl name="parChTrans2D2">
+    <dgm:fillClrLst meth="repeat">
+      <a:schemeClr val="accent3"/>
+    </dgm:fillClrLst>
+    <dgm:linClrLst meth="repeat">
+      <a:schemeClr val="lt1"/>
+    </dgm:linClrLst>
+    <dgm:effectClrLst/>
+    <dgm:txLinClrLst/>
+    <dgm:txFillClrLst/>
+    <dgm:txEffectClrLst/>
+  </dgm:styleLbl>
+  <dgm:styleLbl name="parChTrans2D3">
+    <dgm:fillClrLst meth="repeat">
+      <a:schemeClr val="accent4"/>
+    </dgm:fillClrLst>
+    <dgm:linClrLst meth="repeat">
+      <a:schemeClr val="lt1"/>
+    </dgm:linClrLst>
+    <dgm:effectClrLst/>
+    <dgm:txLinClrLst/>
+    <dgm:txFillClrLst/>
+    <dgm:txEffectClrLst/>
+  </dgm:styleLbl>
+  <dgm:styleLbl name="parChTrans2D4">
+    <dgm:fillClrLst meth="repeat">
+      <a:schemeClr val="accent5"/>
+    </dgm:fillClrLst>
+    <dgm:linClrLst meth="repeat">
+      <a:schemeClr val="lt1"/>
+    </dgm:linClrLst>
+    <dgm:effectClrLst/>
+    <dgm:txLinClrLst/>
+    <dgm:txFillClrLst meth="repeat">
+      <a:schemeClr val="lt1"/>
+    </dgm:txFillClrLst>
+    <dgm:txEffectClrLst/>
+  </dgm:styleLbl>
+  <dgm:styleLbl name="parChTrans1D1">
+    <dgm:fillClrLst meth="repeat">
+      <a:schemeClr val="accent2"/>
+    </dgm:fillClrLst>
+    <dgm:linClrLst meth="repeat">
+      <a:schemeClr val="accent1"/>
+    </dgm:linClrLst>
+    <dgm:effectClrLst/>
+    <dgm:txLinClrLst/>
+    <dgm:txFillClrLst meth="repeat">
+      <a:schemeClr val="tx1"/>
+    </dgm:txFillClrLst>
+    <dgm:txEffectClrLst/>
+  </dgm:styleLbl>
+  <dgm:styleLbl name="parChTrans1D2">
+    <dgm:fillClrLst meth="repeat">
+      <a:schemeClr val="accent3">
+        <a:tint val="90000"/>
+      </a:schemeClr>
+    </dgm:fillClrLst>
+    <dgm:linClrLst meth="repeat">
+      <a:schemeClr val="accent2"/>
+    </dgm:linClrLst>
+    <dgm:effectClrLst/>
+    <dgm:txLinClrLst/>
+    <dgm:txFillClrLst meth="repeat">
+      <a:schemeClr val="tx1"/>
+    </dgm:txFillClrLst>
+    <dgm:txEffectClrLst/>
+  </dgm:styleLbl>
+  <dgm:styleLbl name="parChTrans1D3">
+    <dgm:fillClrLst meth="repeat">
+      <a:schemeClr val="accent4">
+        <a:tint val="70000"/>
+      </a:schemeClr>
+    </dgm:fillClrLst>
+    <dgm:linClrLst meth="repeat">
+      <a:schemeClr val="accent3"/>
+    </dgm:linClrLst>
+    <dgm:effectClrLst/>
+    <dgm:txLinClrLst/>
+    <dgm:txFillClrLst meth="repeat">
+      <a:schemeClr val="tx1"/>
+    </dgm:txFillClrLst>
+    <dgm:txEffectClrLst/>
+  </dgm:styleLbl>
+  <dgm:styleLbl name="parChTrans1D4">
+    <dgm:fillClrLst meth="repeat">
+      <a:schemeClr val="accent5">
+        <a:tint val="50000"/>
+      </a:schemeClr>
+    </dgm:fillClrLst>
+    <dgm:linClrLst meth="repeat">
+      <a:schemeClr val="accent4"/>
+    </dgm:linClrLst>
+    <dgm:effectClrLst/>
+    <dgm:txLinClrLst/>
+    <dgm:txFillClrLst meth="repeat">
+      <a:schemeClr val="tx1"/>
+    </dgm:txFillClrLst>
+    <dgm:txEffectClrLst/>
+  </dgm:styleLbl>
+  <dgm:styleLbl name="fgAcc1">
+    <dgm:fillClrLst meth="repeat">
+      <a:schemeClr val="lt1">
+        <a:alpha val="90000"/>
+      </a:schemeClr>
+    </dgm:fillClrLst>
+    <dgm:linClrLst meth="repeat">
+      <a:schemeClr val="accent2"/>
+      <a:schemeClr val="accent3"/>
+      <a:schemeClr val="accent4"/>
+      <a:schemeClr val="accent5"/>
+      <a:schemeClr val="accent6"/>
+    </dgm:linClrLst>
+    <dgm:effectClrLst/>
+    <dgm:txLinClrLst/>
+    <dgm:txFillClrLst meth="repeat">
+      <a:schemeClr val="dk1"/>
+    </dgm:txFillClrLst>
+    <dgm:txEffectClrLst/>
+  </dgm:styleLbl>
+  <dgm:styleLbl name="conFgAcc1">
+    <dgm:fillClrLst meth="repeat">
+      <a:schemeClr val="lt1">
+        <a:alpha val="90000"/>
+      </a:schemeClr>
+    </dgm:fillClrLst>
+    <dgm:linClrLst meth="repeat">
+      <a:schemeClr val="accent2"/>
+      <a:schemeClr val="accent3"/>
+      <a:schemeClr val="accent4"/>
+      <a:schemeClr val="accent5"/>
+      <a:schemeClr val="accent6"/>
+    </dgm:linClrLst>
+    <dgm:effectClrLst/>
+    <dgm:txLinClrLst/>
+    <dgm:txFillClrLst meth="repeat">
+      <a:schemeClr val="dk1"/>
+    </dgm:txFillClrLst>
+    <dgm:txEffectClrLst/>
+  </dgm:styleLbl>
+  <dgm:styleLbl name="alignAcc1">
+    <dgm:fillClrLst meth="repeat">
+      <a:schemeClr val="lt1">
+        <a:alpha val="90000"/>
+      </a:schemeClr>
+    </dgm:fillClrLst>
+    <dgm:linClrLst meth="repeat">
+      <a:schemeClr val="accent2"/>
+      <a:schemeClr val="accent3"/>
+      <a:schemeClr val="accent4"/>
+      <a:schemeClr val="accent5"/>
+      <a:schemeClr val="accent6"/>
+    </dgm:linClrLst>
+    <dgm:effectClrLst/>
+    <dgm:txLinClrLst/>
+    <dgm:txFillClrLst meth="repeat">
+      <a:schemeClr val="dk1"/>
+    </dgm:txFillClrLst>
+    <dgm:txEffectClrLst/>
+  </dgm:styleLbl>
+  <dgm:styleLbl name="trAlignAcc1">
+    <dgm:fillClrLst meth="repeat">
+      <a:schemeClr val="lt1">
+        <a:alpha val="40000"/>
+      </a:schemeClr>
+    </dgm:fillClrLst>
+    <dgm:linClrLst meth="repeat">
+      <a:schemeClr val="accent1"/>
+    </dgm:linClrLst>
+    <dgm:effectClrLst/>
+    <dgm:txLinClrLst/>
+    <dgm:txFillClrLst meth="repeat">
+      <a:schemeClr val="dk1"/>
+    </dgm:txFillClrLst>
+    <dgm:txEffectClrLst/>
+  </dgm:styleLbl>
+  <dgm:styleLbl name="bgAcc1">
+    <dgm:fillClrLst meth="repeat">
+      <a:schemeClr val="lt1">
+        <a:alpha val="90000"/>
+      </a:schemeClr>
+    </dgm:fillClrLst>
+    <dgm:linClrLst meth="repeat">
+      <a:schemeClr val="accent2"/>
+      <a:schemeClr val="accent3"/>
+      <a:schemeClr val="accent4"/>
+      <a:schemeClr val="accent5"/>
+      <a:schemeClr val="accent6"/>
+    </dgm:linClrLst>
+    <dgm:effectClrLst/>
+    <dgm:txLinClrLst/>
+    <dgm:txFillClrLst meth="repeat">
+      <a:schemeClr val="dk1"/>
+    </dgm:txFillClrLst>
+    <dgm:txEffectClrLst/>
+  </dgm:styleLbl>
+  <dgm:styleLbl name="solidFgAcc1">
+    <dgm:fillClrLst meth="repeat">
+      <a:schemeClr val="lt1"/>
+    </dgm:fillClrLst>
+    <dgm:linClrLst meth="repeat">
+      <a:schemeClr val="accent2"/>
+      <a:schemeClr val="accent3"/>
+      <a:schemeClr val="accent4"/>
+      <a:schemeClr val="accent5"/>
+      <a:schemeClr val="accent6"/>
+    </dgm:linClrLst>
+    <dgm:effectClrLst/>
+    <dgm:txLinClrLst/>
+    <dgm:txFillClrLst meth="repeat">
+      <a:schemeClr val="dk1"/>
+    </dgm:txFillClrLst>
+    <dgm:txEffectClrLst/>
+  </dgm:styleLbl>
+  <dgm:styleLbl name="solidAlignAcc1">
+    <dgm:fillClrLst meth="repeat">
+      <a:schemeClr val="lt1"/>
+    </dgm:fillClrLst>
+    <dgm:linClrLst meth="repeat">
+      <a:schemeClr val="accent2"/>
+      <a:schemeClr val="accent3"/>
+      <a:schemeClr val="accent4"/>
+      <a:schemeClr val="accent5"/>
+      <a:schemeClr val="accent6"/>
+    </dgm:linClrLst>
+    <dgm:effectClrLst/>
+    <dgm:txLinClrLst/>
+    <dgm:txFillClrLst meth="repeat">
+      <a:schemeClr val="dk1"/>
+    </dgm:txFillClrLst>
+    <dgm:txEffectClrLst/>
+  </dgm:styleLbl>
+  <dgm:styleLbl name="solidBgAcc1">
+    <dgm:fillClrLst meth="repeat">
+      <a:schemeClr val="lt1"/>
+    </dgm:fillClrLst>
+    <dgm:linClrLst meth="repeat">
+      <a:schemeClr val="accent2"/>
+      <a:schemeClr val="accent3"/>
+      <a:schemeClr val="accent4"/>
+      <a:schemeClr val="accent5"/>
+      <a:schemeClr val="accent6"/>
+    </dgm:linClrLst>
+    <dgm:effectClrLst/>
+    <dgm:txLinClrLst/>
+    <dgm:txFillClrLst meth="repeat">
+      <a:schemeClr val="dk1"/>
+    </dgm:txFillClrLst>
+    <dgm:txEffectClrLst/>
+  </dgm:styleLbl>
+  <dgm:styleLbl name="fgAccFollowNode1">
+    <dgm:fillClrLst meth="repeat">
+      <a:schemeClr val="accent2">
+        <a:tint val="40000"/>
+        <a:alpha val="90000"/>
+      </a:schemeClr>
+      <a:schemeClr val="accent3">
+        <a:tint val="40000"/>
+        <a:alpha val="90000"/>
+      </a:schemeClr>
+      <a:schemeClr val="accent4">
+        <a:tint val="40000"/>
+        <a:alpha val="90000"/>
+      </a:schemeClr>
+      <a:schemeClr val="accent5">
+        <a:tint val="40000"/>
+        <a:alpha val="90000"/>
+      </a:schemeClr>
+      <a:schemeClr val="accent6">
+        <a:tint val="40000"/>
+        <a:alpha val="90000"/>
+      </a:schemeClr>
+    </dgm:fillClrLst>
+    <dgm:linClrLst meth="repeat">
+      <a:schemeClr val="accent2">
+        <a:tint val="40000"/>
+        <a:alpha val="90000"/>
+      </a:schemeClr>
+      <a:schemeClr val="accent3">
+        <a:tint val="40000"/>
+        <a:alpha val="90000"/>
+      </a:schemeClr>
+      <a:schemeClr val="accent4">
+        <a:tint val="40000"/>
+        <a:alpha val="90000"/>
+      </a:schemeClr>
+      <a:schemeClr val="accent5">
+        <a:tint val="40000"/>
+        <a:alpha val="90000"/>
+      </a:schemeClr>
+      <a:schemeClr val="accent6">
+        <a:tint val="40000"/>
+        <a:alpha val="90000"/>
+      </a:schemeClr>
+    </dgm:linClrLst>
+    <dgm:effectClrLst/>
+    <dgm:txLinClrLst/>
+    <dgm:txFillClrLst meth="repeat">
+      <a:schemeClr val="dk1"/>
+    </dgm:txFillClrLst>
+    <dgm:txEffectClrLst/>
+  </dgm:styleLbl>
+  <dgm:styleLbl name="alignAccFollowNode1">
+    <dgm:fillClrLst meth="repeat">
+      <a:schemeClr val="accent2">
+        <a:tint val="40000"/>
+        <a:alpha val="90000"/>
+      </a:schemeClr>
+      <a:schemeClr val="accent3">
+        <a:tint val="40000"/>
+        <a:alpha val="90000"/>
+      </a:schemeClr>
+      <a:schemeClr val="accent4">
+        <a:tint val="40000"/>
+        <a:alpha val="90000"/>
+      </a:schemeClr>
+      <a:schemeClr val="accent5">
+        <a:tint val="40000"/>
+        <a:alpha val="90000"/>
+      </a:schemeClr>
+      <a:schemeClr val="accent6">
+        <a:tint val="40000"/>
+        <a:alpha val="90000"/>
+      </a:schemeClr>
+    </dgm:fillClrLst>
+    <dgm:linClrLst meth="repeat">
+      <a:schemeClr val="accent2">
+        <a:tint val="40000"/>
+        <a:alpha val="90000"/>
+      </a:schemeClr>
+      <a:schemeClr val="accent3">
+        <a:tint val="40000"/>
+        <a:alpha val="90000"/>
+      </a:schemeClr>
+      <a:schemeClr val="accent4">
+        <a:tint val="40000"/>
+        <a:alpha val="90000"/>
+      </a:schemeClr>
+      <a:schemeClr val="accent5">
+        <a:tint val="40000"/>
+        <a:alpha val="90000"/>
+      </a:schemeClr>
+      <a:schemeClr val="accent6">
+        <a:tint val="40000"/>
+        <a:alpha val="90000"/>
+      </a:schemeClr>
+    </dgm:linClrLst>
+    <dgm:effectClrLst/>
+    <dgm:txLinClrLst/>
+    <dgm:txFillClrLst meth="repeat">
+      <a:schemeClr val="dk1"/>
+    </dgm:txFillClrLst>
+    <dgm:txEffectClrLst/>
+  </dgm:styleLbl>
+  <dgm:styleLbl name="bgAccFollowNode1">
+    <dgm:fillClrLst meth="repeat">
+      <a:schemeClr val="accent2">
+        <a:tint val="40000"/>
+        <a:alpha val="90000"/>
+      </a:schemeClr>
+      <a:schemeClr val="accent3">
+        <a:tint val="40000"/>
+        <a:alpha val="90000"/>
+      </a:schemeClr>
+      <a:schemeClr val="accent4">
+        <a:tint val="40000"/>
+        <a:alpha val="90000"/>
+      </a:schemeClr>
+      <a:schemeClr val="accent5">
+        <a:tint val="40000"/>
+        <a:alpha val="90000"/>
+      </a:schemeClr>
+      <a:schemeClr val="accent6">
+        <a:tint val="40000"/>
+        <a:alpha val="90000"/>
+      </a:schemeClr>
+    </dgm:fillClrLst>
+    <dgm:linClrLst meth="repeat">
+      <a:schemeClr val="accent2">
+        <a:tint val="40000"/>
+        <a:alpha val="90000"/>
+      </a:schemeClr>
+      <a:schemeClr val="accent3">
+        <a:tint val="40000"/>
+        <a:alpha val="90000"/>
+      </a:schemeClr>
+      <a:schemeClr val="accent4">
+        <a:tint val="40000"/>
+        <a:alpha val="90000"/>
+      </a:schemeClr>
+      <a:schemeClr val="accent5">
+        <a:tint val="40000"/>
+        <a:alpha val="90000"/>
+      </a:schemeClr>
+      <a:schemeClr val="accent6">
+        <a:tint val="40000"/>
+        <a:alpha val="90000"/>
+      </a:schemeClr>
+    </dgm:linClrLst>
+    <dgm:effectClrLst/>
+    <dgm:txLinClrLst/>
+    <dgm:txFillClrLst meth="repeat">
+      <a:schemeClr val="dk1"/>
+    </dgm:txFillClrLst>
+    <dgm:txEffectClrLst/>
+  </dgm:styleLbl>
+  <dgm:styleLbl name="fgAcc0">
+    <dgm:fillClrLst meth="repeat">
+      <a:schemeClr val="lt1">
+        <a:alpha val="90000"/>
+      </a:schemeClr>
+    </dgm:fillClrLst>
+    <dgm:linClrLst>
+      <a:schemeClr val="accent1"/>
+    </dgm:linClrLst>
+    <dgm:effectClrLst/>
+    <dgm:txLinClrLst/>
+    <dgm:txFillClrLst meth="repeat">
+      <a:schemeClr val="dk1"/>
+    </dgm:txFillClrLst>
+    <dgm:txEffectClrLst/>
+  </dgm:styleLbl>
+  <dgm:styleLbl name="fgAcc2">
+    <dgm:fillClrLst meth="repeat">
+      <a:schemeClr val="lt1">
+        <a:alpha val="90000"/>
+      </a:schemeClr>
+    </dgm:fillClrLst>
+    <dgm:linClrLst>
+      <a:schemeClr val="accent2"/>
+    </dgm:linClrLst>
+    <dgm:effectClrLst/>
+    <dgm:txLinClrLst/>
+    <dgm:txFillClrLst meth="repeat">
+      <a:schemeClr val="dk1"/>
+    </dgm:txFillClrLst>
+    <dgm:txEffectClrLst/>
+  </dgm:styleLbl>
+  <dgm:styleLbl name="fgAcc3">
+    <dgm:fillClrLst meth="repeat">
+      <a:schemeClr val="lt1">
+        <a:alpha val="90000"/>
+      </a:schemeClr>
+    </dgm:fillClrLst>
+    <dgm:linClrLst>
+      <a:schemeClr val="accent3"/>
+    </dgm:linClrLst>
+    <dgm:effectClrLst/>
+    <dgm:txLinClrLst/>
+    <dgm:txFillClrLst meth="repeat">
+      <a:schemeClr val="dk1"/>
+    </dgm:txFillClrLst>
+    <dgm:txEffectClrLst/>
+  </dgm:styleLbl>
+  <dgm:styleLbl name="fgAcc4">
+    <dgm:fillClrLst meth="repeat">
+      <a:schemeClr val="lt1">
+        <a:alpha val="90000"/>
+      </a:schemeClr>
+    </dgm:fillClrLst>
+    <dgm:linClrLst>
+      <a:schemeClr val="accent4"/>
+    </dgm:linClrLst>
+    <dgm:effectClrLst/>
+    <dgm:txLinClrLst/>
+    <dgm:txFillClrLst meth="repeat">
+      <a:schemeClr val="dk1"/>
+    </dgm:txFillClrLst>
+    <dgm:txEffectClrLst/>
+  </dgm:styleLbl>
+  <dgm:styleLbl name="bgShp">
+    <dgm:fillClrLst meth="repeat">
+      <a:schemeClr val="bg1">
+        <a:lumMod val="95000"/>
+      </a:schemeClr>
+    </dgm:fillClrLst>
+    <dgm:linClrLst meth="repeat">
+      <a:schemeClr val="dk1"/>
+    </dgm:linClrLst>
+    <dgm:effectClrLst/>
+    <dgm:txLinClrLst/>
+    <dgm:txFillClrLst meth="repeat">
+      <a:schemeClr val="dk1"/>
+    </dgm:txFillClrLst>
+    <dgm:txEffectClrLst/>
+  </dgm:styleLbl>
+  <dgm:styleLbl name="dkBgShp">
+    <dgm:fillClrLst meth="repeat">
+      <a:schemeClr val="accent2">
+        <a:shade val="90000"/>
+      </a:schemeClr>
+    </dgm:fillClrLst>
+    <dgm:linClrLst meth="repeat">
+      <a:schemeClr val="dk1"/>
+    </dgm:linClrLst>
+    <dgm:effectClrLst/>
+    <dgm:txLinClrLst/>
+    <dgm:txFillClrLst meth="repeat">
+      <a:schemeClr val="lt1"/>
+    </dgm:txFillClrLst>
+    <dgm:txEffectClrLst/>
+  </dgm:styleLbl>
+  <dgm:styleLbl name="trBgShp">
+    <dgm:fillClrLst meth="repeat">
+      <a:schemeClr val="accent1">
+        <a:tint val="50000"/>
+        <a:alpha val="40000"/>
+      </a:schemeClr>
+    </dgm:fillClrLst>
+    <dgm:linClrLst meth="repeat">
+      <a:schemeClr val="accent2"/>
+    </dgm:linClrLst>
+    <dgm:effectClrLst/>
+    <dgm:txLinClrLst/>
+    <dgm:txFillClrLst meth="repeat">
+      <a:schemeClr val="lt1"/>
+    </dgm:txFillClrLst>
+    <dgm:txEffectClrLst/>
+  </dgm:styleLbl>
+  <dgm:styleLbl name="fgShp">
+    <dgm:fillClrLst meth="repeat">
+      <a:schemeClr val="accent2">
+        <a:tint val="40000"/>
+      </a:schemeClr>
+    </dgm:fillClrLst>
+    <dgm:linClrLst meth="repeat">
+      <a:schemeClr val="lt1"/>
+    </dgm:linClrLst>
+    <dgm:effectClrLst/>
+    <dgm:txLinClrLst/>
+    <dgm:txFillClrLst meth="repeat">
+      <a:schemeClr val="dk1"/>
+    </dgm:txFillClrLst>
+    <dgm:txEffectClrLst/>
+  </dgm:styleLbl>
+  <dgm:styleLbl name="revTx">
+    <dgm:fillClrLst meth="repeat">
+      <a:schemeClr val="lt1">
+        <a:alpha val="0"/>
+      </a:schemeClr>
+    </dgm:fillClrLst>
+    <dgm:linClrLst meth="repeat">
+      <a:schemeClr val="dk1">
+        <a:alpha val="0"/>
+      </a:schemeClr>
+    </dgm:linClrLst>
+    <dgm:effectClrLst/>
+    <dgm:txLinClrLst/>
+    <dgm:txFillClrLst meth="repeat">
+      <a:schemeClr val="tx1"/>
+    </dgm:txFillClrLst>
+    <dgm:txEffectClrLst/>
+  </dgm:styleLbl>
+</dgm:colorsDef>
+</file>
+
+<file path=ppt/diagrams/colors3.xml><?xml version="1.0" encoding="utf-8"?>
 <dgm:colorsDef xmlns:dgm="http://schemas.openxmlformats.org/drawingml/2006/diagram" xmlns:a="http://schemas.openxmlformats.org/drawingml/2006/main" uniqueId="urn:microsoft.com/office/officeart/2018/5/colors/Iconchunking_neutralbg_colorful1">
   <dgm:title val=""/>
   <dgm:desc val=""/>
@@ -2185,7 +3146,7 @@
   <dgm:whole/>
   <dgm:extLst>
     <a:ext uri="http://schemas.microsoft.com/office/drawing/2008/diagram">
-      <dsp:dataModelExt xmlns:dsp="http://schemas.microsoft.com/office/drawing/2008/diagram" relId="rId7" minVer="http://schemas.openxmlformats.org/drawingml/2006/diagram"/>
+      <dsp:dataModelExt xmlns:dsp="http://schemas.microsoft.com/office/drawing/2008/diagram" relId="rId6" minVer="http://schemas.openxmlformats.org/drawingml/2006/diagram"/>
     </a:ext>
   </dgm:extLst>
 </dgm:dataModel>
@@ -2524,7 +3485,336 @@
   <dgm:whole/>
   <dgm:extLst>
     <a:ext uri="http://schemas.microsoft.com/office/drawing/2008/diagram">
-      <dsp:dataModelExt xmlns:dsp="http://schemas.microsoft.com/office/drawing/2008/diagram" relId="rId7" minVer="http://schemas.openxmlformats.org/drawingml/2006/diagram"/>
+      <dsp:dataModelExt xmlns:dsp="http://schemas.microsoft.com/office/drawing/2008/diagram" relId="rId6" minVer="http://schemas.openxmlformats.org/drawingml/2006/diagram"/>
+    </a:ext>
+  </dgm:extLst>
+</dgm:dataModel>
+</file>
+
+<file path=ppt/diagrams/data3.xml><?xml version="1.0" encoding="utf-8"?>
+<dgm:dataModel xmlns:dgm="http://schemas.openxmlformats.org/drawingml/2006/diagram" xmlns:a="http://schemas.openxmlformats.org/drawingml/2006/main">
+  <dgm:ptLst>
+    <dgm:pt modelId="{7F9198F6-E9BB-4AB6-819F-BB345B06B77B}" type="doc">
+      <dgm:prSet loTypeId="urn:microsoft.com/office/officeart/2018/5/layout/IconCircleLabelList" loCatId="icon" qsTypeId="urn:microsoft.com/office/officeart/2005/8/quickstyle/simple1" qsCatId="simple" csTypeId="urn:microsoft.com/office/officeart/2018/5/colors/Iconchunking_neutralbg_colorful1" csCatId="colorful" phldr="1"/>
+      <dgm:spPr/>
+      <dgm:t>
+        <a:bodyPr/>
+        <a:lstStyle/>
+        <a:p>
+          <a:endParaRPr lang="en-US"/>
+        </a:p>
+      </dgm:t>
+    </dgm:pt>
+    <dgm:pt modelId="{372A8C44-0A34-4590-BBBC-E1CC1D910552}">
+      <dgm:prSet custT="1"/>
+      <dgm:spPr/>
+      <dgm:t>
+        <a:bodyPr/>
+        <a:lstStyle/>
+        <a:p>
+          <a:pPr>
+            <a:defRPr cap="all"/>
+          </a:pPr>
+          <a:r>
+            <a:rPr lang="it-IT" sz="2200" dirty="0"/>
+            <a:t>BLUETOOTH</a:t>
+          </a:r>
+          <a:endParaRPr lang="en-US" sz="2200" dirty="0"/>
+        </a:p>
+      </dgm:t>
+    </dgm:pt>
+    <dgm:pt modelId="{BD71AF68-10B0-46CF-8D67-9520F5CD68B7}" type="parTrans" cxnId="{63856DFD-0357-42EB-B5D2-956F9A628E31}">
+      <dgm:prSet/>
+      <dgm:spPr/>
+      <dgm:t>
+        <a:bodyPr/>
+        <a:lstStyle/>
+        <a:p>
+          <a:endParaRPr lang="en-US"/>
+        </a:p>
+      </dgm:t>
+    </dgm:pt>
+    <dgm:pt modelId="{6F4D7820-8541-4227-B036-D0E42B8A77EF}" type="sibTrans" cxnId="{63856DFD-0357-42EB-B5D2-956F9A628E31}">
+      <dgm:prSet/>
+      <dgm:spPr/>
+      <dgm:t>
+        <a:bodyPr/>
+        <a:lstStyle/>
+        <a:p>
+          <a:endParaRPr lang="en-US"/>
+        </a:p>
+      </dgm:t>
+    </dgm:pt>
+    <dgm:pt modelId="{A1A403CA-0BB8-4C2C-BA97-BACAAECD1AD2}">
+      <dgm:prSet custT="1"/>
+      <dgm:spPr/>
+      <dgm:t>
+        <a:bodyPr/>
+        <a:lstStyle/>
+        <a:p>
+          <a:pPr>
+            <a:defRPr cap="all"/>
+          </a:pPr>
+          <a:r>
+            <a:rPr lang="it-IT" sz="2200" dirty="0"/>
+            <a:t>ACCESS_FINE_LOCATION</a:t>
+          </a:r>
+          <a:endParaRPr lang="en-US" sz="2200" dirty="0"/>
+        </a:p>
+      </dgm:t>
+    </dgm:pt>
+    <dgm:pt modelId="{E1BEFD57-5DEC-4EE2-9476-81F4EF0D1BB9}" type="parTrans" cxnId="{FEFE99BB-AB70-4351-A513-B2F98C74F146}">
+      <dgm:prSet/>
+      <dgm:spPr/>
+      <dgm:t>
+        <a:bodyPr/>
+        <a:lstStyle/>
+        <a:p>
+          <a:endParaRPr lang="en-US"/>
+        </a:p>
+      </dgm:t>
+    </dgm:pt>
+    <dgm:pt modelId="{C1FD1643-2F86-4068-93A9-CB7A1CFCF3B9}" type="sibTrans" cxnId="{FEFE99BB-AB70-4351-A513-B2F98C74F146}">
+      <dgm:prSet/>
+      <dgm:spPr/>
+      <dgm:t>
+        <a:bodyPr/>
+        <a:lstStyle/>
+        <a:p>
+          <a:endParaRPr lang="en-US"/>
+        </a:p>
+      </dgm:t>
+    </dgm:pt>
+    <dgm:pt modelId="{8D2F20F9-6E24-4F06-BDA3-66F149EFB480}">
+      <dgm:prSet custT="1"/>
+      <dgm:spPr/>
+      <dgm:t>
+        <a:bodyPr/>
+        <a:lstStyle/>
+        <a:p>
+          <a:pPr>
+            <a:defRPr cap="all"/>
+          </a:pPr>
+          <a:r>
+            <a:rPr lang="it-IT" sz="2200" dirty="0"/>
+            <a:t>BLUETOOTH_ADMIN</a:t>
+          </a:r>
+          <a:endParaRPr lang="en-US" sz="2200" dirty="0"/>
+        </a:p>
+      </dgm:t>
+    </dgm:pt>
+    <dgm:pt modelId="{836CC0D5-E4DF-489D-ABA4-ED69BB503272}" type="parTrans" cxnId="{E709F78D-7CEE-46A9-8B30-8D42E96AC49B}">
+      <dgm:prSet/>
+      <dgm:spPr/>
+      <dgm:t>
+        <a:bodyPr/>
+        <a:lstStyle/>
+        <a:p>
+          <a:endParaRPr lang="en-US"/>
+        </a:p>
+      </dgm:t>
+    </dgm:pt>
+    <dgm:pt modelId="{CEE70C2F-A24D-4B75-AEFC-351DD6425643}" type="sibTrans" cxnId="{E709F78D-7CEE-46A9-8B30-8D42E96AC49B}">
+      <dgm:prSet/>
+      <dgm:spPr/>
+      <dgm:t>
+        <a:bodyPr/>
+        <a:lstStyle/>
+        <a:p>
+          <a:endParaRPr lang="en-US"/>
+        </a:p>
+      </dgm:t>
+    </dgm:pt>
+    <dgm:pt modelId="{C26995DD-4EEE-4C99-9020-9C89987F7E10}" type="pres">
+      <dgm:prSet presAssocID="{7F9198F6-E9BB-4AB6-819F-BB345B06B77B}" presName="root" presStyleCnt="0">
+        <dgm:presLayoutVars>
+          <dgm:dir/>
+          <dgm:resizeHandles val="exact"/>
+        </dgm:presLayoutVars>
+      </dgm:prSet>
+      <dgm:spPr/>
+    </dgm:pt>
+    <dgm:pt modelId="{82704E3A-E214-414E-AD9A-DBD42BC4E667}" type="pres">
+      <dgm:prSet presAssocID="{372A8C44-0A34-4590-BBBC-E1CC1D910552}" presName="compNode" presStyleCnt="0"/>
+      <dgm:spPr/>
+    </dgm:pt>
+    <dgm:pt modelId="{339C2E25-E80B-4CE9-86AF-A3AD89278684}" type="pres">
+      <dgm:prSet presAssocID="{372A8C44-0A34-4590-BBBC-E1CC1D910552}" presName="iconBgRect" presStyleLbl="bgShp" presStyleIdx="0" presStyleCnt="3"/>
+      <dgm:spPr/>
+    </dgm:pt>
+    <dgm:pt modelId="{7D21CA22-212E-456C-B600-5FBBFD27F086}" type="pres">
+      <dgm:prSet presAssocID="{372A8C44-0A34-4590-BBBC-E1CC1D910552}" presName="iconRect" presStyleLbl="node1" presStyleIdx="0" presStyleCnt="3"/>
+      <dgm:spPr>
+        <a:blipFill>
+          <a:blip xmlns:r="http://schemas.openxmlformats.org/officeDocument/2006/relationships" r:embed="rId1">
+            <a:extLst>
+              <a:ext uri="{96DAC541-7B7A-43D3-8B79-37D633B846F1}">
+                <asvg:svgBlip xmlns:asvg="http://schemas.microsoft.com/office/drawing/2016/SVG/main" r:embed="rId2"/>
+              </a:ext>
+            </a:extLst>
+          </a:blip>
+          <a:srcRect/>
+          <a:stretch>
+            <a:fillRect/>
+          </a:stretch>
+        </a:blipFill>
+        <a:ln>
+          <a:noFill/>
+        </a:ln>
+      </dgm:spPr>
+      <dgm:extLst>
+        <a:ext uri="{E40237B7-FDA0-4F09-8148-C483321AD2D9}">
+          <dgm14:cNvPr xmlns:dgm14="http://schemas.microsoft.com/office/drawing/2010/diagram" id="0" name="" descr="Bluetooth"/>
+        </a:ext>
+      </dgm:extLst>
+    </dgm:pt>
+    <dgm:pt modelId="{018ACEFF-DA1A-4623-BE8A-4BDCC3EF38F5}" type="pres">
+      <dgm:prSet presAssocID="{372A8C44-0A34-4590-BBBC-E1CC1D910552}" presName="spaceRect" presStyleCnt="0"/>
+      <dgm:spPr/>
+    </dgm:pt>
+    <dgm:pt modelId="{BA4A276F-0E9D-4078-8832-993017C5406E}" type="pres">
+      <dgm:prSet presAssocID="{372A8C44-0A34-4590-BBBC-E1CC1D910552}" presName="textRect" presStyleLbl="revTx" presStyleIdx="0" presStyleCnt="3">
+        <dgm:presLayoutVars>
+          <dgm:chMax val="1"/>
+          <dgm:chPref val="1"/>
+        </dgm:presLayoutVars>
+      </dgm:prSet>
+      <dgm:spPr/>
+    </dgm:pt>
+    <dgm:pt modelId="{017964A3-856D-4AC8-98A2-311D1A730C05}" type="pres">
+      <dgm:prSet presAssocID="{6F4D7820-8541-4227-B036-D0E42B8A77EF}" presName="sibTrans" presStyleCnt="0"/>
+      <dgm:spPr/>
+    </dgm:pt>
+    <dgm:pt modelId="{FBCEC7DB-7AD6-49F0-AABA-EABE9537A9F4}" type="pres">
+      <dgm:prSet presAssocID="{A1A403CA-0BB8-4C2C-BA97-BACAAECD1AD2}" presName="compNode" presStyleCnt="0"/>
+      <dgm:spPr/>
+    </dgm:pt>
+    <dgm:pt modelId="{1D8BF001-7A8B-4D87-A72E-F7DDB62A7C16}" type="pres">
+      <dgm:prSet presAssocID="{A1A403CA-0BB8-4C2C-BA97-BACAAECD1AD2}" presName="iconBgRect" presStyleLbl="bgShp" presStyleIdx="1" presStyleCnt="3"/>
+      <dgm:spPr/>
+    </dgm:pt>
+    <dgm:pt modelId="{9F24D0F2-2DF3-4428-80AC-DF72C0B6C306}" type="pres">
+      <dgm:prSet presAssocID="{A1A403CA-0BB8-4C2C-BA97-BACAAECD1AD2}" presName="iconRect" presStyleLbl="node1" presStyleIdx="1" presStyleCnt="3"/>
+      <dgm:spPr>
+        <a:blipFill>
+          <a:blip xmlns:r="http://schemas.openxmlformats.org/officeDocument/2006/relationships" r:embed="rId3">
+            <a:extLst>
+              <a:ext uri="{96DAC541-7B7A-43D3-8B79-37D633B846F1}">
+                <asvg:svgBlip xmlns:asvg="http://schemas.microsoft.com/office/drawing/2016/SVG/main" r:embed="rId4"/>
+              </a:ext>
+            </a:extLst>
+          </a:blip>
+          <a:srcRect/>
+          <a:stretch>
+            <a:fillRect/>
+          </a:stretch>
+        </a:blipFill>
+        <a:ln>
+          <a:noFill/>
+        </a:ln>
+      </dgm:spPr>
+      <dgm:extLst>
+        <a:ext uri="{E40237B7-FDA0-4F09-8148-C483321AD2D9}">
+          <dgm14:cNvPr xmlns:dgm14="http://schemas.microsoft.com/office/drawing/2010/diagram" id="0" name="" descr="Registrarsi"/>
+        </a:ext>
+      </dgm:extLst>
+    </dgm:pt>
+    <dgm:pt modelId="{FB591AF1-EB9C-4245-A81A-EEE8700DFA7C}" type="pres">
+      <dgm:prSet presAssocID="{A1A403CA-0BB8-4C2C-BA97-BACAAECD1AD2}" presName="spaceRect" presStyleCnt="0"/>
+      <dgm:spPr/>
+    </dgm:pt>
+    <dgm:pt modelId="{949482CC-EFB4-4685-8139-B14497FFD80E}" type="pres">
+      <dgm:prSet presAssocID="{A1A403CA-0BB8-4C2C-BA97-BACAAECD1AD2}" presName="textRect" presStyleLbl="revTx" presStyleIdx="1" presStyleCnt="3">
+        <dgm:presLayoutVars>
+          <dgm:chMax val="1"/>
+          <dgm:chPref val="1"/>
+        </dgm:presLayoutVars>
+      </dgm:prSet>
+      <dgm:spPr/>
+    </dgm:pt>
+    <dgm:pt modelId="{DAF5467F-922C-47BB-B9A2-39A9AA15F1B9}" type="pres">
+      <dgm:prSet presAssocID="{C1FD1643-2F86-4068-93A9-CB7A1CFCF3B9}" presName="sibTrans" presStyleCnt="0"/>
+      <dgm:spPr/>
+    </dgm:pt>
+    <dgm:pt modelId="{ADED604B-4BDB-4EE9-B2C9-120C8E0D4D2E}" type="pres">
+      <dgm:prSet presAssocID="{8D2F20F9-6E24-4F06-BDA3-66F149EFB480}" presName="compNode" presStyleCnt="0"/>
+      <dgm:spPr/>
+    </dgm:pt>
+    <dgm:pt modelId="{C03C8607-3AF6-434F-8C2A-B0FC9EAB157E}" type="pres">
+      <dgm:prSet presAssocID="{8D2F20F9-6E24-4F06-BDA3-66F149EFB480}" presName="iconBgRect" presStyleLbl="bgShp" presStyleIdx="2" presStyleCnt="3"/>
+      <dgm:spPr/>
+    </dgm:pt>
+    <dgm:pt modelId="{69385243-7D66-4E4A-A5CC-76245253F600}" type="pres">
+      <dgm:prSet presAssocID="{8D2F20F9-6E24-4F06-BDA3-66F149EFB480}" presName="iconRect" presStyleLbl="node1" presStyleIdx="2" presStyleCnt="3"/>
+      <dgm:spPr>
+        <a:blipFill>
+          <a:blip xmlns:r="http://schemas.openxmlformats.org/officeDocument/2006/relationships" r:embed="rId5">
+            <a:extLst>
+              <a:ext uri="{96DAC541-7B7A-43D3-8B79-37D633B846F1}">
+                <asvg:svgBlip xmlns:asvg="http://schemas.microsoft.com/office/drawing/2016/SVG/main" r:embed="rId6"/>
+              </a:ext>
+            </a:extLst>
+          </a:blip>
+          <a:srcRect/>
+          <a:stretch>
+            <a:fillRect/>
+          </a:stretch>
+        </a:blipFill>
+        <a:ln>
+          <a:noFill/>
+        </a:ln>
+      </dgm:spPr>
+      <dgm:extLst>
+        <a:ext uri="{E40237B7-FDA0-4F09-8148-C483321AD2D9}">
+          <dgm14:cNvPr xmlns:dgm14="http://schemas.microsoft.com/office/drawing/2010/diagram" id="0" name="" descr="Impostazioni"/>
+        </a:ext>
+      </dgm:extLst>
+    </dgm:pt>
+    <dgm:pt modelId="{AB708A41-4DA5-4CA2-98C0-4740653662CE}" type="pres">
+      <dgm:prSet presAssocID="{8D2F20F9-6E24-4F06-BDA3-66F149EFB480}" presName="spaceRect" presStyleCnt="0"/>
+      <dgm:spPr/>
+    </dgm:pt>
+    <dgm:pt modelId="{DE961932-2BDC-4523-A075-1AB5F06E0C53}" type="pres">
+      <dgm:prSet presAssocID="{8D2F20F9-6E24-4F06-BDA3-66F149EFB480}" presName="textRect" presStyleLbl="revTx" presStyleIdx="2" presStyleCnt="3">
+        <dgm:presLayoutVars>
+          <dgm:chMax val="1"/>
+          <dgm:chPref val="1"/>
+        </dgm:presLayoutVars>
+      </dgm:prSet>
+      <dgm:spPr/>
+    </dgm:pt>
+  </dgm:ptLst>
+  <dgm:cxnLst>
+    <dgm:cxn modelId="{E709F78D-7CEE-46A9-8B30-8D42E96AC49B}" srcId="{7F9198F6-E9BB-4AB6-819F-BB345B06B77B}" destId="{8D2F20F9-6E24-4F06-BDA3-66F149EFB480}" srcOrd="2" destOrd="0" parTransId="{836CC0D5-E4DF-489D-ABA4-ED69BB503272}" sibTransId="{CEE70C2F-A24D-4B75-AEFC-351DD6425643}"/>
+    <dgm:cxn modelId="{FEFE99BB-AB70-4351-A513-B2F98C74F146}" srcId="{7F9198F6-E9BB-4AB6-819F-BB345B06B77B}" destId="{A1A403CA-0BB8-4C2C-BA97-BACAAECD1AD2}" srcOrd="1" destOrd="0" parTransId="{E1BEFD57-5DEC-4EE2-9476-81F4EF0D1BB9}" sibTransId="{C1FD1643-2F86-4068-93A9-CB7A1CFCF3B9}"/>
+    <dgm:cxn modelId="{AB24C5BE-328C-4A29-A8B9-1DE8DBBD862B}" type="presOf" srcId="{A1A403CA-0BB8-4C2C-BA97-BACAAECD1AD2}" destId="{949482CC-EFB4-4685-8139-B14497FFD80E}" srcOrd="0" destOrd="0" presId="urn:microsoft.com/office/officeart/2018/5/layout/IconCircleLabelList"/>
+    <dgm:cxn modelId="{3BA6FAC3-1A7F-4F1A-88C5-65AC288927B0}" type="presOf" srcId="{7F9198F6-E9BB-4AB6-819F-BB345B06B77B}" destId="{C26995DD-4EEE-4C99-9020-9C89987F7E10}" srcOrd="0" destOrd="0" presId="urn:microsoft.com/office/officeart/2018/5/layout/IconCircleLabelList"/>
+    <dgm:cxn modelId="{CCF3B6CC-6580-45ED-81EF-13DBC7888EF8}" type="presOf" srcId="{372A8C44-0A34-4590-BBBC-E1CC1D910552}" destId="{BA4A276F-0E9D-4078-8832-993017C5406E}" srcOrd="0" destOrd="0" presId="urn:microsoft.com/office/officeart/2018/5/layout/IconCircleLabelList"/>
+    <dgm:cxn modelId="{95E9B9F0-371C-4879-B1EB-5E16DD5CFE7B}" type="presOf" srcId="{8D2F20F9-6E24-4F06-BDA3-66F149EFB480}" destId="{DE961932-2BDC-4523-A075-1AB5F06E0C53}" srcOrd="0" destOrd="0" presId="urn:microsoft.com/office/officeart/2018/5/layout/IconCircleLabelList"/>
+    <dgm:cxn modelId="{63856DFD-0357-42EB-B5D2-956F9A628E31}" srcId="{7F9198F6-E9BB-4AB6-819F-BB345B06B77B}" destId="{372A8C44-0A34-4590-BBBC-E1CC1D910552}" srcOrd="0" destOrd="0" parTransId="{BD71AF68-10B0-46CF-8D67-9520F5CD68B7}" sibTransId="{6F4D7820-8541-4227-B036-D0E42B8A77EF}"/>
+    <dgm:cxn modelId="{D5EEF498-F9E0-4476-B980-7231584162ED}" type="presParOf" srcId="{C26995DD-4EEE-4C99-9020-9C89987F7E10}" destId="{82704E3A-E214-414E-AD9A-DBD42BC4E667}" srcOrd="0" destOrd="0" presId="urn:microsoft.com/office/officeart/2018/5/layout/IconCircleLabelList"/>
+    <dgm:cxn modelId="{6EBDA281-D0D6-4D4C-BA1C-84C9DCA552B3}" type="presParOf" srcId="{82704E3A-E214-414E-AD9A-DBD42BC4E667}" destId="{339C2E25-E80B-4CE9-86AF-A3AD89278684}" srcOrd="0" destOrd="0" presId="urn:microsoft.com/office/officeart/2018/5/layout/IconCircleLabelList"/>
+    <dgm:cxn modelId="{8AA45494-5F84-4FD2-9EDE-D571BCA02765}" type="presParOf" srcId="{82704E3A-E214-414E-AD9A-DBD42BC4E667}" destId="{7D21CA22-212E-456C-B600-5FBBFD27F086}" srcOrd="1" destOrd="0" presId="urn:microsoft.com/office/officeart/2018/5/layout/IconCircleLabelList"/>
+    <dgm:cxn modelId="{BAF091A4-4928-4885-BBB7-235162A5E144}" type="presParOf" srcId="{82704E3A-E214-414E-AD9A-DBD42BC4E667}" destId="{018ACEFF-DA1A-4623-BE8A-4BDCC3EF38F5}" srcOrd="2" destOrd="0" presId="urn:microsoft.com/office/officeart/2018/5/layout/IconCircleLabelList"/>
+    <dgm:cxn modelId="{4317A28C-E75A-42D7-AEE9-AE02CFC039FB}" type="presParOf" srcId="{82704E3A-E214-414E-AD9A-DBD42BC4E667}" destId="{BA4A276F-0E9D-4078-8832-993017C5406E}" srcOrd="3" destOrd="0" presId="urn:microsoft.com/office/officeart/2018/5/layout/IconCircleLabelList"/>
+    <dgm:cxn modelId="{B3CE3C32-8967-4097-B6B5-244C038CE1A8}" type="presParOf" srcId="{C26995DD-4EEE-4C99-9020-9C89987F7E10}" destId="{017964A3-856D-4AC8-98A2-311D1A730C05}" srcOrd="1" destOrd="0" presId="urn:microsoft.com/office/officeart/2018/5/layout/IconCircleLabelList"/>
+    <dgm:cxn modelId="{6C0F70C9-1B85-4BF7-A17A-922590F3D865}" type="presParOf" srcId="{C26995DD-4EEE-4C99-9020-9C89987F7E10}" destId="{FBCEC7DB-7AD6-49F0-AABA-EABE9537A9F4}" srcOrd="2" destOrd="0" presId="urn:microsoft.com/office/officeart/2018/5/layout/IconCircleLabelList"/>
+    <dgm:cxn modelId="{EB80D271-3317-4965-A7E0-639C3C93D1BA}" type="presParOf" srcId="{FBCEC7DB-7AD6-49F0-AABA-EABE9537A9F4}" destId="{1D8BF001-7A8B-4D87-A72E-F7DDB62A7C16}" srcOrd="0" destOrd="0" presId="urn:microsoft.com/office/officeart/2018/5/layout/IconCircleLabelList"/>
+    <dgm:cxn modelId="{853BC67A-34F2-42A0-92CA-EEC2DA038221}" type="presParOf" srcId="{FBCEC7DB-7AD6-49F0-AABA-EABE9537A9F4}" destId="{9F24D0F2-2DF3-4428-80AC-DF72C0B6C306}" srcOrd="1" destOrd="0" presId="urn:microsoft.com/office/officeart/2018/5/layout/IconCircleLabelList"/>
+    <dgm:cxn modelId="{ED17E12C-403A-402F-9D94-D5E5FEF6D9EF}" type="presParOf" srcId="{FBCEC7DB-7AD6-49F0-AABA-EABE9537A9F4}" destId="{FB591AF1-EB9C-4245-A81A-EEE8700DFA7C}" srcOrd="2" destOrd="0" presId="urn:microsoft.com/office/officeart/2018/5/layout/IconCircleLabelList"/>
+    <dgm:cxn modelId="{F88B03E6-463F-4519-BF3E-1121D544C0CD}" type="presParOf" srcId="{FBCEC7DB-7AD6-49F0-AABA-EABE9537A9F4}" destId="{949482CC-EFB4-4685-8139-B14497FFD80E}" srcOrd="3" destOrd="0" presId="urn:microsoft.com/office/officeart/2018/5/layout/IconCircleLabelList"/>
+    <dgm:cxn modelId="{A92E9E5A-352F-4C94-8AEF-6C287D064CDE}" type="presParOf" srcId="{C26995DD-4EEE-4C99-9020-9C89987F7E10}" destId="{DAF5467F-922C-47BB-B9A2-39A9AA15F1B9}" srcOrd="3" destOrd="0" presId="urn:microsoft.com/office/officeart/2018/5/layout/IconCircleLabelList"/>
+    <dgm:cxn modelId="{2710EE92-FA61-4537-B050-F117DC695FFA}" type="presParOf" srcId="{C26995DD-4EEE-4C99-9020-9C89987F7E10}" destId="{ADED604B-4BDB-4EE9-B2C9-120C8E0D4D2E}" srcOrd="4" destOrd="0" presId="urn:microsoft.com/office/officeart/2018/5/layout/IconCircleLabelList"/>
+    <dgm:cxn modelId="{BAE24E1B-B628-43C4-A736-45592BDC4D52}" type="presParOf" srcId="{ADED604B-4BDB-4EE9-B2C9-120C8E0D4D2E}" destId="{C03C8607-3AF6-434F-8C2A-B0FC9EAB157E}" srcOrd="0" destOrd="0" presId="urn:microsoft.com/office/officeart/2018/5/layout/IconCircleLabelList"/>
+    <dgm:cxn modelId="{F9AFF810-C945-46D3-976F-B9191DEAD17A}" type="presParOf" srcId="{ADED604B-4BDB-4EE9-B2C9-120C8E0D4D2E}" destId="{69385243-7D66-4E4A-A5CC-76245253F600}" srcOrd="1" destOrd="0" presId="urn:microsoft.com/office/officeart/2018/5/layout/IconCircleLabelList"/>
+    <dgm:cxn modelId="{60C2DCDE-1633-4C13-A8F4-06E2599851AD}" type="presParOf" srcId="{ADED604B-4BDB-4EE9-B2C9-120C8E0D4D2E}" destId="{AB708A41-4DA5-4CA2-98C0-4740653662CE}" srcOrd="2" destOrd="0" presId="urn:microsoft.com/office/officeart/2018/5/layout/IconCircleLabelList"/>
+    <dgm:cxn modelId="{8D998BC2-5E0D-47AF-B926-EF9D1B2CD4AF}" type="presParOf" srcId="{ADED604B-4BDB-4EE9-B2C9-120C8E0D4D2E}" destId="{DE961932-2BDC-4523-A075-1AB5F06E0C53}" srcOrd="3" destOrd="0" presId="urn:microsoft.com/office/officeart/2018/5/layout/IconCircleLabelList"/>
+  </dgm:cxnLst>
+  <dgm:bg/>
+  <dgm:whole/>
+  <dgm:extLst>
+    <a:ext uri="http://schemas.microsoft.com/office/drawing/2008/diagram">
+      <dsp:dataModelExt xmlns:dsp="http://schemas.microsoft.com/office/drawing/2008/diagram" relId="rId6" minVer="http://schemas.openxmlformats.org/drawingml/2006/diagram"/>
     </a:ext>
   </dgm:extLst>
 </dgm:dataModel>
@@ -3311,6 +4601,465 @@
 </dsp:drawing>
 </file>
 
+<file path=ppt/diagrams/drawing3.xml><?xml version="1.0" encoding="utf-8"?>
+<dsp:drawing xmlns:dgm="http://schemas.openxmlformats.org/drawingml/2006/diagram" xmlns:dsp="http://schemas.microsoft.com/office/drawing/2008/diagram" xmlns:a="http://schemas.openxmlformats.org/drawingml/2006/main">
+  <dsp:spTree>
+    <dsp:nvGrpSpPr>
+      <dsp:cNvPr id="0" name=""/>
+      <dsp:cNvGrpSpPr/>
+    </dsp:nvGrpSpPr>
+    <dsp:grpSpPr/>
+    <dsp:sp modelId="{339C2E25-E80B-4CE9-86AF-A3AD89278684}">
+      <dsp:nvSpPr>
+        <dsp:cNvPr id="0" name=""/>
+        <dsp:cNvSpPr/>
+      </dsp:nvSpPr>
+      <dsp:spPr>
+        <a:xfrm>
+          <a:off x="624000" y="240855"/>
+          <a:ext cx="1784250" cy="1784250"/>
+        </a:xfrm>
+        <a:prstGeom prst="ellipse">
+          <a:avLst/>
+        </a:prstGeom>
+        <a:solidFill>
+          <a:schemeClr val="bg1">
+            <a:lumMod val="95000"/>
+            <a:hueOff val="0"/>
+            <a:satOff val="0"/>
+            <a:lumOff val="0"/>
+            <a:alphaOff val="0"/>
+          </a:schemeClr>
+        </a:solidFill>
+        <a:ln>
+          <a:noFill/>
+        </a:ln>
+        <a:effectLst/>
+      </dsp:spPr>
+      <dsp:style>
+        <a:lnRef idx="0">
+          <a:scrgbClr r="0" g="0" b="0"/>
+        </a:lnRef>
+        <a:fillRef idx="1">
+          <a:scrgbClr r="0" g="0" b="0"/>
+        </a:fillRef>
+        <a:effectRef idx="0">
+          <a:scrgbClr r="0" g="0" b="0"/>
+        </a:effectRef>
+        <a:fontRef idx="minor"/>
+      </dsp:style>
+    </dsp:sp>
+    <dsp:sp modelId="{7D21CA22-212E-456C-B600-5FBBFD27F086}">
+      <dsp:nvSpPr>
+        <dsp:cNvPr id="0" name=""/>
+        <dsp:cNvSpPr/>
+      </dsp:nvSpPr>
+      <dsp:spPr>
+        <a:xfrm>
+          <a:off x="1004250" y="621105"/>
+          <a:ext cx="1023750" cy="1023750"/>
+        </a:xfrm>
+        <a:prstGeom prst="rect">
+          <a:avLst/>
+        </a:prstGeom>
+        <a:blipFill>
+          <a:blip xmlns:r="http://schemas.openxmlformats.org/officeDocument/2006/relationships" r:embed="rId1">
+            <a:extLst>
+              <a:ext uri="{96DAC541-7B7A-43D3-8B79-37D633B846F1}">
+                <asvg:svgBlip xmlns:asvg="http://schemas.microsoft.com/office/drawing/2016/SVG/main" r:embed="rId2"/>
+              </a:ext>
+            </a:extLst>
+          </a:blip>
+          <a:srcRect/>
+          <a:stretch>
+            <a:fillRect/>
+          </a:stretch>
+        </a:blipFill>
+        <a:ln w="15875" cap="flat" cmpd="sng" algn="ctr">
+          <a:noFill/>
+          <a:prstDash val="solid"/>
+        </a:ln>
+        <a:effectLst/>
+      </dsp:spPr>
+      <dsp:style>
+        <a:lnRef idx="2">
+          <a:scrgbClr r="0" g="0" b="0"/>
+        </a:lnRef>
+        <a:fillRef idx="1">
+          <a:scrgbClr r="0" g="0" b="0"/>
+        </a:fillRef>
+        <a:effectRef idx="0">
+          <a:scrgbClr r="0" g="0" b="0"/>
+        </a:effectRef>
+        <a:fontRef idx="minor">
+          <a:schemeClr val="lt1"/>
+        </a:fontRef>
+      </dsp:style>
+    </dsp:sp>
+    <dsp:sp modelId="{BA4A276F-0E9D-4078-8832-993017C5406E}">
+      <dsp:nvSpPr>
+        <dsp:cNvPr id="0" name=""/>
+        <dsp:cNvSpPr/>
+      </dsp:nvSpPr>
+      <dsp:spPr>
+        <a:xfrm>
+          <a:off x="53625" y="2580856"/>
+          <a:ext cx="2925000" cy="720000"/>
+        </a:xfrm>
+        <a:prstGeom prst="rect">
+          <a:avLst/>
+        </a:prstGeom>
+        <a:noFill/>
+        <a:ln>
+          <a:noFill/>
+        </a:ln>
+        <a:effectLst/>
+      </dsp:spPr>
+      <dsp:style>
+        <a:lnRef idx="0">
+          <a:scrgbClr r="0" g="0" b="0"/>
+        </a:lnRef>
+        <a:fillRef idx="0">
+          <a:scrgbClr r="0" g="0" b="0"/>
+        </a:fillRef>
+        <a:effectRef idx="0">
+          <a:scrgbClr r="0" g="0" b="0"/>
+        </a:effectRef>
+        <a:fontRef idx="minor"/>
+      </dsp:style>
+      <dsp:txBody>
+        <a:bodyPr spcFirstLastPara="0" vert="horz" wrap="square" lIns="0" tIns="0" rIns="0" bIns="0" numCol="1" spcCol="1270" anchor="t" anchorCtr="0">
+          <a:noAutofit/>
+        </a:bodyPr>
+        <a:lstStyle/>
+        <a:p>
+          <a:pPr marL="0" lvl="0" indent="0" algn="ctr" defTabSz="977900">
+            <a:lnSpc>
+              <a:spcPct val="90000"/>
+            </a:lnSpc>
+            <a:spcBef>
+              <a:spcPct val="0"/>
+            </a:spcBef>
+            <a:spcAft>
+              <a:spcPct val="35000"/>
+            </a:spcAft>
+            <a:buNone/>
+            <a:defRPr cap="all"/>
+          </a:pPr>
+          <a:r>
+            <a:rPr lang="it-IT" sz="2200" kern="1200" dirty="0"/>
+            <a:t>BLUETOOTH</a:t>
+          </a:r>
+          <a:endParaRPr lang="en-US" sz="2200" kern="1200" dirty="0"/>
+        </a:p>
+      </dsp:txBody>
+      <dsp:txXfrm>
+        <a:off x="53625" y="2580856"/>
+        <a:ext cx="2925000" cy="720000"/>
+      </dsp:txXfrm>
+    </dsp:sp>
+    <dsp:sp modelId="{1D8BF001-7A8B-4D87-A72E-F7DDB62A7C16}">
+      <dsp:nvSpPr>
+        <dsp:cNvPr id="0" name=""/>
+        <dsp:cNvSpPr/>
+      </dsp:nvSpPr>
+      <dsp:spPr>
+        <a:xfrm>
+          <a:off x="4060875" y="240855"/>
+          <a:ext cx="1784250" cy="1784250"/>
+        </a:xfrm>
+        <a:prstGeom prst="ellipse">
+          <a:avLst/>
+        </a:prstGeom>
+        <a:solidFill>
+          <a:schemeClr val="bg1">
+            <a:lumMod val="95000"/>
+            <a:hueOff val="0"/>
+            <a:satOff val="0"/>
+            <a:lumOff val="0"/>
+            <a:alphaOff val="0"/>
+          </a:schemeClr>
+        </a:solidFill>
+        <a:ln>
+          <a:noFill/>
+        </a:ln>
+        <a:effectLst/>
+      </dsp:spPr>
+      <dsp:style>
+        <a:lnRef idx="0">
+          <a:scrgbClr r="0" g="0" b="0"/>
+        </a:lnRef>
+        <a:fillRef idx="1">
+          <a:scrgbClr r="0" g="0" b="0"/>
+        </a:fillRef>
+        <a:effectRef idx="0">
+          <a:scrgbClr r="0" g="0" b="0"/>
+        </a:effectRef>
+        <a:fontRef idx="minor"/>
+      </dsp:style>
+    </dsp:sp>
+    <dsp:sp modelId="{9F24D0F2-2DF3-4428-80AC-DF72C0B6C306}">
+      <dsp:nvSpPr>
+        <dsp:cNvPr id="0" name=""/>
+        <dsp:cNvSpPr/>
+      </dsp:nvSpPr>
+      <dsp:spPr>
+        <a:xfrm>
+          <a:off x="4441125" y="621105"/>
+          <a:ext cx="1023750" cy="1023750"/>
+        </a:xfrm>
+        <a:prstGeom prst="rect">
+          <a:avLst/>
+        </a:prstGeom>
+        <a:blipFill>
+          <a:blip xmlns:r="http://schemas.openxmlformats.org/officeDocument/2006/relationships" r:embed="rId3">
+            <a:extLst>
+              <a:ext uri="{96DAC541-7B7A-43D3-8B79-37D633B846F1}">
+                <asvg:svgBlip xmlns:asvg="http://schemas.microsoft.com/office/drawing/2016/SVG/main" r:embed="rId4"/>
+              </a:ext>
+            </a:extLst>
+          </a:blip>
+          <a:srcRect/>
+          <a:stretch>
+            <a:fillRect/>
+          </a:stretch>
+        </a:blipFill>
+        <a:ln w="15875" cap="flat" cmpd="sng" algn="ctr">
+          <a:noFill/>
+          <a:prstDash val="solid"/>
+        </a:ln>
+        <a:effectLst/>
+      </dsp:spPr>
+      <dsp:style>
+        <a:lnRef idx="2">
+          <a:scrgbClr r="0" g="0" b="0"/>
+        </a:lnRef>
+        <a:fillRef idx="1">
+          <a:scrgbClr r="0" g="0" b="0"/>
+        </a:fillRef>
+        <a:effectRef idx="0">
+          <a:scrgbClr r="0" g="0" b="0"/>
+        </a:effectRef>
+        <a:fontRef idx="minor">
+          <a:schemeClr val="lt1"/>
+        </a:fontRef>
+      </dsp:style>
+    </dsp:sp>
+    <dsp:sp modelId="{949482CC-EFB4-4685-8139-B14497FFD80E}">
+      <dsp:nvSpPr>
+        <dsp:cNvPr id="0" name=""/>
+        <dsp:cNvSpPr/>
+      </dsp:nvSpPr>
+      <dsp:spPr>
+        <a:xfrm>
+          <a:off x="3490500" y="2580856"/>
+          <a:ext cx="2925000" cy="720000"/>
+        </a:xfrm>
+        <a:prstGeom prst="rect">
+          <a:avLst/>
+        </a:prstGeom>
+        <a:noFill/>
+        <a:ln>
+          <a:noFill/>
+        </a:ln>
+        <a:effectLst/>
+      </dsp:spPr>
+      <dsp:style>
+        <a:lnRef idx="0">
+          <a:scrgbClr r="0" g="0" b="0"/>
+        </a:lnRef>
+        <a:fillRef idx="0">
+          <a:scrgbClr r="0" g="0" b="0"/>
+        </a:fillRef>
+        <a:effectRef idx="0">
+          <a:scrgbClr r="0" g="0" b="0"/>
+        </a:effectRef>
+        <a:fontRef idx="minor"/>
+      </dsp:style>
+      <dsp:txBody>
+        <a:bodyPr spcFirstLastPara="0" vert="horz" wrap="square" lIns="0" tIns="0" rIns="0" bIns="0" numCol="1" spcCol="1270" anchor="t" anchorCtr="0">
+          <a:noAutofit/>
+        </a:bodyPr>
+        <a:lstStyle/>
+        <a:p>
+          <a:pPr marL="0" lvl="0" indent="0" algn="ctr" defTabSz="977900">
+            <a:lnSpc>
+              <a:spcPct val="90000"/>
+            </a:lnSpc>
+            <a:spcBef>
+              <a:spcPct val="0"/>
+            </a:spcBef>
+            <a:spcAft>
+              <a:spcPct val="35000"/>
+            </a:spcAft>
+            <a:buNone/>
+            <a:defRPr cap="all"/>
+          </a:pPr>
+          <a:r>
+            <a:rPr lang="it-IT" sz="2200" kern="1200" dirty="0"/>
+            <a:t>ACCESS_FINE_LOCATION</a:t>
+          </a:r>
+          <a:endParaRPr lang="en-US" sz="2200" kern="1200" dirty="0"/>
+        </a:p>
+      </dsp:txBody>
+      <dsp:txXfrm>
+        <a:off x="3490500" y="2580856"/>
+        <a:ext cx="2925000" cy="720000"/>
+      </dsp:txXfrm>
+    </dsp:sp>
+    <dsp:sp modelId="{C03C8607-3AF6-434F-8C2A-B0FC9EAB157E}">
+      <dsp:nvSpPr>
+        <dsp:cNvPr id="0" name=""/>
+        <dsp:cNvSpPr/>
+      </dsp:nvSpPr>
+      <dsp:spPr>
+        <a:xfrm>
+          <a:off x="7497750" y="240855"/>
+          <a:ext cx="1784250" cy="1784250"/>
+        </a:xfrm>
+        <a:prstGeom prst="ellipse">
+          <a:avLst/>
+        </a:prstGeom>
+        <a:solidFill>
+          <a:schemeClr val="bg1">
+            <a:lumMod val="95000"/>
+            <a:hueOff val="0"/>
+            <a:satOff val="0"/>
+            <a:lumOff val="0"/>
+            <a:alphaOff val="0"/>
+          </a:schemeClr>
+        </a:solidFill>
+        <a:ln>
+          <a:noFill/>
+        </a:ln>
+        <a:effectLst/>
+      </dsp:spPr>
+      <dsp:style>
+        <a:lnRef idx="0">
+          <a:scrgbClr r="0" g="0" b="0"/>
+        </a:lnRef>
+        <a:fillRef idx="1">
+          <a:scrgbClr r="0" g="0" b="0"/>
+        </a:fillRef>
+        <a:effectRef idx="0">
+          <a:scrgbClr r="0" g="0" b="0"/>
+        </a:effectRef>
+        <a:fontRef idx="minor"/>
+      </dsp:style>
+    </dsp:sp>
+    <dsp:sp modelId="{69385243-7D66-4E4A-A5CC-76245253F600}">
+      <dsp:nvSpPr>
+        <dsp:cNvPr id="0" name=""/>
+        <dsp:cNvSpPr/>
+      </dsp:nvSpPr>
+      <dsp:spPr>
+        <a:xfrm>
+          <a:off x="7878000" y="621105"/>
+          <a:ext cx="1023750" cy="1023750"/>
+        </a:xfrm>
+        <a:prstGeom prst="rect">
+          <a:avLst/>
+        </a:prstGeom>
+        <a:blipFill>
+          <a:blip xmlns:r="http://schemas.openxmlformats.org/officeDocument/2006/relationships" r:embed="rId5">
+            <a:extLst>
+              <a:ext uri="{96DAC541-7B7A-43D3-8B79-37D633B846F1}">
+                <asvg:svgBlip xmlns:asvg="http://schemas.microsoft.com/office/drawing/2016/SVG/main" r:embed="rId6"/>
+              </a:ext>
+            </a:extLst>
+          </a:blip>
+          <a:srcRect/>
+          <a:stretch>
+            <a:fillRect/>
+          </a:stretch>
+        </a:blipFill>
+        <a:ln w="15875" cap="flat" cmpd="sng" algn="ctr">
+          <a:noFill/>
+          <a:prstDash val="solid"/>
+        </a:ln>
+        <a:effectLst/>
+      </dsp:spPr>
+      <dsp:style>
+        <a:lnRef idx="2">
+          <a:scrgbClr r="0" g="0" b="0"/>
+        </a:lnRef>
+        <a:fillRef idx="1">
+          <a:scrgbClr r="0" g="0" b="0"/>
+        </a:fillRef>
+        <a:effectRef idx="0">
+          <a:scrgbClr r="0" g="0" b="0"/>
+        </a:effectRef>
+        <a:fontRef idx="minor">
+          <a:schemeClr val="lt1"/>
+        </a:fontRef>
+      </dsp:style>
+    </dsp:sp>
+    <dsp:sp modelId="{DE961932-2BDC-4523-A075-1AB5F06E0C53}">
+      <dsp:nvSpPr>
+        <dsp:cNvPr id="0" name=""/>
+        <dsp:cNvSpPr/>
+      </dsp:nvSpPr>
+      <dsp:spPr>
+        <a:xfrm>
+          <a:off x="6927375" y="2580856"/>
+          <a:ext cx="2925000" cy="720000"/>
+        </a:xfrm>
+        <a:prstGeom prst="rect">
+          <a:avLst/>
+        </a:prstGeom>
+        <a:noFill/>
+        <a:ln>
+          <a:noFill/>
+        </a:ln>
+        <a:effectLst/>
+      </dsp:spPr>
+      <dsp:style>
+        <a:lnRef idx="0">
+          <a:scrgbClr r="0" g="0" b="0"/>
+        </a:lnRef>
+        <a:fillRef idx="0">
+          <a:scrgbClr r="0" g="0" b="0"/>
+        </a:fillRef>
+        <a:effectRef idx="0">
+          <a:scrgbClr r="0" g="0" b="0"/>
+        </a:effectRef>
+        <a:fontRef idx="minor"/>
+      </dsp:style>
+      <dsp:txBody>
+        <a:bodyPr spcFirstLastPara="0" vert="horz" wrap="square" lIns="0" tIns="0" rIns="0" bIns="0" numCol="1" spcCol="1270" anchor="t" anchorCtr="0">
+          <a:noAutofit/>
+        </a:bodyPr>
+        <a:lstStyle/>
+        <a:p>
+          <a:pPr marL="0" lvl="0" indent="0" algn="ctr" defTabSz="977900">
+            <a:lnSpc>
+              <a:spcPct val="90000"/>
+            </a:lnSpc>
+            <a:spcBef>
+              <a:spcPct val="0"/>
+            </a:spcBef>
+            <a:spcAft>
+              <a:spcPct val="35000"/>
+            </a:spcAft>
+            <a:buNone/>
+            <a:defRPr cap="all"/>
+          </a:pPr>
+          <a:r>
+            <a:rPr lang="it-IT" sz="2200" kern="1200" dirty="0"/>
+            <a:t>BLUETOOTH_ADMIN</a:t>
+          </a:r>
+          <a:endParaRPr lang="en-US" sz="2200" kern="1200" dirty="0"/>
+        </a:p>
+      </dsp:txBody>
+      <dsp:txXfrm>
+        <a:off x="6927375" y="2580856"/>
+        <a:ext cx="2925000" cy="720000"/>
+      </dsp:txXfrm>
+    </dsp:sp>
+  </dsp:spTree>
+</dsp:drawing>
+</file>
+
 <file path=ppt/diagrams/layout1.xml><?xml version="1.0" encoding="utf-8"?>
 <dgm:layoutDef xmlns:dgm="http://schemas.openxmlformats.org/drawingml/2006/diagram" xmlns:a="http://schemas.openxmlformats.org/drawingml/2006/main" uniqueId="urn:microsoft.com/office/officeart/2018/2/layout/IconCircleList">
   <dgm:title val="Icon Circle List"/>
@@ -3738,6 +5487,221 @@
 </dgm:layoutDef>
 </file>
 
+<file path=ppt/diagrams/layout3.xml><?xml version="1.0" encoding="utf-8"?>
+<dgm:layoutDef xmlns:dgm="http://schemas.openxmlformats.org/drawingml/2006/diagram" xmlns:a="http://schemas.openxmlformats.org/drawingml/2006/main" uniqueId="urn:microsoft.com/office/officeart/2018/5/layout/IconCircleLabelList">
+  <dgm:title val="Icon Circle Label List"/>
+  <dgm:desc val="Use to show non-sequential or grouped chunks of information accompanied by a related visuals. Works best with icons or small pictures with short text captions."/>
+  <dgm:catLst>
+    <dgm:cat type="icon" pri="500"/>
+  </dgm:catLst>
+  <dgm:sampData useDef="1">
+    <dgm:dataModel>
+      <dgm:ptLst/>
+      <dgm:bg/>
+      <dgm:whole/>
+    </dgm:dataModel>
+  </dgm:sampData>
+  <dgm:styleData useDef="1">
+    <dgm:dataModel>
+      <dgm:ptLst/>
+      <dgm:bg/>
+      <dgm:whole/>
+    </dgm:dataModel>
+  </dgm:styleData>
+  <dgm:clrData useDef="1">
+    <dgm:dataModel>
+      <dgm:ptLst/>
+      <dgm:bg/>
+      <dgm:whole/>
+    </dgm:dataModel>
+  </dgm:clrData>
+  <dgm:layoutNode name="root">
+    <dgm:varLst>
+      <dgm:dir/>
+      <dgm:resizeHandles val="exact"/>
+    </dgm:varLst>
+    <dgm:choose name="Name0">
+      <dgm:if name="Name1" axis="self" func="var" arg="dir" op="equ" val="norm">
+        <dgm:alg type="snake">
+          <dgm:param type="grDir" val="tL"/>
+          <dgm:param type="flowDir" val="row"/>
+          <dgm:param type="contDir" val="sameDir"/>
+          <dgm:param type="off" val="ctr"/>
+          <dgm:param type="vertAlign" val="mid"/>
+          <dgm:param type="horzAlign" val="ctr"/>
+        </dgm:alg>
+      </dgm:if>
+      <dgm:else name="Name2">
+        <dgm:alg type="snake">
+          <dgm:param type="grDir" val="tR"/>
+          <dgm:param type="flowDir" val="row"/>
+          <dgm:param type="contDir" val="sameDir"/>
+          <dgm:param type="off" val="ctr"/>
+          <dgm:param type="vertAlign" val="mid"/>
+          <dgm:param type="horzAlign" val="ctr"/>
+        </dgm:alg>
+      </dgm:else>
+    </dgm:choose>
+    <dgm:shape xmlns:r="http://schemas.openxmlformats.org/officeDocument/2006/relationships" r:blip="">
+      <dgm:adjLst/>
+    </dgm:shape>
+    <dgm:presOf/>
+    <dgm:choose name="Name3">
+      <dgm:if name="Name4" axis="ch" ptType="node" func="cnt" op="lte" val="2">
+        <dgm:constrLst>
+          <dgm:constr type="h" for="ch" forName="compNode" refType="h" fact="0.4"/>
+          <dgm:constr type="w" for="ch" forName="compNode" val="100"/>
+          <dgm:constr type="w" for="ch" forName="sibTrans" refType="w" refFor="ch" refForName="compNode" fact="0.175"/>
+          <dgm:constr type="sp" refType="w" refFor="ch" refForName="compNode" op="equ" fact="0.25"/>
+          <dgm:constr type="primFontSz" for="des" ptType="node" op="equ" val="44"/>
+          <dgm:constr type="h" for="des" forName="compNode" op="equ"/>
+          <dgm:constr type="h" for="des" forName="textRect" op="equ"/>
+        </dgm:constrLst>
+      </dgm:if>
+      <dgm:if name="Name5" axis="ch" ptType="node" func="cnt" op="lte" val="3">
+        <dgm:constrLst>
+          <dgm:constr type="h" for="ch" forName="compNode" refType="h" fact="0.4"/>
+          <dgm:constr type="w" for="ch" forName="compNode" val="100"/>
+          <dgm:constr type="w" for="ch" forName="sibTrans" refType="w" refFor="ch" refForName="compNode" fact="0.175"/>
+          <dgm:constr type="sp" refType="w" refFor="ch" refForName="compNode" op="equ" fact="0.25"/>
+          <dgm:constr type="primFontSz" for="des" ptType="node" op="equ" val="40"/>
+          <dgm:constr type="h" for="des" forName="compNode" op="equ"/>
+          <dgm:constr type="h" for="des" forName="textRect" op="equ"/>
+        </dgm:constrLst>
+      </dgm:if>
+      <dgm:if name="Name6" axis="ch" ptType="node" func="cnt" op="lte" val="4">
+        <dgm:constrLst>
+          <dgm:constr type="h" for="ch" forName="compNode" refType="h" fact="0.4"/>
+          <dgm:constr type="w" for="ch" forName="compNode" refType="w"/>
+          <dgm:constr type="w" for="ch" forName="sibTrans" refType="w" refFor="ch" refForName="compNode" fact="0.175"/>
+          <dgm:constr type="sp" refType="w" refFor="ch" refForName="compNode" op="equ" fact="0.25"/>
+          <dgm:constr type="primFontSz" for="des" ptType="node" op="equ" val="32"/>
+          <dgm:constr type="h" for="des" forName="compNode" op="equ"/>
+          <dgm:constr type="h" for="des" forName="textRect" op="equ"/>
+        </dgm:constrLst>
+      </dgm:if>
+      <dgm:else name="Name7">
+        <dgm:constrLst>
+          <dgm:constr type="h" for="ch" forName="compNode" refType="h" fact="0.4"/>
+          <dgm:constr type="w" for="ch" forName="compNode" refType="w"/>
+          <dgm:constr type="w" for="ch" forName="sibTrans" refType="w" refFor="ch" refForName="compNode" fact="0.175"/>
+          <dgm:constr type="sp" refType="w" refFor="ch" refForName="compNode" op="equ" fact="0.25"/>
+          <dgm:constr type="primFontSz" for="des" ptType="node" op="equ" val="24"/>
+          <dgm:constr type="h" for="des" forName="compNode" op="equ"/>
+          <dgm:constr type="h" for="des" forName="textRect" op="equ"/>
+        </dgm:constrLst>
+      </dgm:else>
+    </dgm:choose>
+    <dgm:ruleLst>
+      <dgm:rule type="w" for="ch" forName="compNode" val="50" fact="NaN" max="NaN"/>
+    </dgm:ruleLst>
+    <dgm:forEach name="Name8" axis="ch" ptType="node">
+      <dgm:layoutNode name="compNode">
+        <dgm:alg type="composite"/>
+        <dgm:shape xmlns:r="http://schemas.openxmlformats.org/officeDocument/2006/relationships" r:blip="">
+          <dgm:adjLst/>
+        </dgm:shape>
+        <dgm:presOf axis="self"/>
+        <dgm:constrLst>
+          <dgm:constr type="w" for="ch" forName="iconBgRect" refType="w" fact="0.61"/>
+          <dgm:constr type="h" for="ch" forName="iconBgRect" refType="w" refFor="ch" refForName="iconBgRect"/>
+          <dgm:constr type="t" for="ch" forName="iconBgRect"/>
+          <dgm:constr type="ctrX" for="ch" forName="iconBgRect" refType="w" fact="0.5"/>
+          <dgm:constr type="w" for="ch" forName="iconRect" refType="w" fact="0.35"/>
+          <dgm:constr type="h" for="ch" forName="iconRect" refType="w" refFor="ch" refForName="iconRect"/>
+          <dgm:constr type="ctrX" for="ch" forName="iconRect" refType="ctrX" refFor="ch" refForName="iconBgRect"/>
+          <dgm:constr type="ctrY" for="ch" forName="iconRect" refType="ctrY" refFor="ch" refForName="iconBgRect"/>
+          <dgm:constr type="h" for="ch" forName="spaceRect" refType="w" fact="0.19"/>
+          <dgm:constr type="w" for="ch" forName="spaceRect" refType="w"/>
+          <dgm:constr type="l" for="ch" forName="spaceRect"/>
+          <dgm:constr type="t" for="ch" forName="spaceRect" refType="b" refFor="ch" refForName="iconBgRect"/>
+          <dgm:constr type="h" for="ch" forName="textRect" val="20"/>
+          <dgm:constr type="w" for="ch" forName="textRect" refType="w"/>
+          <dgm:constr type="l" for="ch" forName="textRect"/>
+          <dgm:constr type="t" for="ch" forName="textRect" refType="b" refFor="ch" refForName="spaceRect"/>
+        </dgm:constrLst>
+        <dgm:ruleLst>
+          <dgm:rule type="h" val="INF" fact="NaN" max="NaN"/>
+        </dgm:ruleLst>
+        <dgm:layoutNode name="iconBgRect" styleLbl="bgShp">
+          <dgm:alg type="sp"/>
+          <dgm:shape xmlns:r="http://schemas.openxmlformats.org/officeDocument/2006/relationships" type="ellipse" r:blip="">
+            <dgm:adjLst/>
+          </dgm:shape>
+          <dgm:presOf/>
+          <dgm:constrLst/>
+          <dgm:ruleLst/>
+        </dgm:layoutNode>
+        <dgm:layoutNode name="iconRect" styleLbl="node1">
+          <dgm:alg type="sp"/>
+          <dgm:shape xmlns:r="http://schemas.openxmlformats.org/officeDocument/2006/relationships" type="rect" r:blip="" blipPhldr="1">
+            <dgm:adjLst/>
+          </dgm:shape>
+          <dgm:presOf/>
+          <dgm:constrLst/>
+          <dgm:ruleLst/>
+        </dgm:layoutNode>
+        <dgm:layoutNode name="spaceRect">
+          <dgm:alg type="sp"/>
+          <dgm:shape xmlns:r="http://schemas.openxmlformats.org/officeDocument/2006/relationships" r:blip="">
+            <dgm:adjLst/>
+          </dgm:shape>
+          <dgm:presOf/>
+          <dgm:constrLst/>
+          <dgm:ruleLst/>
+        </dgm:layoutNode>
+        <dgm:layoutNode name="textRect" styleLbl="revTx">
+          <dgm:varLst>
+            <dgm:chMax val="1"/>
+            <dgm:chPref val="1"/>
+          </dgm:varLst>
+          <dgm:alg type="tx">
+            <dgm:param type="txAnchorVert" val="t"/>
+          </dgm:alg>
+          <dgm:shape xmlns:r="http://schemas.openxmlformats.org/officeDocument/2006/relationships" type="rect" r:blip="">
+            <dgm:adjLst/>
+          </dgm:shape>
+          <dgm:presOf axis="self" ptType="node"/>
+          <dgm:constrLst>
+            <dgm:constr type="lMarg"/>
+            <dgm:constr type="rMarg"/>
+            <dgm:constr type="tMarg"/>
+            <dgm:constr type="bMarg"/>
+          </dgm:constrLst>
+          <dgm:ruleLst>
+            <dgm:rule type="primFontSz" val="11" fact="NaN" max="NaN"/>
+            <dgm:rule type="h" val="INF" fact="NaN" max="NaN"/>
+          </dgm:ruleLst>
+        </dgm:layoutNode>
+      </dgm:layoutNode>
+      <dgm:forEach name="Name9" axis="followSib" ptType="sibTrans" cnt="1">
+        <dgm:layoutNode name="sibTrans">
+          <dgm:alg type="sp"/>
+          <dgm:shape xmlns:r="http://schemas.openxmlformats.org/officeDocument/2006/relationships" r:blip="">
+            <dgm:adjLst/>
+          </dgm:shape>
+          <dgm:presOf axis="self"/>
+          <dgm:constrLst/>
+          <dgm:ruleLst/>
+        </dgm:layoutNode>
+      </dgm:forEach>
+    </dgm:forEach>
+  </dgm:layoutNode>
+  <dgm:extLst>
+    <a:ext uri="{68A01E43-0DF5-4B5B-8FA6-DAF915123BFB}">
+      <dgm1612:lstStyle xmlns:dgm1612="http://schemas.microsoft.com/office/drawing/2016/12/diagram">
+        <a:lvl1pPr>
+          <a:lnSpc>
+            <a:spcPct val="100000"/>
+          </a:lnSpc>
+          <a:defRPr cap="all"/>
+        </a:lvl1pPr>
+      </dgm1612:lstStyle>
+    </a:ext>
+  </dgm:extLst>
+</dgm:layoutDef>
+</file>
+
 <file path=ppt/diagrams/quickStyle1.xml><?xml version="1.0" encoding="utf-8"?>
 <dgm:styleDef xmlns:dgm="http://schemas.openxmlformats.org/drawingml/2006/diagram" xmlns:a="http://schemas.openxmlformats.org/drawingml/2006/main" uniqueId="urn:microsoft.com/office/officeart/2005/8/quickstyle/simple1">
   <dgm:title val=""/>
@@ -5806,8 +7770,1042 @@
 </dgm:styleDef>
 </file>
 
+<file path=ppt/diagrams/quickStyle3.xml><?xml version="1.0" encoding="utf-8"?>
+<dgm:styleDef xmlns:dgm="http://schemas.openxmlformats.org/drawingml/2006/diagram" xmlns:a="http://schemas.openxmlformats.org/drawingml/2006/main" uniqueId="urn:microsoft.com/office/officeart/2005/8/quickstyle/simple1">
+  <dgm:title val=""/>
+  <dgm:desc val=""/>
+  <dgm:catLst>
+    <dgm:cat type="simple" pri="10100"/>
+  </dgm:catLst>
+  <dgm:scene3d>
+    <a:camera prst="orthographicFront"/>
+    <a:lightRig rig="threePt" dir="t"/>
+  </dgm:scene3d>
+  <dgm:styleLbl name="node0">
+    <dgm:scene3d>
+      <a:camera prst="orthographicFront"/>
+      <a:lightRig rig="threePt" dir="t"/>
+    </dgm:scene3d>
+    <dgm:sp3d/>
+    <dgm:txPr/>
+    <dgm:style>
+      <a:lnRef idx="2">
+        <a:scrgbClr r="0" g="0" b="0"/>
+      </a:lnRef>
+      <a:fillRef idx="1">
+        <a:scrgbClr r="0" g="0" b="0"/>
+      </a:fillRef>
+      <a:effectRef idx="0">
+        <a:scrgbClr r="0" g="0" b="0"/>
+      </a:effectRef>
+      <a:fontRef idx="minor">
+        <a:schemeClr val="lt1"/>
+      </a:fontRef>
+    </dgm:style>
+  </dgm:styleLbl>
+  <dgm:styleLbl name="lnNode1">
+    <dgm:scene3d>
+      <a:camera prst="orthographicFront"/>
+      <a:lightRig rig="threePt" dir="t"/>
+    </dgm:scene3d>
+    <dgm:sp3d/>
+    <dgm:txPr/>
+    <dgm:style>
+      <a:lnRef idx="2">
+        <a:scrgbClr r="0" g="0" b="0"/>
+      </a:lnRef>
+      <a:fillRef idx="1">
+        <a:scrgbClr r="0" g="0" b="0"/>
+      </a:fillRef>
+      <a:effectRef idx="0">
+        <a:scrgbClr r="0" g="0" b="0"/>
+      </a:effectRef>
+      <a:fontRef idx="minor">
+        <a:schemeClr val="lt1"/>
+      </a:fontRef>
+    </dgm:style>
+  </dgm:styleLbl>
+  <dgm:styleLbl name="vennNode1">
+    <dgm:scene3d>
+      <a:camera prst="orthographicFront"/>
+      <a:lightRig rig="threePt" dir="t"/>
+    </dgm:scene3d>
+    <dgm:sp3d/>
+    <dgm:txPr/>
+    <dgm:style>
+      <a:lnRef idx="2">
+        <a:scrgbClr r="0" g="0" b="0"/>
+      </a:lnRef>
+      <a:fillRef idx="1">
+        <a:scrgbClr r="0" g="0" b="0"/>
+      </a:fillRef>
+      <a:effectRef idx="0">
+        <a:scrgbClr r="0" g="0" b="0"/>
+      </a:effectRef>
+      <a:fontRef idx="minor">
+        <a:schemeClr val="tx1"/>
+      </a:fontRef>
+    </dgm:style>
+  </dgm:styleLbl>
+  <dgm:styleLbl name="alignNode1">
+    <dgm:scene3d>
+      <a:camera prst="orthographicFront"/>
+      <a:lightRig rig="threePt" dir="t"/>
+    </dgm:scene3d>
+    <dgm:sp3d/>
+    <dgm:txPr/>
+    <dgm:style>
+      <a:lnRef idx="2">
+        <a:scrgbClr r="0" g="0" b="0"/>
+      </a:lnRef>
+      <a:fillRef idx="1">
+        <a:scrgbClr r="0" g="0" b="0"/>
+      </a:fillRef>
+      <a:effectRef idx="0">
+        <a:scrgbClr r="0" g="0" b="0"/>
+      </a:effectRef>
+      <a:fontRef idx="minor">
+        <a:schemeClr val="lt1"/>
+      </a:fontRef>
+    </dgm:style>
+  </dgm:styleLbl>
+  <dgm:styleLbl name="node1">
+    <dgm:scene3d>
+      <a:camera prst="orthographicFront"/>
+      <a:lightRig rig="threePt" dir="t"/>
+    </dgm:scene3d>
+    <dgm:sp3d/>
+    <dgm:txPr/>
+    <dgm:style>
+      <a:lnRef idx="2">
+        <a:scrgbClr r="0" g="0" b="0"/>
+      </a:lnRef>
+      <a:fillRef idx="1">
+        <a:scrgbClr r="0" g="0" b="0"/>
+      </a:fillRef>
+      <a:effectRef idx="0">
+        <a:scrgbClr r="0" g="0" b="0"/>
+      </a:effectRef>
+      <a:fontRef idx="minor">
+        <a:schemeClr val="lt1"/>
+      </a:fontRef>
+    </dgm:style>
+  </dgm:styleLbl>
+  <dgm:styleLbl name="node2">
+    <dgm:scene3d>
+      <a:camera prst="orthographicFront"/>
+      <a:lightRig rig="threePt" dir="t"/>
+    </dgm:scene3d>
+    <dgm:sp3d/>
+    <dgm:txPr/>
+    <dgm:style>
+      <a:lnRef idx="2">
+        <a:scrgbClr r="0" g="0" b="0"/>
+      </a:lnRef>
+      <a:fillRef idx="1">
+        <a:scrgbClr r="0" g="0" b="0"/>
+      </a:fillRef>
+      <a:effectRef idx="0">
+        <a:scrgbClr r="0" g="0" b="0"/>
+      </a:effectRef>
+      <a:fontRef idx="minor">
+        <a:schemeClr val="lt1"/>
+      </a:fontRef>
+    </dgm:style>
+  </dgm:styleLbl>
+  <dgm:styleLbl name="node3">
+    <dgm:scene3d>
+      <a:camera prst="orthographicFront"/>
+      <a:lightRig rig="threePt" dir="t"/>
+    </dgm:scene3d>
+    <dgm:sp3d/>
+    <dgm:txPr/>
+    <dgm:style>
+      <a:lnRef idx="2">
+        <a:scrgbClr r="0" g="0" b="0"/>
+      </a:lnRef>
+      <a:fillRef idx="1">
+        <a:scrgbClr r="0" g="0" b="0"/>
+      </a:fillRef>
+      <a:effectRef idx="0">
+        <a:scrgbClr r="0" g="0" b="0"/>
+      </a:effectRef>
+      <a:fontRef idx="minor">
+        <a:schemeClr val="lt1"/>
+      </a:fontRef>
+    </dgm:style>
+  </dgm:styleLbl>
+  <dgm:styleLbl name="node4">
+    <dgm:scene3d>
+      <a:camera prst="orthographicFront"/>
+      <a:lightRig rig="threePt" dir="t"/>
+    </dgm:scene3d>
+    <dgm:sp3d/>
+    <dgm:txPr/>
+    <dgm:style>
+      <a:lnRef idx="2">
+        <a:scrgbClr r="0" g="0" b="0"/>
+      </a:lnRef>
+      <a:fillRef idx="1">
+        <a:scrgbClr r="0" g="0" b="0"/>
+      </a:fillRef>
+      <a:effectRef idx="0">
+        <a:scrgbClr r="0" g="0" b="0"/>
+      </a:effectRef>
+      <a:fontRef idx="minor">
+        <a:schemeClr val="lt1"/>
+      </a:fontRef>
+    </dgm:style>
+  </dgm:styleLbl>
+  <dgm:styleLbl name="fgImgPlace1">
+    <dgm:scene3d>
+      <a:camera prst="orthographicFront"/>
+      <a:lightRig rig="threePt" dir="t"/>
+    </dgm:scene3d>
+    <dgm:sp3d/>
+    <dgm:txPr/>
+    <dgm:style>
+      <a:lnRef idx="2">
+        <a:scrgbClr r="0" g="0" b="0"/>
+      </a:lnRef>
+      <a:fillRef idx="1">
+        <a:scrgbClr r="0" g="0" b="0"/>
+      </a:fillRef>
+      <a:effectRef idx="0">
+        <a:scrgbClr r="0" g="0" b="0"/>
+      </a:effectRef>
+      <a:fontRef idx="minor"/>
+    </dgm:style>
+  </dgm:styleLbl>
+  <dgm:styleLbl name="alignImgPlace1">
+    <dgm:scene3d>
+      <a:camera prst="orthographicFront"/>
+      <a:lightRig rig="threePt" dir="t"/>
+    </dgm:scene3d>
+    <dgm:sp3d/>
+    <dgm:txPr/>
+    <dgm:style>
+      <a:lnRef idx="2">
+        <a:scrgbClr r="0" g="0" b="0"/>
+      </a:lnRef>
+      <a:fillRef idx="1">
+        <a:scrgbClr r="0" g="0" b="0"/>
+      </a:fillRef>
+      <a:effectRef idx="0">
+        <a:scrgbClr r="0" g="0" b="0"/>
+      </a:effectRef>
+      <a:fontRef idx="minor"/>
+    </dgm:style>
+  </dgm:styleLbl>
+  <dgm:styleLbl name="bgImgPlace1">
+    <dgm:scene3d>
+      <a:camera prst="orthographicFront"/>
+      <a:lightRig rig="threePt" dir="t"/>
+    </dgm:scene3d>
+    <dgm:sp3d/>
+    <dgm:txPr/>
+    <dgm:style>
+      <a:lnRef idx="2">
+        <a:scrgbClr r="0" g="0" b="0"/>
+      </a:lnRef>
+      <a:fillRef idx="1">
+        <a:scrgbClr r="0" g="0" b="0"/>
+      </a:fillRef>
+      <a:effectRef idx="0">
+        <a:scrgbClr r="0" g="0" b="0"/>
+      </a:effectRef>
+      <a:fontRef idx="minor"/>
+    </dgm:style>
+  </dgm:styleLbl>
+  <dgm:styleLbl name="sibTrans2D1">
+    <dgm:scene3d>
+      <a:camera prst="orthographicFront"/>
+      <a:lightRig rig="threePt" dir="t"/>
+    </dgm:scene3d>
+    <dgm:sp3d/>
+    <dgm:txPr/>
+    <dgm:style>
+      <a:lnRef idx="0">
+        <a:scrgbClr r="0" g="0" b="0"/>
+      </a:lnRef>
+      <a:fillRef idx="1">
+        <a:scrgbClr r="0" g="0" b="0"/>
+      </a:fillRef>
+      <a:effectRef idx="0">
+        <a:scrgbClr r="0" g="0" b="0"/>
+      </a:effectRef>
+      <a:fontRef idx="minor">
+        <a:schemeClr val="lt1"/>
+      </a:fontRef>
+    </dgm:style>
+  </dgm:styleLbl>
+  <dgm:styleLbl name="fgSibTrans2D1">
+    <dgm:scene3d>
+      <a:camera prst="orthographicFront"/>
+      <a:lightRig rig="threePt" dir="t"/>
+    </dgm:scene3d>
+    <dgm:sp3d/>
+    <dgm:txPr/>
+    <dgm:style>
+      <a:lnRef idx="0">
+        <a:scrgbClr r="0" g="0" b="0"/>
+      </a:lnRef>
+      <a:fillRef idx="1">
+        <a:scrgbClr r="0" g="0" b="0"/>
+      </a:fillRef>
+      <a:effectRef idx="0">
+        <a:scrgbClr r="0" g="0" b="0"/>
+      </a:effectRef>
+      <a:fontRef idx="minor">
+        <a:schemeClr val="lt1"/>
+      </a:fontRef>
+    </dgm:style>
+  </dgm:styleLbl>
+  <dgm:styleLbl name="bgSibTrans2D1">
+    <dgm:scene3d>
+      <a:camera prst="orthographicFront"/>
+      <a:lightRig rig="threePt" dir="t"/>
+    </dgm:scene3d>
+    <dgm:sp3d/>
+    <dgm:txPr/>
+    <dgm:style>
+      <a:lnRef idx="0">
+        <a:scrgbClr r="0" g="0" b="0"/>
+      </a:lnRef>
+      <a:fillRef idx="1">
+        <a:scrgbClr r="0" g="0" b="0"/>
+      </a:fillRef>
+      <a:effectRef idx="0">
+        <a:scrgbClr r="0" g="0" b="0"/>
+      </a:effectRef>
+      <a:fontRef idx="minor">
+        <a:schemeClr val="lt1"/>
+      </a:fontRef>
+    </dgm:style>
+  </dgm:styleLbl>
+  <dgm:styleLbl name="sibTrans1D1">
+    <dgm:scene3d>
+      <a:camera prst="orthographicFront"/>
+      <a:lightRig rig="threePt" dir="t"/>
+    </dgm:scene3d>
+    <dgm:sp3d/>
+    <dgm:txPr/>
+    <dgm:style>
+      <a:lnRef idx="1">
+        <a:scrgbClr r="0" g="0" b="0"/>
+      </a:lnRef>
+      <a:fillRef idx="0">
+        <a:scrgbClr r="0" g="0" b="0"/>
+      </a:fillRef>
+      <a:effectRef idx="0">
+        <a:scrgbClr r="0" g="0" b="0"/>
+      </a:effectRef>
+      <a:fontRef idx="minor"/>
+    </dgm:style>
+  </dgm:styleLbl>
+  <dgm:styleLbl name="callout">
+    <dgm:scene3d>
+      <a:camera prst="orthographicFront"/>
+      <a:lightRig rig="threePt" dir="t"/>
+    </dgm:scene3d>
+    <dgm:sp3d/>
+    <dgm:txPr/>
+    <dgm:style>
+      <a:lnRef idx="2">
+        <a:scrgbClr r="0" g="0" b="0"/>
+      </a:lnRef>
+      <a:fillRef idx="1">
+        <a:scrgbClr r="0" g="0" b="0"/>
+      </a:fillRef>
+      <a:effectRef idx="0">
+        <a:scrgbClr r="0" g="0" b="0"/>
+      </a:effectRef>
+      <a:fontRef idx="minor"/>
+    </dgm:style>
+  </dgm:styleLbl>
+  <dgm:styleLbl name="asst0">
+    <dgm:scene3d>
+      <a:camera prst="orthographicFront"/>
+      <a:lightRig rig="threePt" dir="t"/>
+    </dgm:scene3d>
+    <dgm:sp3d/>
+    <dgm:txPr/>
+    <dgm:style>
+      <a:lnRef idx="2">
+        <a:scrgbClr r="0" g="0" b="0"/>
+      </a:lnRef>
+      <a:fillRef idx="1">
+        <a:scrgbClr r="0" g="0" b="0"/>
+      </a:fillRef>
+      <a:effectRef idx="0">
+        <a:scrgbClr r="0" g="0" b="0"/>
+      </a:effectRef>
+      <a:fontRef idx="minor">
+        <a:schemeClr val="lt1"/>
+      </a:fontRef>
+    </dgm:style>
+  </dgm:styleLbl>
+  <dgm:styleLbl name="asst1">
+    <dgm:scene3d>
+      <a:camera prst="orthographicFront"/>
+      <a:lightRig rig="threePt" dir="t"/>
+    </dgm:scene3d>
+    <dgm:sp3d/>
+    <dgm:txPr/>
+    <dgm:style>
+      <a:lnRef idx="2">
+        <a:scrgbClr r="0" g="0" b="0"/>
+      </a:lnRef>
+      <a:fillRef idx="1">
+        <a:scrgbClr r="0" g="0" b="0"/>
+      </a:fillRef>
+      <a:effectRef idx="0">
+        <a:scrgbClr r="0" g="0" b="0"/>
+      </a:effectRef>
+      <a:fontRef idx="minor">
+        <a:schemeClr val="lt1"/>
+      </a:fontRef>
+    </dgm:style>
+  </dgm:styleLbl>
+  <dgm:styleLbl name="asst2">
+    <dgm:scene3d>
+      <a:camera prst="orthographicFront"/>
+      <a:lightRig rig="threePt" dir="t"/>
+    </dgm:scene3d>
+    <dgm:sp3d/>
+    <dgm:txPr/>
+    <dgm:style>
+      <a:lnRef idx="2">
+        <a:scrgbClr r="0" g="0" b="0"/>
+      </a:lnRef>
+      <a:fillRef idx="1">
+        <a:scrgbClr r="0" g="0" b="0"/>
+      </a:fillRef>
+      <a:effectRef idx="0">
+        <a:scrgbClr r="0" g="0" b="0"/>
+      </a:effectRef>
+      <a:fontRef idx="minor">
+        <a:schemeClr val="lt1"/>
+      </a:fontRef>
+    </dgm:style>
+  </dgm:styleLbl>
+  <dgm:styleLbl name="asst3">
+    <dgm:scene3d>
+      <a:camera prst="orthographicFront"/>
+      <a:lightRig rig="threePt" dir="t"/>
+    </dgm:scene3d>
+    <dgm:sp3d/>
+    <dgm:txPr/>
+    <dgm:style>
+      <a:lnRef idx="2">
+        <a:scrgbClr r="0" g="0" b="0"/>
+      </a:lnRef>
+      <a:fillRef idx="1">
+        <a:scrgbClr r="0" g="0" b="0"/>
+      </a:fillRef>
+      <a:effectRef idx="0">
+        <a:scrgbClr r="0" g="0" b="0"/>
+      </a:effectRef>
+      <a:fontRef idx="minor">
+        <a:schemeClr val="lt1"/>
+      </a:fontRef>
+    </dgm:style>
+  </dgm:styleLbl>
+  <dgm:styleLbl name="asst4">
+    <dgm:scene3d>
+      <a:camera prst="orthographicFront"/>
+      <a:lightRig rig="threePt" dir="t"/>
+    </dgm:scene3d>
+    <dgm:sp3d/>
+    <dgm:txPr/>
+    <dgm:style>
+      <a:lnRef idx="2">
+        <a:scrgbClr r="0" g="0" b="0"/>
+      </a:lnRef>
+      <a:fillRef idx="1">
+        <a:scrgbClr r="0" g="0" b="0"/>
+      </a:fillRef>
+      <a:effectRef idx="0">
+        <a:scrgbClr r="0" g="0" b="0"/>
+      </a:effectRef>
+      <a:fontRef idx="minor">
+        <a:schemeClr val="lt1"/>
+      </a:fontRef>
+    </dgm:style>
+  </dgm:styleLbl>
+  <dgm:styleLbl name="parChTrans2D1">
+    <dgm:scene3d>
+      <a:camera prst="orthographicFront"/>
+      <a:lightRig rig="threePt" dir="t"/>
+    </dgm:scene3d>
+    <dgm:sp3d/>
+    <dgm:txPr/>
+    <dgm:style>
+      <a:lnRef idx="2">
+        <a:scrgbClr r="0" g="0" b="0"/>
+      </a:lnRef>
+      <a:fillRef idx="1">
+        <a:scrgbClr r="0" g="0" b="0"/>
+      </a:fillRef>
+      <a:effectRef idx="0">
+        <a:scrgbClr r="0" g="0" b="0"/>
+      </a:effectRef>
+      <a:fontRef idx="minor">
+        <a:schemeClr val="lt1"/>
+      </a:fontRef>
+    </dgm:style>
+  </dgm:styleLbl>
+  <dgm:styleLbl name="parChTrans2D2">
+    <dgm:scene3d>
+      <a:camera prst="orthographicFront"/>
+      <a:lightRig rig="threePt" dir="t"/>
+    </dgm:scene3d>
+    <dgm:sp3d/>
+    <dgm:txPr/>
+    <dgm:style>
+      <a:lnRef idx="2">
+        <a:scrgbClr r="0" g="0" b="0"/>
+      </a:lnRef>
+      <a:fillRef idx="1">
+        <a:scrgbClr r="0" g="0" b="0"/>
+      </a:fillRef>
+      <a:effectRef idx="0">
+        <a:scrgbClr r="0" g="0" b="0"/>
+      </a:effectRef>
+      <a:fontRef idx="minor">
+        <a:schemeClr val="lt1"/>
+      </a:fontRef>
+    </dgm:style>
+  </dgm:styleLbl>
+  <dgm:styleLbl name="parChTrans2D3">
+    <dgm:scene3d>
+      <a:camera prst="orthographicFront"/>
+      <a:lightRig rig="threePt" dir="t"/>
+    </dgm:scene3d>
+    <dgm:sp3d/>
+    <dgm:txPr/>
+    <dgm:style>
+      <a:lnRef idx="2">
+        <a:scrgbClr r="0" g="0" b="0"/>
+      </a:lnRef>
+      <a:fillRef idx="1">
+        <a:scrgbClr r="0" g="0" b="0"/>
+      </a:fillRef>
+      <a:effectRef idx="0">
+        <a:scrgbClr r="0" g="0" b="0"/>
+      </a:effectRef>
+      <a:fontRef idx="minor">
+        <a:schemeClr val="lt1"/>
+      </a:fontRef>
+    </dgm:style>
+  </dgm:styleLbl>
+  <dgm:styleLbl name="parChTrans2D4">
+    <dgm:scene3d>
+      <a:camera prst="orthographicFront"/>
+      <a:lightRig rig="threePt" dir="t"/>
+    </dgm:scene3d>
+    <dgm:sp3d/>
+    <dgm:txPr/>
+    <dgm:style>
+      <a:lnRef idx="2">
+        <a:scrgbClr r="0" g="0" b="0"/>
+      </a:lnRef>
+      <a:fillRef idx="1">
+        <a:scrgbClr r="0" g="0" b="0"/>
+      </a:fillRef>
+      <a:effectRef idx="0">
+        <a:scrgbClr r="0" g="0" b="0"/>
+      </a:effectRef>
+      <a:fontRef idx="minor">
+        <a:schemeClr val="lt1"/>
+      </a:fontRef>
+    </dgm:style>
+  </dgm:styleLbl>
+  <dgm:styleLbl name="parChTrans1D1">
+    <dgm:scene3d>
+      <a:camera prst="orthographicFront"/>
+      <a:lightRig rig="threePt" dir="t"/>
+    </dgm:scene3d>
+    <dgm:sp3d/>
+    <dgm:txPr/>
+    <dgm:style>
+      <a:lnRef idx="2">
+        <a:scrgbClr r="0" g="0" b="0"/>
+      </a:lnRef>
+      <a:fillRef idx="0">
+        <a:scrgbClr r="0" g="0" b="0"/>
+      </a:fillRef>
+      <a:effectRef idx="0">
+        <a:scrgbClr r="0" g="0" b="0"/>
+      </a:effectRef>
+      <a:fontRef idx="minor"/>
+    </dgm:style>
+  </dgm:styleLbl>
+  <dgm:styleLbl name="parChTrans1D2">
+    <dgm:scene3d>
+      <a:camera prst="orthographicFront"/>
+      <a:lightRig rig="threePt" dir="t"/>
+    </dgm:scene3d>
+    <dgm:sp3d/>
+    <dgm:txPr/>
+    <dgm:style>
+      <a:lnRef idx="2">
+        <a:scrgbClr r="0" g="0" b="0"/>
+      </a:lnRef>
+      <a:fillRef idx="0">
+        <a:scrgbClr r="0" g="0" b="0"/>
+      </a:fillRef>
+      <a:effectRef idx="0">
+        <a:scrgbClr r="0" g="0" b="0"/>
+      </a:effectRef>
+      <a:fontRef idx="minor"/>
+    </dgm:style>
+  </dgm:styleLbl>
+  <dgm:styleLbl name="parChTrans1D3">
+    <dgm:scene3d>
+      <a:camera prst="orthographicFront"/>
+      <a:lightRig rig="threePt" dir="t"/>
+    </dgm:scene3d>
+    <dgm:sp3d/>
+    <dgm:txPr/>
+    <dgm:style>
+      <a:lnRef idx="2">
+        <a:scrgbClr r="0" g="0" b="0"/>
+      </a:lnRef>
+      <a:fillRef idx="0">
+        <a:scrgbClr r="0" g="0" b="0"/>
+      </a:fillRef>
+      <a:effectRef idx="0">
+        <a:scrgbClr r="0" g="0" b="0"/>
+      </a:effectRef>
+      <a:fontRef idx="minor"/>
+    </dgm:style>
+  </dgm:styleLbl>
+  <dgm:styleLbl name="parChTrans1D4">
+    <dgm:scene3d>
+      <a:camera prst="orthographicFront"/>
+      <a:lightRig rig="threePt" dir="t"/>
+    </dgm:scene3d>
+    <dgm:sp3d/>
+    <dgm:txPr/>
+    <dgm:style>
+      <a:lnRef idx="2">
+        <a:scrgbClr r="0" g="0" b="0"/>
+      </a:lnRef>
+      <a:fillRef idx="0">
+        <a:scrgbClr r="0" g="0" b="0"/>
+      </a:fillRef>
+      <a:effectRef idx="0">
+        <a:scrgbClr r="0" g="0" b="0"/>
+      </a:effectRef>
+      <a:fontRef idx="minor"/>
+    </dgm:style>
+  </dgm:styleLbl>
+  <dgm:styleLbl name="fgAcc1">
+    <dgm:scene3d>
+      <a:camera prst="orthographicFront"/>
+      <a:lightRig rig="threePt" dir="t"/>
+    </dgm:scene3d>
+    <dgm:sp3d/>
+    <dgm:txPr/>
+    <dgm:style>
+      <a:lnRef idx="2">
+        <a:scrgbClr r="0" g="0" b="0"/>
+      </a:lnRef>
+      <a:fillRef idx="1">
+        <a:scrgbClr r="0" g="0" b="0"/>
+      </a:fillRef>
+      <a:effectRef idx="0">
+        <a:scrgbClr r="0" g="0" b="0"/>
+      </a:effectRef>
+      <a:fontRef idx="minor"/>
+    </dgm:style>
+  </dgm:styleLbl>
+  <dgm:styleLbl name="conFgAcc1">
+    <dgm:scene3d>
+      <a:camera prst="orthographicFront"/>
+      <a:lightRig rig="threePt" dir="t"/>
+    </dgm:scene3d>
+    <dgm:sp3d/>
+    <dgm:txPr/>
+    <dgm:style>
+      <a:lnRef idx="2">
+        <a:scrgbClr r="0" g="0" b="0"/>
+      </a:lnRef>
+      <a:fillRef idx="1">
+        <a:scrgbClr r="0" g="0" b="0"/>
+      </a:fillRef>
+      <a:effectRef idx="0">
+        <a:scrgbClr r="0" g="0" b="0"/>
+      </a:effectRef>
+      <a:fontRef idx="minor"/>
+    </dgm:style>
+  </dgm:styleLbl>
+  <dgm:styleLbl name="alignAcc1">
+    <dgm:scene3d>
+      <a:camera prst="orthographicFront"/>
+      <a:lightRig rig="threePt" dir="t"/>
+    </dgm:scene3d>
+    <dgm:sp3d/>
+    <dgm:txPr/>
+    <dgm:style>
+      <a:lnRef idx="2">
+        <a:scrgbClr r="0" g="0" b="0"/>
+      </a:lnRef>
+      <a:fillRef idx="1">
+        <a:scrgbClr r="0" g="0" b="0"/>
+      </a:fillRef>
+      <a:effectRef idx="0">
+        <a:scrgbClr r="0" g="0" b="0"/>
+      </a:effectRef>
+      <a:fontRef idx="minor"/>
+    </dgm:style>
+  </dgm:styleLbl>
+  <dgm:styleLbl name="trAlignAcc1">
+    <dgm:scene3d>
+      <a:camera prst="orthographicFront"/>
+      <a:lightRig rig="threePt" dir="t"/>
+    </dgm:scene3d>
+    <dgm:sp3d/>
+    <dgm:txPr/>
+    <dgm:style>
+      <a:lnRef idx="1">
+        <a:scrgbClr r="0" g="0" b="0"/>
+      </a:lnRef>
+      <a:fillRef idx="1">
+        <a:scrgbClr r="0" g="0" b="0"/>
+      </a:fillRef>
+      <a:effectRef idx="0">
+        <a:scrgbClr r="0" g="0" b="0"/>
+      </a:effectRef>
+      <a:fontRef idx="minor"/>
+    </dgm:style>
+  </dgm:styleLbl>
+  <dgm:styleLbl name="bgAcc1">
+    <dgm:scene3d>
+      <a:camera prst="orthographicFront"/>
+      <a:lightRig rig="threePt" dir="t"/>
+    </dgm:scene3d>
+    <dgm:sp3d/>
+    <dgm:txPr/>
+    <dgm:style>
+      <a:lnRef idx="2">
+        <a:scrgbClr r="0" g="0" b="0"/>
+      </a:lnRef>
+      <a:fillRef idx="1">
+        <a:scrgbClr r="0" g="0" b="0"/>
+      </a:fillRef>
+      <a:effectRef idx="0">
+        <a:scrgbClr r="0" g="0" b="0"/>
+      </a:effectRef>
+      <a:fontRef idx="minor"/>
+    </dgm:style>
+  </dgm:styleLbl>
+  <dgm:styleLbl name="solidFgAcc1">
+    <dgm:scene3d>
+      <a:camera prst="orthographicFront"/>
+      <a:lightRig rig="threePt" dir="t"/>
+    </dgm:scene3d>
+    <dgm:sp3d/>
+    <dgm:txPr/>
+    <dgm:style>
+      <a:lnRef idx="2">
+        <a:scrgbClr r="0" g="0" b="0"/>
+      </a:lnRef>
+      <a:fillRef idx="1">
+        <a:scrgbClr r="0" g="0" b="0"/>
+      </a:fillRef>
+      <a:effectRef idx="0">
+        <a:scrgbClr r="0" g="0" b="0"/>
+      </a:effectRef>
+      <a:fontRef idx="minor"/>
+    </dgm:style>
+  </dgm:styleLbl>
+  <dgm:styleLbl name="solidAlignAcc1">
+    <dgm:scene3d>
+      <a:camera prst="orthographicFront"/>
+      <a:lightRig rig="threePt" dir="t"/>
+    </dgm:scene3d>
+    <dgm:sp3d/>
+    <dgm:txPr/>
+    <dgm:style>
+      <a:lnRef idx="2">
+        <a:scrgbClr r="0" g="0" b="0"/>
+      </a:lnRef>
+      <a:fillRef idx="1">
+        <a:scrgbClr r="0" g="0" b="0"/>
+      </a:fillRef>
+      <a:effectRef idx="0">
+        <a:scrgbClr r="0" g="0" b="0"/>
+      </a:effectRef>
+      <a:fontRef idx="minor"/>
+    </dgm:style>
+  </dgm:styleLbl>
+  <dgm:styleLbl name="solidBgAcc1">
+    <dgm:scene3d>
+      <a:camera prst="orthographicFront"/>
+      <a:lightRig rig="threePt" dir="t"/>
+    </dgm:scene3d>
+    <dgm:sp3d/>
+    <dgm:txPr/>
+    <dgm:style>
+      <a:lnRef idx="2">
+        <a:scrgbClr r="0" g="0" b="0"/>
+      </a:lnRef>
+      <a:fillRef idx="1">
+        <a:scrgbClr r="0" g="0" b="0"/>
+      </a:fillRef>
+      <a:effectRef idx="0">
+        <a:scrgbClr r="0" g="0" b="0"/>
+      </a:effectRef>
+      <a:fontRef idx="minor"/>
+    </dgm:style>
+  </dgm:styleLbl>
+  <dgm:styleLbl name="fgAccFollowNode1">
+    <dgm:scene3d>
+      <a:camera prst="orthographicFront"/>
+      <a:lightRig rig="threePt" dir="t"/>
+    </dgm:scene3d>
+    <dgm:sp3d/>
+    <dgm:txPr/>
+    <dgm:style>
+      <a:lnRef idx="2">
+        <a:scrgbClr r="0" g="0" b="0"/>
+      </a:lnRef>
+      <a:fillRef idx="1">
+        <a:scrgbClr r="0" g="0" b="0"/>
+      </a:fillRef>
+      <a:effectRef idx="0">
+        <a:scrgbClr r="0" g="0" b="0"/>
+      </a:effectRef>
+      <a:fontRef idx="minor"/>
+    </dgm:style>
+  </dgm:styleLbl>
+  <dgm:styleLbl name="alignAccFollowNode1">
+    <dgm:scene3d>
+      <a:camera prst="orthographicFront"/>
+      <a:lightRig rig="threePt" dir="t"/>
+    </dgm:scene3d>
+    <dgm:sp3d/>
+    <dgm:txPr/>
+    <dgm:style>
+      <a:lnRef idx="2">
+        <a:scrgbClr r="0" g="0" b="0"/>
+      </a:lnRef>
+      <a:fillRef idx="1">
+        <a:scrgbClr r="0" g="0" b="0"/>
+      </a:fillRef>
+      <a:effectRef idx="0">
+        <a:scrgbClr r="0" g="0" b="0"/>
+      </a:effectRef>
+      <a:fontRef idx="minor"/>
+    </dgm:style>
+  </dgm:styleLbl>
+  <dgm:styleLbl name="bgAccFollowNode1">
+    <dgm:scene3d>
+      <a:camera prst="orthographicFront"/>
+      <a:lightRig rig="threePt" dir="t"/>
+    </dgm:scene3d>
+    <dgm:sp3d/>
+    <dgm:txPr/>
+    <dgm:style>
+      <a:lnRef idx="2">
+        <a:scrgbClr r="0" g="0" b="0"/>
+      </a:lnRef>
+      <a:fillRef idx="1">
+        <a:scrgbClr r="0" g="0" b="0"/>
+      </a:fillRef>
+      <a:effectRef idx="0">
+        <a:scrgbClr r="0" g="0" b="0"/>
+      </a:effectRef>
+      <a:fontRef idx="minor"/>
+    </dgm:style>
+  </dgm:styleLbl>
+  <dgm:styleLbl name="fgAcc0">
+    <dgm:scene3d>
+      <a:camera prst="orthographicFront"/>
+      <a:lightRig rig="threePt" dir="t"/>
+    </dgm:scene3d>
+    <dgm:sp3d/>
+    <dgm:txPr/>
+    <dgm:style>
+      <a:lnRef idx="2">
+        <a:scrgbClr r="0" g="0" b="0"/>
+      </a:lnRef>
+      <a:fillRef idx="1">
+        <a:scrgbClr r="0" g="0" b="0"/>
+      </a:fillRef>
+      <a:effectRef idx="0">
+        <a:scrgbClr r="0" g="0" b="0"/>
+      </a:effectRef>
+      <a:fontRef idx="minor"/>
+    </dgm:style>
+  </dgm:styleLbl>
+  <dgm:styleLbl name="fgAcc2">
+    <dgm:scene3d>
+      <a:camera prst="orthographicFront"/>
+      <a:lightRig rig="threePt" dir="t"/>
+    </dgm:scene3d>
+    <dgm:sp3d/>
+    <dgm:txPr/>
+    <dgm:style>
+      <a:lnRef idx="2">
+        <a:scrgbClr r="0" g="0" b="0"/>
+      </a:lnRef>
+      <a:fillRef idx="1">
+        <a:scrgbClr r="0" g="0" b="0"/>
+      </a:fillRef>
+      <a:effectRef idx="0">
+        <a:scrgbClr r="0" g="0" b="0"/>
+      </a:effectRef>
+      <a:fontRef idx="minor"/>
+    </dgm:style>
+  </dgm:styleLbl>
+  <dgm:styleLbl name="fgAcc3">
+    <dgm:scene3d>
+      <a:camera prst="orthographicFront"/>
+      <a:lightRig rig="threePt" dir="t"/>
+    </dgm:scene3d>
+    <dgm:sp3d/>
+    <dgm:txPr/>
+    <dgm:style>
+      <a:lnRef idx="2">
+        <a:scrgbClr r="0" g="0" b="0"/>
+      </a:lnRef>
+      <a:fillRef idx="1">
+        <a:scrgbClr r="0" g="0" b="0"/>
+      </a:fillRef>
+      <a:effectRef idx="0">
+        <a:scrgbClr r="0" g="0" b="0"/>
+      </a:effectRef>
+      <a:fontRef idx="minor"/>
+    </dgm:style>
+  </dgm:styleLbl>
+  <dgm:styleLbl name="fgAcc4">
+    <dgm:scene3d>
+      <a:camera prst="orthographicFront"/>
+      <a:lightRig rig="threePt" dir="t"/>
+    </dgm:scene3d>
+    <dgm:sp3d/>
+    <dgm:txPr/>
+    <dgm:style>
+      <a:lnRef idx="2">
+        <a:scrgbClr r="0" g="0" b="0"/>
+      </a:lnRef>
+      <a:fillRef idx="1">
+        <a:scrgbClr r="0" g="0" b="0"/>
+      </a:fillRef>
+      <a:effectRef idx="0">
+        <a:scrgbClr r="0" g="0" b="0"/>
+      </a:effectRef>
+      <a:fontRef idx="minor"/>
+    </dgm:style>
+  </dgm:styleLbl>
+  <dgm:styleLbl name="bgShp">
+    <dgm:scene3d>
+      <a:camera prst="orthographicFront"/>
+      <a:lightRig rig="threePt" dir="t"/>
+    </dgm:scene3d>
+    <dgm:sp3d/>
+    <dgm:txPr/>
+    <dgm:style>
+      <a:lnRef idx="0">
+        <a:scrgbClr r="0" g="0" b="0"/>
+      </a:lnRef>
+      <a:fillRef idx="1">
+        <a:scrgbClr r="0" g="0" b="0"/>
+      </a:fillRef>
+      <a:effectRef idx="0">
+        <a:scrgbClr r="0" g="0" b="0"/>
+      </a:effectRef>
+      <a:fontRef idx="minor"/>
+    </dgm:style>
+  </dgm:styleLbl>
+  <dgm:styleLbl name="dkBgShp">
+    <dgm:scene3d>
+      <a:camera prst="orthographicFront"/>
+      <a:lightRig rig="threePt" dir="t"/>
+    </dgm:scene3d>
+    <dgm:sp3d/>
+    <dgm:txPr/>
+    <dgm:style>
+      <a:lnRef idx="0">
+        <a:scrgbClr r="0" g="0" b="0"/>
+      </a:lnRef>
+      <a:fillRef idx="1">
+        <a:scrgbClr r="0" g="0" b="0"/>
+      </a:fillRef>
+      <a:effectRef idx="0">
+        <a:scrgbClr r="0" g="0" b="0"/>
+      </a:effectRef>
+      <a:fontRef idx="minor"/>
+    </dgm:style>
+  </dgm:styleLbl>
+  <dgm:styleLbl name="trBgShp">
+    <dgm:scene3d>
+      <a:camera prst="orthographicFront"/>
+      <a:lightRig rig="threePt" dir="t"/>
+    </dgm:scene3d>
+    <dgm:sp3d/>
+    <dgm:txPr/>
+    <dgm:style>
+      <a:lnRef idx="0">
+        <a:scrgbClr r="0" g="0" b="0"/>
+      </a:lnRef>
+      <a:fillRef idx="1">
+        <a:scrgbClr r="0" g="0" b="0"/>
+      </a:fillRef>
+      <a:effectRef idx="0">
+        <a:scrgbClr r="0" g="0" b="0"/>
+      </a:effectRef>
+      <a:fontRef idx="minor"/>
+    </dgm:style>
+  </dgm:styleLbl>
+  <dgm:styleLbl name="fgShp">
+    <dgm:scene3d>
+      <a:camera prst="orthographicFront"/>
+      <a:lightRig rig="threePt" dir="t"/>
+    </dgm:scene3d>
+    <dgm:sp3d/>
+    <dgm:txPr/>
+    <dgm:style>
+      <a:lnRef idx="2">
+        <a:scrgbClr r="0" g="0" b="0"/>
+      </a:lnRef>
+      <a:fillRef idx="1">
+        <a:scrgbClr r="0" g="0" b="0"/>
+      </a:fillRef>
+      <a:effectRef idx="0">
+        <a:scrgbClr r="0" g="0" b="0"/>
+      </a:effectRef>
+      <a:fontRef idx="minor"/>
+    </dgm:style>
+  </dgm:styleLbl>
+  <dgm:styleLbl name="revTx">
+    <dgm:scene3d>
+      <a:camera prst="orthographicFront"/>
+      <a:lightRig rig="threePt" dir="t"/>
+    </dgm:scene3d>
+    <dgm:sp3d/>
+    <dgm:txPr/>
+    <dgm:style>
+      <a:lnRef idx="0">
+        <a:scrgbClr r="0" g="0" b="0"/>
+      </a:lnRef>
+      <a:fillRef idx="0">
+        <a:scrgbClr r="0" g="0" b="0"/>
+      </a:fillRef>
+      <a:effectRef idx="0">
+        <a:scrgbClr r="0" g="0" b="0"/>
+      </a:effectRef>
+      <a:fontRef idx="minor"/>
+    </dgm:style>
+  </dgm:styleLbl>
+</dgm:styleDef>
+</file>
+
 <file path=ppt/slideLayouts/slideLayout1.xml><?xml version="1.0" encoding="utf-8"?>
-<p:sldLayout xmlns:a="http://schemas.openxmlformats.org/drawingml/2006/main" xmlns:r="http://schemas.openxmlformats.org/officeDocument/2006/relationships" xmlns:p="http://schemas.openxmlformats.org/presentationml/2006/main" showMasterSp="0" type="title" preserve="1">
+<p:sldLayout xmlns:a="http://schemas.openxmlformats.org/drawingml/2006/main" xmlns:r="http://schemas.openxmlformats.org/officeDocument/2006/relationships" xmlns:p="http://schemas.openxmlformats.org/presentationml/2006/main" type="title" preserve="1">
   <p:cSld name="Diapositiva titolo">
     <p:spTree>
       <p:nvGrpSpPr>
@@ -14700,9 +17698,31 @@
 <p:sldMaster xmlns:a="http://schemas.openxmlformats.org/drawingml/2006/main" xmlns:r="http://schemas.openxmlformats.org/officeDocument/2006/relationships" xmlns:p="http://schemas.openxmlformats.org/presentationml/2006/main">
   <p:cSld>
     <p:bg>
-      <p:bgRef idx="1003">
-        <a:schemeClr val="bg2"/>
-      </p:bgRef>
+      <p:bgPr>
+        <a:blipFill dpi="0" rotWithShape="1">
+          <a:blip r:embed="rId19">
+            <a:duotone>
+              <a:schemeClr val="bg2">
+                <a:shade val="88000"/>
+                <a:hueMod val="106000"/>
+                <a:satMod val="140000"/>
+                <a:lumMod val="54000"/>
+              </a:schemeClr>
+              <a:schemeClr val="bg2">
+                <a:tint val="98000"/>
+                <a:hueMod val="90000"/>
+                <a:satMod val="150000"/>
+                <a:lumMod val="160000"/>
+              </a:schemeClr>
+            </a:duotone>
+          </a:blip>
+          <a:srcRect/>
+          <a:stretch>
+            <a:fillRect/>
+          </a:stretch>
+        </a:blipFill>
+        <a:effectLst/>
+      </p:bgPr>
     </p:bg>
     <p:spTree>
       <p:nvGrpSpPr>
@@ -14727,7 +17747,7 @@
           <p:nvPr/>
         </p:nvPicPr>
         <p:blipFill>
-          <a:blip r:embed="rId19">
+          <a:blip r:embed="rId20">
             <a:alphaModFix amt="30000"/>
             <a:extLst>
               <a:ext uri="{28A0092B-C50C-407E-A947-70E740481C1C}">
@@ -18206,33 +21226,732 @@
 </p:sld>
 </file>
 
+<file path=ppt/slides/slide10.xml><?xml version="1.0" encoding="utf-8"?>
+<p:sld xmlns:a="http://schemas.openxmlformats.org/drawingml/2006/main" xmlns:r="http://schemas.openxmlformats.org/officeDocument/2006/relationships" xmlns:p="http://schemas.openxmlformats.org/presentationml/2006/main">
+  <p:cSld>
+    <p:spTree>
+      <p:nvGrpSpPr>
+        <p:cNvPr id="1" name=""/>
+        <p:cNvGrpSpPr/>
+        <p:nvPr/>
+      </p:nvGrpSpPr>
+      <p:grpSpPr>
+        <a:xfrm>
+          <a:off x="0" y="0"/>
+          <a:ext cx="0" cy="0"/>
+          <a:chOff x="0" y="0"/>
+          <a:chExt cx="0" cy="0"/>
+        </a:xfrm>
+      </p:grpSpPr>
+      <p:sp>
+        <p:nvSpPr>
+          <p:cNvPr id="2" name="Titolo 1">
+            <a:extLst>
+              <a:ext uri="{FF2B5EF4-FFF2-40B4-BE49-F238E27FC236}">
+                <a16:creationId xmlns:a16="http://schemas.microsoft.com/office/drawing/2014/main" id="{D95A0475-EDB9-4F57-9BDD-C2C27367AA81}"/>
+              </a:ext>
+            </a:extLst>
+          </p:cNvPr>
+          <p:cNvSpPr>
+            <a:spLocks noGrp="1"/>
+          </p:cNvSpPr>
+          <p:nvPr>
+            <p:ph type="title"/>
+          </p:nvPr>
+        </p:nvSpPr>
+        <p:spPr/>
+        <p:txBody>
+          <a:bodyPr/>
+          <a:lstStyle/>
+          <a:p>
+            <a:r>
+              <a:rPr lang="it-IT" dirty="0"/>
+              <a:t>Il protocollo RCFOMM</a:t>
+            </a:r>
+          </a:p>
+        </p:txBody>
+      </p:sp>
+      <p:sp>
+        <p:nvSpPr>
+          <p:cNvPr id="4" name="Rectangle 1">
+            <a:extLst>
+              <a:ext uri="{FF2B5EF4-FFF2-40B4-BE49-F238E27FC236}">
+                <a16:creationId xmlns:a16="http://schemas.microsoft.com/office/drawing/2014/main" id="{F10EBAE3-27FB-409A-B12D-FAAF1BBD462C}"/>
+              </a:ext>
+            </a:extLst>
+          </p:cNvPr>
+          <p:cNvSpPr>
+            <a:spLocks noGrp="1" noChangeArrowheads="1"/>
+          </p:cNvSpPr>
+          <p:nvPr>
+            <p:ph idx="1"/>
+          </p:nvPr>
+        </p:nvSpPr>
+        <p:spPr/>
+        <p:txBody>
+          <a:bodyPr>
+            <a:normAutofit fontScale="85000" lnSpcReduction="10000"/>
+          </a:bodyPr>
+          <a:lstStyle/>
+          <a:p>
+            <a:pPr lvl="0"/>
+            <a:r>
+              <a:rPr lang="it-IT" altLang="it-IT" dirty="0"/>
+              <a:t>Il protocollo Bluetooth RFCOMM è un semplice set di protocolli di trasporto, realizzato in aggiunta al protocollo L2CAP, che fornisce porte seriali RS-232 emulate (fino a sessanta connessioni simultanee a un dispositivo Bluetooth alla volta)</a:t>
+            </a:r>
+          </a:p>
+          <a:p>
+            <a:pPr lvl="0"/>
+            <a:r>
+              <a:rPr lang="it-IT" altLang="it-IT" dirty="0"/>
+              <a:t>Il protocollo si basa sullo standard ETSI TS 07.10. RFCOMM è talvolta chiamato emulazione della porta seriale. Il profilo della porta seriale Bluetooth si basa su questo protocollo. </a:t>
+            </a:r>
+          </a:p>
+          <a:p>
+            <a:pPr lvl="0"/>
+            <a:r>
+              <a:rPr lang="it-IT" altLang="it-IT" dirty="0"/>
+              <a:t>RFCOMM fornisce all'utente un flusso di dati semplice e affidabile, simile a TCP. Molte applicazioni Bluetooth utilizzano RFCOMM a causa del suo supporto diffuso e API disponibili pubblicamente sulla maggior parte dei sistemi operativi. Nello </a:t>
+            </a:r>
+            <a:r>
+              <a:rPr lang="it-IT" altLang="it-IT" dirty="0" err="1"/>
+              <a:t>stack</a:t>
+            </a:r>
+            <a:r>
+              <a:rPr lang="it-IT" altLang="it-IT" dirty="0"/>
+              <a:t> di protocollo, RFCOMM è associato a L2CAP. </a:t>
+            </a:r>
+          </a:p>
+        </p:txBody>
+      </p:sp>
+    </p:spTree>
+    <p:extLst>
+      <p:ext uri="{BB962C8B-B14F-4D97-AF65-F5344CB8AC3E}">
+        <p14:creationId xmlns:p14="http://schemas.microsoft.com/office/powerpoint/2010/main" val="2468624862"/>
+      </p:ext>
+    </p:extLst>
+  </p:cSld>
+  <p:clrMapOvr>
+    <a:masterClrMapping/>
+  </p:clrMapOvr>
+</p:sld>
+</file>
+
+<file path=ppt/slides/slide11.xml><?xml version="1.0" encoding="utf-8"?>
+<p:sld xmlns:a="http://schemas.openxmlformats.org/drawingml/2006/main" xmlns:r="http://schemas.openxmlformats.org/officeDocument/2006/relationships" xmlns:p="http://schemas.openxmlformats.org/presentationml/2006/main">
+  <p:cSld>
+    <p:spTree>
+      <p:nvGrpSpPr>
+        <p:cNvPr id="1" name=""/>
+        <p:cNvGrpSpPr/>
+        <p:nvPr/>
+      </p:nvGrpSpPr>
+      <p:grpSpPr>
+        <a:xfrm>
+          <a:off x="0" y="0"/>
+          <a:ext cx="0" cy="0"/>
+          <a:chOff x="0" y="0"/>
+          <a:chExt cx="0" cy="0"/>
+        </a:xfrm>
+      </p:grpSpPr>
+      <p:sp>
+        <p:nvSpPr>
+          <p:cNvPr id="2" name="Titolo 1">
+            <a:extLst>
+              <a:ext uri="{FF2B5EF4-FFF2-40B4-BE49-F238E27FC236}">
+                <a16:creationId xmlns:a16="http://schemas.microsoft.com/office/drawing/2014/main" id="{C3D49742-811A-40C3-B2FD-4C50ABBA87B6}"/>
+              </a:ext>
+            </a:extLst>
+          </p:cNvPr>
+          <p:cNvSpPr>
+            <a:spLocks noGrp="1"/>
+          </p:cNvSpPr>
+          <p:nvPr>
+            <p:ph type="title"/>
+          </p:nvPr>
+        </p:nvSpPr>
+        <p:spPr/>
+        <p:txBody>
+          <a:bodyPr/>
+          <a:lstStyle/>
+          <a:p>
+            <a:r>
+              <a:rPr lang="it-IT" dirty="0"/>
+              <a:t>Connettere dispositivi</a:t>
+            </a:r>
+          </a:p>
+        </p:txBody>
+      </p:sp>
+      <p:sp>
+        <p:nvSpPr>
+          <p:cNvPr id="4" name="Rectangle 1">
+            <a:extLst>
+              <a:ext uri="{FF2B5EF4-FFF2-40B4-BE49-F238E27FC236}">
+                <a16:creationId xmlns:a16="http://schemas.microsoft.com/office/drawing/2014/main" id="{E74CA9FF-CEFA-435E-BCCF-53739AB4E735}"/>
+              </a:ext>
+            </a:extLst>
+          </p:cNvPr>
+          <p:cNvSpPr>
+            <a:spLocks noGrp="1" noChangeArrowheads="1"/>
+          </p:cNvSpPr>
+          <p:nvPr>
+            <p:ph idx="1"/>
+          </p:nvPr>
+        </p:nvSpPr>
+        <p:spPr/>
+        <p:txBody>
+          <a:bodyPr>
+            <a:normAutofit fontScale="92500"/>
+          </a:bodyPr>
+          <a:lstStyle/>
+          <a:p>
+            <a:pPr lvl="0"/>
+            <a:r>
+              <a:rPr lang="it-IT" altLang="it-IT" sz="2200" dirty="0"/>
+              <a:t>Per creare una connessione tra due dispositivi, è necessario implementare entrambi i meccanismi lato server e lato client poiché un dispositivo deve aprire un </a:t>
+            </a:r>
+            <a:r>
+              <a:rPr lang="it-IT" altLang="it-IT" sz="2200" dirty="0" err="1"/>
+              <a:t>socket</a:t>
+            </a:r>
+            <a:r>
+              <a:rPr lang="it-IT" altLang="it-IT" sz="2200" dirty="0"/>
+              <a:t> del server e l'altro deve iniziare la connessione utilizzando l'indirizzo MAC del dispositivo server</a:t>
+            </a:r>
+          </a:p>
+          <a:p>
+            <a:pPr lvl="0"/>
+            <a:r>
+              <a:rPr lang="it-IT" altLang="it-IT" sz="2200" dirty="0"/>
+              <a:t>Il dispositivo server e il dispositivo client ottengono ciascuno il </a:t>
+            </a:r>
+            <a:r>
+              <a:rPr lang="it-IT" altLang="it-IT" sz="2200" dirty="0" err="1"/>
+              <a:t>BluetoothSocket</a:t>
+            </a:r>
+            <a:r>
+              <a:rPr lang="it-IT" altLang="it-IT" sz="2200" dirty="0"/>
+              <a:t> richiesto in diversi modi</a:t>
+            </a:r>
+          </a:p>
+          <a:p>
+            <a:pPr lvl="0"/>
+            <a:r>
+              <a:rPr lang="it-IT" altLang="it-IT" sz="2200" dirty="0"/>
+              <a:t>Il server riceve le informazioni sul </a:t>
+            </a:r>
+            <a:r>
+              <a:rPr lang="it-IT" altLang="it-IT" sz="2200" dirty="0" err="1"/>
+              <a:t>socket</a:t>
+            </a:r>
+            <a:r>
+              <a:rPr lang="it-IT" altLang="it-IT" sz="2200" dirty="0"/>
+              <a:t> quando viene accettata una connessione in entrata</a:t>
+            </a:r>
+          </a:p>
+          <a:p>
+            <a:pPr lvl="0"/>
+            <a:r>
+              <a:rPr lang="it-IT" altLang="it-IT" sz="2200" dirty="0"/>
+              <a:t>Il client fornisce informazioni sul </a:t>
+            </a:r>
+            <a:r>
+              <a:rPr lang="it-IT" altLang="it-IT" sz="2200" dirty="0" err="1"/>
+              <a:t>socket</a:t>
+            </a:r>
+            <a:r>
+              <a:rPr lang="it-IT" altLang="it-IT" sz="2200" dirty="0"/>
+              <a:t> quando apre un canale RFCOMM sul server</a:t>
+            </a:r>
+          </a:p>
+          <a:p>
+            <a:pPr lvl="0"/>
+            <a:endParaRPr lang="it-IT" altLang="it-IT" dirty="0"/>
+          </a:p>
+          <a:p>
+            <a:pPr lvl="0"/>
+            <a:endParaRPr lang="it-IT" altLang="it-IT" dirty="0"/>
+          </a:p>
+          <a:p>
+            <a:pPr lvl="0"/>
+            <a:endParaRPr lang="it-IT" altLang="it-IT" dirty="0"/>
+          </a:p>
+        </p:txBody>
+      </p:sp>
+    </p:spTree>
+    <p:extLst>
+      <p:ext uri="{BB962C8B-B14F-4D97-AF65-F5344CB8AC3E}">
+        <p14:creationId xmlns:p14="http://schemas.microsoft.com/office/powerpoint/2010/main" val="3873548186"/>
+      </p:ext>
+    </p:extLst>
+  </p:cSld>
+  <p:clrMapOvr>
+    <a:masterClrMapping/>
+  </p:clrMapOvr>
+</p:sld>
+</file>
+
+<file path=ppt/slides/slide12.xml><?xml version="1.0" encoding="utf-8"?>
+<p:sld xmlns:a="http://schemas.openxmlformats.org/drawingml/2006/main" xmlns:r="http://schemas.openxmlformats.org/officeDocument/2006/relationships" xmlns:p="http://schemas.openxmlformats.org/presentationml/2006/main">
+  <p:cSld>
+    <p:spTree>
+      <p:nvGrpSpPr>
+        <p:cNvPr id="1" name=""/>
+        <p:cNvGrpSpPr/>
+        <p:nvPr/>
+      </p:nvGrpSpPr>
+      <p:grpSpPr>
+        <a:xfrm>
+          <a:off x="0" y="0"/>
+          <a:ext cx="0" cy="0"/>
+          <a:chOff x="0" y="0"/>
+          <a:chExt cx="0" cy="0"/>
+        </a:xfrm>
+      </p:grpSpPr>
+      <p:sp>
+        <p:nvSpPr>
+          <p:cNvPr id="2" name="Titolo 1">
+            <a:extLst>
+              <a:ext uri="{FF2B5EF4-FFF2-40B4-BE49-F238E27FC236}">
+                <a16:creationId xmlns:a16="http://schemas.microsoft.com/office/drawing/2014/main" id="{5B8460B5-D85B-4E9C-9460-524536A686C0}"/>
+              </a:ext>
+            </a:extLst>
+          </p:cNvPr>
+          <p:cNvSpPr>
+            <a:spLocks noGrp="1"/>
+          </p:cNvSpPr>
+          <p:nvPr>
+            <p:ph type="title"/>
+          </p:nvPr>
+        </p:nvSpPr>
+        <p:spPr>
+          <a:xfrm>
+            <a:off x="1141413" y="619200"/>
+            <a:ext cx="9905998" cy="1478570"/>
+          </a:xfrm>
+        </p:spPr>
+        <p:txBody>
+          <a:bodyPr/>
+          <a:lstStyle/>
+          <a:p>
+            <a:r>
+              <a:rPr lang="it-IT" dirty="0"/>
+              <a:t>Connettere dispositivi</a:t>
+            </a:r>
+          </a:p>
+        </p:txBody>
+      </p:sp>
+      <p:sp>
+        <p:nvSpPr>
+          <p:cNvPr id="4" name="Rectangle 1">
+            <a:extLst>
+              <a:ext uri="{FF2B5EF4-FFF2-40B4-BE49-F238E27FC236}">
+                <a16:creationId xmlns:a16="http://schemas.microsoft.com/office/drawing/2014/main" id="{CD8D4888-4CF7-42DA-B8C0-37FF8AC08354}"/>
+              </a:ext>
+            </a:extLst>
+          </p:cNvPr>
+          <p:cNvSpPr>
+            <a:spLocks noGrp="1" noChangeArrowheads="1"/>
+          </p:cNvSpPr>
+          <p:nvPr>
+            <p:ph idx="1"/>
+          </p:nvPr>
+        </p:nvSpPr>
+        <p:spPr/>
+        <p:txBody>
+          <a:bodyPr>
+            <a:normAutofit fontScale="85000" lnSpcReduction="20000"/>
+          </a:bodyPr>
+          <a:lstStyle/>
+          <a:p>
+            <a:pPr lvl="0"/>
+            <a:r>
+              <a:rPr lang="it-IT" altLang="it-IT" dirty="0"/>
+              <a:t>Il server e il client sono considerati collegati tra loro quando ciascuno ha un </a:t>
+            </a:r>
+            <a:r>
+              <a:rPr lang="it-IT" altLang="it-IT" dirty="0" err="1"/>
+              <a:t>BluetoothSocket</a:t>
+            </a:r>
+            <a:r>
+              <a:rPr lang="it-IT" altLang="it-IT" dirty="0"/>
+              <a:t> collegato sullo stesso canale RFCOMM. A questo punto, ciascun dispositivo può ottenere flussi di input e output e può iniziare il trasferimento dei dati, che viene discusso nella sezione Gestione di una connessione</a:t>
+            </a:r>
+          </a:p>
+          <a:p>
+            <a:r>
+              <a:rPr lang="it-IT" altLang="it-IT" dirty="0"/>
+              <a:t>Una tecnica di implementazione consiste nel preparare automaticamente ogni dispositivo come server in modo che ogni dispositivo abbia un </a:t>
+            </a:r>
+            <a:r>
+              <a:rPr lang="it-IT" altLang="it-IT" dirty="0" err="1"/>
+              <a:t>socket</a:t>
+            </a:r>
+            <a:r>
+              <a:rPr lang="it-IT" altLang="it-IT" dirty="0"/>
+              <a:t> del server aperto e in ascolto delle connessioni. In questo caso, entrambi i dispositivi possono avviare una connessione con l'altro e diventare client</a:t>
+            </a:r>
+          </a:p>
+          <a:p>
+            <a:r>
+              <a:rPr lang="it-IT" altLang="it-IT" dirty="0"/>
+              <a:t> In alternativa, un dispositivo può ospitare esplicitamente la connessione e aprire un </a:t>
+            </a:r>
+            <a:r>
+              <a:rPr lang="it-IT" altLang="it-IT" dirty="0" err="1"/>
+              <a:t>socket</a:t>
+            </a:r>
+            <a:r>
+              <a:rPr lang="it-IT" altLang="it-IT" dirty="0"/>
+              <a:t> del server su richiesta e l'altro dispositivo avvia la connessione</a:t>
+            </a:r>
+          </a:p>
+          <a:p>
+            <a:pPr lvl="0"/>
+            <a:endParaRPr lang="it-IT" altLang="it-IT" dirty="0"/>
+          </a:p>
+        </p:txBody>
+      </p:sp>
+      <p:sp>
+        <p:nvSpPr>
+          <p:cNvPr id="7" name="Rectangle 2">
+            <a:extLst>
+              <a:ext uri="{FF2B5EF4-FFF2-40B4-BE49-F238E27FC236}">
+                <a16:creationId xmlns:a16="http://schemas.microsoft.com/office/drawing/2014/main" id="{83DB4313-23E5-43FD-B32C-9C031FDECDB2}"/>
+              </a:ext>
+            </a:extLst>
+          </p:cNvPr>
+          <p:cNvSpPr>
+            <a:spLocks noChangeArrowheads="1"/>
+          </p:cNvSpPr>
+          <p:nvPr/>
+        </p:nvSpPr>
+        <p:spPr bwMode="auto">
+          <a:xfrm>
+            <a:off x="0" y="43934"/>
+            <a:ext cx="184731" cy="369332"/>
+          </a:xfrm>
+          <a:prstGeom prst="rect">
+            <a:avLst/>
+          </a:prstGeom>
+          <a:noFill/>
+          <a:ln>
+            <a:noFill/>
+          </a:ln>
+          <a:effectLst/>
+          <a:extLst>
+            <a:ext uri="{909E8E84-426E-40DD-AFC4-6F175D3DCCD1}">
+              <a14:hiddenFill xmlns:a14="http://schemas.microsoft.com/office/drawing/2010/main">
+                <a:solidFill>
+                  <a:schemeClr val="accent1"/>
+                </a:solidFill>
+              </a14:hiddenFill>
+            </a:ext>
+            <a:ext uri="{91240B29-F687-4F45-9708-019B960494DF}">
+              <a14:hiddenLine xmlns:a14="http://schemas.microsoft.com/office/drawing/2010/main" w="9525">
+                <a:solidFill>
+                  <a:schemeClr val="tx1"/>
+                </a:solidFill>
+                <a:miter lim="800000"/>
+                <a:headEnd/>
+                <a:tailEnd/>
+              </a14:hiddenLine>
+            </a:ext>
+            <a:ext uri="{AF507438-7753-43E0-B8FC-AC1667EBCBE1}">
+              <a14:hiddenEffects xmlns:a14="http://schemas.microsoft.com/office/drawing/2010/main">
+                <a:effectLst>
+                  <a:outerShdw dist="35921" dir="2700000" algn="ctr" rotWithShape="0">
+                    <a:schemeClr val="bg2"/>
+                  </a:outerShdw>
+                </a:effectLst>
+              </a14:hiddenEffects>
+            </a:ext>
+          </a:extLst>
+        </p:spPr>
+        <p:txBody>
+          <a:bodyPr vert="horz" wrap="none" lIns="91440" tIns="45720" rIns="91440" bIns="45720" numCol="1" anchor="ctr" anchorCtr="0" compatLnSpc="1">
+            <a:prstTxWarp prst="textNoShape">
+              <a:avLst/>
+            </a:prstTxWarp>
+            <a:spAutoFit/>
+          </a:bodyPr>
+          <a:lstStyle/>
+          <a:p>
+            <a:pPr marL="0" marR="0" lvl="0" indent="0" algn="l" defTabSz="914400" rtl="0" eaLnBrk="0" fontAlgn="base" latinLnBrk="0" hangingPunct="0">
+              <a:lnSpc>
+                <a:spcPct val="100000"/>
+              </a:lnSpc>
+              <a:spcBef>
+                <a:spcPct val="0"/>
+              </a:spcBef>
+              <a:spcAft>
+                <a:spcPct val="0"/>
+              </a:spcAft>
+              <a:buClrTx/>
+              <a:buSzTx/>
+              <a:buFontTx/>
+              <a:buNone/>
+              <a:tabLst/>
+            </a:pPr>
+            <a:endParaRPr kumimoji="0" lang="it-IT" altLang="it-IT" sz="1800" b="0" i="0" u="none" strike="noStrike" cap="none" normalizeH="0" baseline="0" dirty="0">
+              <a:ln>
+                <a:noFill/>
+              </a:ln>
+              <a:solidFill>
+                <a:schemeClr val="tx1"/>
+              </a:solidFill>
+              <a:effectLst/>
+              <a:latin typeface="Arial" panose="020B0604020202020204" pitchFamily="34" charset="0"/>
+            </a:endParaRPr>
+          </a:p>
+        </p:txBody>
+      </p:sp>
+    </p:spTree>
+    <p:extLst>
+      <p:ext uri="{BB962C8B-B14F-4D97-AF65-F5344CB8AC3E}">
+        <p14:creationId xmlns:p14="http://schemas.microsoft.com/office/powerpoint/2010/main" val="1957467262"/>
+      </p:ext>
+    </p:extLst>
+  </p:cSld>
+  <p:clrMapOvr>
+    <a:masterClrMapping/>
+  </p:clrMapOvr>
+</p:sld>
+</file>
+
+<file path=ppt/slides/slide13.xml><?xml version="1.0" encoding="utf-8"?>
+<p:sld xmlns:a="http://schemas.openxmlformats.org/drawingml/2006/main" xmlns:r="http://schemas.openxmlformats.org/officeDocument/2006/relationships" xmlns:p="http://schemas.openxmlformats.org/presentationml/2006/main">
+  <p:cSld>
+    <p:spTree>
+      <p:nvGrpSpPr>
+        <p:cNvPr id="1" name=""/>
+        <p:cNvGrpSpPr/>
+        <p:nvPr/>
+      </p:nvGrpSpPr>
+      <p:grpSpPr>
+        <a:xfrm>
+          <a:off x="0" y="0"/>
+          <a:ext cx="0" cy="0"/>
+          <a:chOff x="0" y="0"/>
+          <a:chExt cx="0" cy="0"/>
+        </a:xfrm>
+      </p:grpSpPr>
+      <p:sp>
+        <p:nvSpPr>
+          <p:cNvPr id="2" name="Titolo 1">
+            <a:extLst>
+              <a:ext uri="{FF2B5EF4-FFF2-40B4-BE49-F238E27FC236}">
+                <a16:creationId xmlns:a16="http://schemas.microsoft.com/office/drawing/2014/main" id="{5B8460B5-D85B-4E9C-9460-524536A686C0}"/>
+              </a:ext>
+            </a:extLst>
+          </p:cNvPr>
+          <p:cNvSpPr>
+            <a:spLocks noGrp="1"/>
+          </p:cNvSpPr>
+          <p:nvPr>
+            <p:ph type="title"/>
+          </p:nvPr>
+        </p:nvSpPr>
+        <p:spPr/>
+        <p:txBody>
+          <a:bodyPr/>
+          <a:lstStyle/>
+          <a:p>
+            <a:r>
+              <a:rPr lang="it-IT" dirty="0"/>
+              <a:t>Connettere dispositivi</a:t>
+            </a:r>
+          </a:p>
+        </p:txBody>
+      </p:sp>
+      <p:sp>
+        <p:nvSpPr>
+          <p:cNvPr id="4" name="Rectangle 1">
+            <a:extLst>
+              <a:ext uri="{FF2B5EF4-FFF2-40B4-BE49-F238E27FC236}">
+                <a16:creationId xmlns:a16="http://schemas.microsoft.com/office/drawing/2014/main" id="{CD8D4888-4CF7-42DA-B8C0-37FF8AC08354}"/>
+              </a:ext>
+            </a:extLst>
+          </p:cNvPr>
+          <p:cNvSpPr>
+            <a:spLocks noGrp="1" noChangeArrowheads="1"/>
+          </p:cNvSpPr>
+          <p:nvPr>
+            <p:ph sz="half" idx="1"/>
+          </p:nvPr>
+        </p:nvSpPr>
+        <p:spPr>
+          <a:xfrm>
+            <a:off x="1141410" y="2249486"/>
+            <a:ext cx="6820904" cy="3541714"/>
+          </a:xfrm>
+        </p:spPr>
+        <p:txBody>
+          <a:bodyPr>
+            <a:noAutofit/>
+          </a:bodyPr>
+          <a:lstStyle/>
+          <a:p>
+            <a:pPr marL="342900" indent="-342900">
+              <a:buFont typeface="Arial" panose="020B0604020202020204" pitchFamily="34" charset="0"/>
+              <a:buChar char="•"/>
+            </a:pPr>
+            <a:r>
+              <a:rPr lang="it-IT" altLang="it-IT" sz="2000" dirty="0"/>
+              <a:t>Se i due dispositivi non sono stati precedentemente associati, il framework Android mostra automaticamente una notifica di richiesta di associazione o una finestra di dialogo all'utente durante la procedura di connessione. Pertanto, quando l'applicazione tenta di connettere i dispositivi, non è necessario preoccuparsi se i dispositivi sono associati o meno </a:t>
+            </a:r>
+          </a:p>
+          <a:p>
+            <a:pPr marL="342900" indent="-342900">
+              <a:buFont typeface="Arial" panose="020B0604020202020204" pitchFamily="34" charset="0"/>
+              <a:buChar char="•"/>
+            </a:pPr>
+            <a:r>
+              <a:rPr lang="it-IT" altLang="it-IT" sz="2000" dirty="0"/>
+              <a:t>Il tentativo di connessione RFCOMM viene bloccato fino a quando l'utente non ha accoppiato correttamente i due dispositivi e il tentativo fallisce se l'utente rifiuta l'associazione o se il processo di associazione fallisce o scade</a:t>
+            </a:r>
+          </a:p>
+        </p:txBody>
+      </p:sp>
+      <p:pic>
+        <p:nvPicPr>
+          <p:cNvPr id="8" name="Segnaposto contenuto 7" descr="Immagine che contiene screenshot&#10;&#10;Descrizione generata automaticamente">
+            <a:extLst>
+              <a:ext uri="{FF2B5EF4-FFF2-40B4-BE49-F238E27FC236}">
+                <a16:creationId xmlns:a16="http://schemas.microsoft.com/office/drawing/2014/main" id="{C6583E47-FD2C-4665-9748-674023FC43DA}"/>
+              </a:ext>
+            </a:extLst>
+          </p:cNvPr>
+          <p:cNvPicPr>
+            <a:picLocks noGrp="1" noChangeAspect="1"/>
+          </p:cNvPicPr>
+          <p:nvPr>
+            <p:ph sz="half" idx="2"/>
+          </p:nvPr>
+        </p:nvPicPr>
+        <p:blipFill>
+          <a:blip r:embed="rId2"/>
+          <a:stretch>
+            <a:fillRect/>
+          </a:stretch>
+        </p:blipFill>
+        <p:spPr>
+          <a:xfrm>
+            <a:off x="8167411" y="2536200"/>
+            <a:ext cx="2880000" cy="1785600"/>
+          </a:xfrm>
+        </p:spPr>
+      </p:pic>
+      <p:sp>
+        <p:nvSpPr>
+          <p:cNvPr id="7" name="Rectangle 2">
+            <a:extLst>
+              <a:ext uri="{FF2B5EF4-FFF2-40B4-BE49-F238E27FC236}">
+                <a16:creationId xmlns:a16="http://schemas.microsoft.com/office/drawing/2014/main" id="{83DB4313-23E5-43FD-B32C-9C031FDECDB2}"/>
+              </a:ext>
+            </a:extLst>
+          </p:cNvPr>
+          <p:cNvSpPr>
+            <a:spLocks noChangeArrowheads="1"/>
+          </p:cNvSpPr>
+          <p:nvPr/>
+        </p:nvSpPr>
+        <p:spPr bwMode="auto">
+          <a:xfrm>
+            <a:off x="0" y="43934"/>
+            <a:ext cx="184731" cy="369332"/>
+          </a:xfrm>
+          <a:prstGeom prst="rect">
+            <a:avLst/>
+          </a:prstGeom>
+          <a:noFill/>
+          <a:ln>
+            <a:noFill/>
+          </a:ln>
+          <a:effectLst/>
+          <a:extLst>
+            <a:ext uri="{909E8E84-426E-40DD-AFC4-6F175D3DCCD1}">
+              <a14:hiddenFill xmlns:a14="http://schemas.microsoft.com/office/drawing/2010/main">
+                <a:solidFill>
+                  <a:schemeClr val="accent1"/>
+                </a:solidFill>
+              </a14:hiddenFill>
+            </a:ext>
+            <a:ext uri="{91240B29-F687-4F45-9708-019B960494DF}">
+              <a14:hiddenLine xmlns:a14="http://schemas.microsoft.com/office/drawing/2010/main" w="9525">
+                <a:solidFill>
+                  <a:schemeClr val="tx1"/>
+                </a:solidFill>
+                <a:miter lim="800000"/>
+                <a:headEnd/>
+                <a:tailEnd/>
+              </a14:hiddenLine>
+            </a:ext>
+            <a:ext uri="{AF507438-7753-43E0-B8FC-AC1667EBCBE1}">
+              <a14:hiddenEffects xmlns:a14="http://schemas.microsoft.com/office/drawing/2010/main">
+                <a:effectLst>
+                  <a:outerShdw dist="35921" dir="2700000" algn="ctr" rotWithShape="0">
+                    <a:schemeClr val="bg2"/>
+                  </a:outerShdw>
+                </a:effectLst>
+              </a14:hiddenEffects>
+            </a:ext>
+          </a:extLst>
+        </p:spPr>
+        <p:txBody>
+          <a:bodyPr vert="horz" wrap="none" lIns="91440" tIns="45720" rIns="91440" bIns="45720" numCol="1" anchor="ctr" anchorCtr="0" compatLnSpc="1">
+            <a:prstTxWarp prst="textNoShape">
+              <a:avLst/>
+            </a:prstTxWarp>
+            <a:spAutoFit/>
+          </a:bodyPr>
+          <a:lstStyle/>
+          <a:p>
+            <a:pPr marL="0" marR="0" lvl="0" indent="0" algn="l" defTabSz="914400" rtl="0" eaLnBrk="0" fontAlgn="base" latinLnBrk="0" hangingPunct="0">
+              <a:lnSpc>
+                <a:spcPct val="100000"/>
+              </a:lnSpc>
+              <a:spcBef>
+                <a:spcPct val="0"/>
+              </a:spcBef>
+              <a:spcAft>
+                <a:spcPct val="0"/>
+              </a:spcAft>
+              <a:buClrTx/>
+              <a:buSzTx/>
+              <a:buFontTx/>
+              <a:buNone/>
+              <a:tabLst/>
+            </a:pPr>
+            <a:endParaRPr kumimoji="0" lang="it-IT" altLang="it-IT" sz="1800" b="0" i="0" u="none" strike="noStrike" cap="none" normalizeH="0" baseline="0" dirty="0">
+              <a:ln>
+                <a:noFill/>
+              </a:ln>
+              <a:solidFill>
+                <a:schemeClr val="tx1"/>
+              </a:solidFill>
+              <a:effectLst/>
+              <a:latin typeface="Arial" panose="020B0604020202020204" pitchFamily="34" charset="0"/>
+            </a:endParaRPr>
+          </a:p>
+        </p:txBody>
+      </p:sp>
+    </p:spTree>
+    <p:extLst>
+      <p:ext uri="{BB962C8B-B14F-4D97-AF65-F5344CB8AC3E}">
+        <p14:creationId xmlns:p14="http://schemas.microsoft.com/office/powerpoint/2010/main" val="3282613948"/>
+      </p:ext>
+    </p:extLst>
+  </p:cSld>
+  <p:clrMapOvr>
+    <a:masterClrMapping/>
+  </p:clrMapOvr>
+</p:sld>
+</file>
+
 <file path=ppt/slides/slide2.xml><?xml version="1.0" encoding="utf-8"?>
 <p:sld xmlns:a="http://schemas.openxmlformats.org/drawingml/2006/main" xmlns:r="http://schemas.openxmlformats.org/officeDocument/2006/relationships" xmlns:p="http://schemas.openxmlformats.org/presentationml/2006/main">
   <p:cSld>
-    <p:bg>
-      <p:bgPr>
-        <a:blipFill>
-          <a:blip r:embed="rId2">
-            <a:duotone>
-              <a:schemeClr val="bg2">
-                <a:shade val="88000"/>
-                <a:hueMod val="106000"/>
-                <a:satMod val="140000"/>
-                <a:lumMod val="54000"/>
-              </a:schemeClr>
-              <a:schemeClr val="bg2">
-                <a:tint val="98000"/>
-                <a:hueMod val="90000"/>
-                <a:satMod val="150000"/>
-                <a:lumMod val="160000"/>
-              </a:schemeClr>
-            </a:duotone>
-          </a:blip>
-          <a:stretch/>
-        </a:blipFill>
-        <a:effectLst/>
-      </p:bgPr>
-    </p:bg>
     <p:spTree>
       <p:nvGrpSpPr>
         <p:cNvPr id="1" name=""/>
@@ -18291,7 +22010,7 @@
             <p:ph idx="1"/>
             <p:extLst>
               <p:ext uri="{D42A27DB-BD31-4B8C-83A1-F6EECF244321}">
-                <p14:modId xmlns:p14="http://schemas.microsoft.com/office/powerpoint/2010/main" val="2058918971"/>
+                <p14:modId xmlns:p14="http://schemas.microsoft.com/office/powerpoint/2010/main" val="1509492413"/>
               </p:ext>
             </p:extLst>
           </p:nvPr>
@@ -18302,7 +22021,7 @@
         </p:xfrm>
         <a:graphic>
           <a:graphicData uri="http://schemas.openxmlformats.org/drawingml/2006/diagram">
-            <dgm:relIds xmlns:dgm="http://schemas.openxmlformats.org/drawingml/2006/diagram" xmlns:r="http://schemas.openxmlformats.org/officeDocument/2006/relationships" r:dm="rId3" r:lo="rId4" r:qs="rId5" r:cs="rId6"/>
+            <dgm:relIds xmlns:dgm="http://schemas.openxmlformats.org/drawingml/2006/diagram" xmlns:r="http://schemas.openxmlformats.org/officeDocument/2006/relationships" r:dm="rId2" r:lo="rId3" r:qs="rId4" r:cs="rId5"/>
           </a:graphicData>
         </a:graphic>
       </p:graphicFrame>
@@ -18322,30 +22041,6 @@
 <file path=ppt/slides/slide3.xml><?xml version="1.0" encoding="utf-8"?>
 <p:sld xmlns:a="http://schemas.openxmlformats.org/drawingml/2006/main" xmlns:r="http://schemas.openxmlformats.org/officeDocument/2006/relationships" xmlns:p="http://schemas.openxmlformats.org/presentationml/2006/main">
   <p:cSld>
-    <p:bg>
-      <p:bgPr>
-        <a:blipFill>
-          <a:blip r:embed="rId2">
-            <a:duotone>
-              <a:schemeClr val="bg2">
-                <a:shade val="88000"/>
-                <a:hueMod val="106000"/>
-                <a:satMod val="140000"/>
-                <a:lumMod val="54000"/>
-              </a:schemeClr>
-              <a:schemeClr val="bg2">
-                <a:tint val="98000"/>
-                <a:hueMod val="90000"/>
-                <a:satMod val="150000"/>
-                <a:lumMod val="160000"/>
-              </a:schemeClr>
-            </a:duotone>
-          </a:blip>
-          <a:stretch/>
-        </a:blipFill>
-        <a:effectLst/>
-      </p:bgPr>
-    </p:bg>
     <p:spTree>
       <p:nvGrpSpPr>
         <p:cNvPr id="1" name=""/>
@@ -18494,30 +22189,6 @@
 <file path=ppt/slides/slide4.xml><?xml version="1.0" encoding="utf-8"?>
 <p:sld xmlns:a="http://schemas.openxmlformats.org/drawingml/2006/main" xmlns:r="http://schemas.openxmlformats.org/officeDocument/2006/relationships" xmlns:p="http://schemas.openxmlformats.org/presentationml/2006/main">
   <p:cSld>
-    <p:bg>
-      <p:bgPr>
-        <a:blipFill>
-          <a:blip r:embed="rId2">
-            <a:duotone>
-              <a:schemeClr val="bg2">
-                <a:shade val="88000"/>
-                <a:hueMod val="106000"/>
-                <a:satMod val="140000"/>
-                <a:lumMod val="54000"/>
-              </a:schemeClr>
-              <a:schemeClr val="bg2">
-                <a:tint val="98000"/>
-                <a:hueMod val="90000"/>
-                <a:satMod val="150000"/>
-                <a:lumMod val="160000"/>
-              </a:schemeClr>
-            </a:duotone>
-          </a:blip>
-          <a:stretch/>
-        </a:blipFill>
-        <a:effectLst/>
-      </p:bgPr>
-    </p:bg>
     <p:spTree>
       <p:nvGrpSpPr>
         <p:cNvPr id="1" name=""/>
@@ -18578,11 +22249,6 @@
           </p:cNvGraphicFramePr>
           <p:nvPr>
             <p:ph idx="1"/>
-            <p:extLst>
-              <p:ext uri="{D42A27DB-BD31-4B8C-83A1-F6EECF244321}">
-                <p14:modId xmlns:p14="http://schemas.microsoft.com/office/powerpoint/2010/main" val="1453696059"/>
-              </p:ext>
-            </p:extLst>
           </p:nvPr>
         </p:nvGraphicFramePr>
         <p:xfrm>
@@ -18591,7 +22257,7 @@
         </p:xfrm>
         <a:graphic>
           <a:graphicData uri="http://schemas.openxmlformats.org/drawingml/2006/diagram">
-            <dgm:relIds xmlns:dgm="http://schemas.openxmlformats.org/drawingml/2006/diagram" xmlns:r="http://schemas.openxmlformats.org/officeDocument/2006/relationships" r:dm="rId3" r:lo="rId4" r:qs="rId5" r:cs="rId6"/>
+            <dgm:relIds xmlns:dgm="http://schemas.openxmlformats.org/drawingml/2006/diagram" xmlns:r="http://schemas.openxmlformats.org/officeDocument/2006/relationships" r:dm="rId2" r:lo="rId3" r:qs="rId4" r:cs="rId5"/>
           </a:graphicData>
         </a:graphic>
       </p:graphicFrame>
@@ -18610,7 +22276,7 @@
         <p:spPr>
           <a:xfrm>
             <a:off x="1141414" y="2001097"/>
-            <a:ext cx="9905997" cy="646331"/>
+            <a:ext cx="9905997" cy="707886"/>
           </a:xfrm>
           <a:prstGeom prst="rect">
             <a:avLst/>
@@ -18624,21 +22290,948 @@
           <a:lstStyle/>
           <a:p>
             <a:r>
-              <a:rPr lang="it-IT" sz="1800" dirty="0"/>
+              <a:rPr lang="it-IT" sz="2000" dirty="0"/>
               <a:t>Affinché due dispositivi abilitati al Bluetooth possano comunicare e trasferirsi dati devono prima creare un canale di comunicazione tramite il processo di </a:t>
             </a:r>
             <a:r>
-              <a:rPr lang="it-IT" sz="1800" dirty="0" err="1"/>
+              <a:rPr lang="it-IT" sz="2000" dirty="0" err="1"/>
               <a:t>pairing</a:t>
             </a:r>
-            <a:endParaRPr lang="it-IT" sz="1800" dirty="0"/>
+            <a:endParaRPr lang="it-IT" sz="2000" dirty="0"/>
           </a:p>
         </p:txBody>
       </p:sp>
     </p:spTree>
     <p:extLst>
       <p:ext uri="{BB962C8B-B14F-4D97-AF65-F5344CB8AC3E}">
-        <p14:creationId xmlns:p14="http://schemas.microsoft.com/office/powerpoint/2010/main" val="1449758105"/>
+        <p14:creationId xmlns:p14="http://schemas.microsoft.com/office/powerpoint/2010/main" val="1608415434"/>
+      </p:ext>
+    </p:extLst>
+  </p:cSld>
+  <p:clrMapOvr>
+    <a:masterClrMapping/>
+  </p:clrMapOvr>
+</p:sld>
+</file>
+
+<file path=ppt/slides/slide5.xml><?xml version="1.0" encoding="utf-8"?>
+<p:sld xmlns:a="http://schemas.openxmlformats.org/drawingml/2006/main" xmlns:r="http://schemas.openxmlformats.org/officeDocument/2006/relationships" xmlns:p="http://schemas.openxmlformats.org/presentationml/2006/main">
+  <p:cSld>
+    <p:spTree>
+      <p:nvGrpSpPr>
+        <p:cNvPr id="1" name=""/>
+        <p:cNvGrpSpPr/>
+        <p:nvPr/>
+      </p:nvGrpSpPr>
+      <p:grpSpPr>
+        <a:xfrm>
+          <a:off x="0" y="0"/>
+          <a:ext cx="0" cy="0"/>
+          <a:chOff x="0" y="0"/>
+          <a:chExt cx="0" cy="0"/>
+        </a:xfrm>
+      </p:grpSpPr>
+      <p:sp>
+        <p:nvSpPr>
+          <p:cNvPr id="6" name="Titolo 5">
+            <a:extLst>
+              <a:ext uri="{FF2B5EF4-FFF2-40B4-BE49-F238E27FC236}">
+                <a16:creationId xmlns:a16="http://schemas.microsoft.com/office/drawing/2014/main" id="{E1A808EA-4A5B-439B-8D2D-079A3459A8D6}"/>
+              </a:ext>
+            </a:extLst>
+          </p:cNvPr>
+          <p:cNvSpPr>
+            <a:spLocks noGrp="1"/>
+          </p:cNvSpPr>
+          <p:nvPr>
+            <p:ph type="title"/>
+          </p:nvPr>
+        </p:nvSpPr>
+        <p:spPr/>
+        <p:txBody>
+          <a:bodyPr>
+            <a:normAutofit/>
+          </a:bodyPr>
+          <a:lstStyle/>
+          <a:p>
+            <a:pPr algn="r"/>
+            <a:r>
+              <a:rPr lang="en-US" sz="4000" dirty="0"/>
+              <a:t>PERMESSI</a:t>
+            </a:r>
+            <a:endParaRPr lang="it-IT" sz="4000" dirty="0"/>
+          </a:p>
+        </p:txBody>
+      </p:sp>
+      <p:graphicFrame>
+        <p:nvGraphicFramePr>
+          <p:cNvPr id="128" name="Segnaposto testo 7">
+            <a:extLst>
+              <a:ext uri="{FF2B5EF4-FFF2-40B4-BE49-F238E27FC236}">
+                <a16:creationId xmlns:a16="http://schemas.microsoft.com/office/drawing/2014/main" id="{72D70041-B96B-4F9E-A947-57EC5ACDA71F}"/>
+              </a:ext>
+            </a:extLst>
+          </p:cNvPr>
+          <p:cNvGraphicFramePr>
+            <a:graphicFrameLocks noGrp="1"/>
+          </p:cNvGraphicFramePr>
+          <p:nvPr>
+            <p:ph idx="1"/>
+            <p:extLst>
+              <p:ext uri="{D42A27DB-BD31-4B8C-83A1-F6EECF244321}">
+                <p14:modId xmlns:p14="http://schemas.microsoft.com/office/powerpoint/2010/main" val="2046920508"/>
+              </p:ext>
+            </p:extLst>
+          </p:nvPr>
+        </p:nvGraphicFramePr>
+        <p:xfrm>
+          <a:off x="1141411" y="2990057"/>
+          <a:ext cx="9906000" cy="3541712"/>
+        </p:xfrm>
+        <a:graphic>
+          <a:graphicData uri="http://schemas.openxmlformats.org/drawingml/2006/diagram">
+            <dgm:relIds xmlns:dgm="http://schemas.openxmlformats.org/drawingml/2006/diagram" xmlns:r="http://schemas.openxmlformats.org/officeDocument/2006/relationships" r:dm="rId2" r:lo="rId3" r:qs="rId4" r:cs="rId5"/>
+          </a:graphicData>
+        </a:graphic>
+      </p:graphicFrame>
+      <p:sp>
+        <p:nvSpPr>
+          <p:cNvPr id="129" name="CasellaDiTesto 128">
+            <a:extLst>
+              <a:ext uri="{FF2B5EF4-FFF2-40B4-BE49-F238E27FC236}">
+                <a16:creationId xmlns:a16="http://schemas.microsoft.com/office/drawing/2014/main" id="{F7E8EC58-D5F0-4C3E-AC3B-4366DDC7460B}"/>
+              </a:ext>
+            </a:extLst>
+          </p:cNvPr>
+          <p:cNvSpPr txBox="1"/>
+          <p:nvPr/>
+        </p:nvSpPr>
+        <p:spPr>
+          <a:xfrm>
+            <a:off x="1141414" y="2001097"/>
+            <a:ext cx="9905997" cy="707886"/>
+          </a:xfrm>
+          <a:prstGeom prst="rect">
+            <a:avLst/>
+          </a:prstGeom>
+          <a:noFill/>
+        </p:spPr>
+        <p:txBody>
+          <a:bodyPr wrap="square">
+            <a:spAutoFit/>
+          </a:bodyPr>
+          <a:lstStyle/>
+          <a:p>
+            <a:r>
+              <a:rPr lang="it-IT" sz="2000" dirty="0"/>
+              <a:t>Le Android API per il Bluetooth richiedono l’utilizzo di alcuni permessi da dichiarare nel file mainfest.xml</a:t>
+            </a:r>
+          </a:p>
+        </p:txBody>
+      </p:sp>
+    </p:spTree>
+    <p:extLst>
+      <p:ext uri="{BB962C8B-B14F-4D97-AF65-F5344CB8AC3E}">
+        <p14:creationId xmlns:p14="http://schemas.microsoft.com/office/powerpoint/2010/main" val="789264329"/>
+      </p:ext>
+    </p:extLst>
+  </p:cSld>
+  <p:clrMapOvr>
+    <a:masterClrMapping/>
+  </p:clrMapOvr>
+</p:sld>
+</file>
+
+<file path=ppt/slides/slide6.xml><?xml version="1.0" encoding="utf-8"?>
+<p:sld xmlns:a="http://schemas.openxmlformats.org/drawingml/2006/main" xmlns:r="http://schemas.openxmlformats.org/officeDocument/2006/relationships" xmlns:p="http://schemas.openxmlformats.org/presentationml/2006/main">
+  <p:cSld>
+    <p:bg>
+      <p:bgPr>
+        <a:blipFill>
+          <a:blip r:embed="rId2">
+            <a:duotone>
+              <a:schemeClr val="bg2">
+                <a:shade val="88000"/>
+                <a:hueMod val="106000"/>
+                <a:satMod val="140000"/>
+                <a:lumMod val="54000"/>
+              </a:schemeClr>
+              <a:schemeClr val="bg2">
+                <a:tint val="98000"/>
+                <a:hueMod val="90000"/>
+                <a:satMod val="150000"/>
+                <a:lumMod val="160000"/>
+              </a:schemeClr>
+            </a:duotone>
+          </a:blip>
+          <a:stretch/>
+        </a:blipFill>
+        <a:effectLst/>
+      </p:bgPr>
+    </p:bg>
+    <p:spTree>
+      <p:nvGrpSpPr>
+        <p:cNvPr id="1" name=""/>
+        <p:cNvGrpSpPr/>
+        <p:nvPr/>
+      </p:nvGrpSpPr>
+      <p:grpSpPr>
+        <a:xfrm>
+          <a:off x="0" y="0"/>
+          <a:ext cx="0" cy="0"/>
+          <a:chOff x="0" y="0"/>
+          <a:chExt cx="0" cy="0"/>
+        </a:xfrm>
+      </p:grpSpPr>
+      <p:sp>
+        <p:nvSpPr>
+          <p:cNvPr id="2" name="Titolo 1">
+            <a:extLst>
+              <a:ext uri="{FF2B5EF4-FFF2-40B4-BE49-F238E27FC236}">
+                <a16:creationId xmlns:a16="http://schemas.microsoft.com/office/drawing/2014/main" id="{42278F2F-97E7-41E4-BB5E-F2CBE5461F46}"/>
+              </a:ext>
+            </a:extLst>
+          </p:cNvPr>
+          <p:cNvSpPr>
+            <a:spLocks noGrp="1"/>
+          </p:cNvSpPr>
+          <p:nvPr>
+            <p:ph type="title"/>
+          </p:nvPr>
+        </p:nvSpPr>
+        <p:spPr>
+          <a:xfrm>
+            <a:off x="1141413" y="618518"/>
+            <a:ext cx="9905998" cy="1478570"/>
+          </a:xfrm>
+        </p:spPr>
+        <p:txBody>
+          <a:bodyPr>
+            <a:normAutofit/>
+          </a:bodyPr>
+          <a:lstStyle/>
+          <a:p>
+            <a:r>
+              <a:rPr lang="it-IT" dirty="0"/>
+              <a:t>Permessi:</a:t>
+            </a:r>
+            <a:r>
+              <a:rPr lang="it-IT" sz="3600" dirty="0"/>
+              <a:t> BLUETOOTH</a:t>
+            </a:r>
+            <a:endParaRPr lang="it-IT" dirty="0"/>
+          </a:p>
+        </p:txBody>
+      </p:sp>
+      <p:pic>
+        <p:nvPicPr>
+          <p:cNvPr id="7" name="Graphic 6" descr="Bluetooth">
+            <a:extLst>
+              <a:ext uri="{FF2B5EF4-FFF2-40B4-BE49-F238E27FC236}">
+                <a16:creationId xmlns:a16="http://schemas.microsoft.com/office/drawing/2014/main" id="{E5205D79-5BF5-4DA4-B610-90BCE77CAF70}"/>
+              </a:ext>
+            </a:extLst>
+          </p:cNvPr>
+          <p:cNvPicPr>
+            <a:picLocks noChangeAspect="1"/>
+          </p:cNvPicPr>
+          <p:nvPr/>
+        </p:nvPicPr>
+        <p:blipFill>
+          <a:blip r:embed="rId3">
+            <a:extLst>
+              <a:ext uri="{96DAC541-7B7A-43D3-8B79-37D633B846F1}">
+                <asvg:svgBlip xmlns:asvg="http://schemas.microsoft.com/office/drawing/2016/SVG/main" r:embed="rId4"/>
+              </a:ext>
+            </a:extLst>
+          </a:blip>
+          <a:stretch/>
+        </p:blipFill>
+        <p:spPr>
+          <a:xfrm>
+            <a:off x="1141411" y="2277013"/>
+            <a:ext cx="3494597" cy="3494597"/>
+          </a:xfrm>
+          <a:prstGeom prst="round2DiagRect">
+            <a:avLst>
+              <a:gd name="adj1" fmla="val 5608"/>
+              <a:gd name="adj2" fmla="val 0"/>
+            </a:avLst>
+          </a:prstGeom>
+          <a:ln w="19050" cap="sq">
+            <a:solidFill>
+              <a:schemeClr val="tx2">
+                <a:lumMod val="60000"/>
+                <a:lumOff val="40000"/>
+                <a:alpha val="60000"/>
+              </a:schemeClr>
+            </a:solidFill>
+            <a:miter lim="800000"/>
+          </a:ln>
+          <a:effectLst>
+            <a:outerShdw blurRad="88900" dist="38100" dir="5400000" algn="t" rotWithShape="0">
+              <a:prstClr val="black">
+                <a:alpha val="40000"/>
+              </a:prstClr>
+            </a:outerShdw>
+          </a:effectLst>
+        </p:spPr>
+      </p:pic>
+      <p:sp>
+        <p:nvSpPr>
+          <p:cNvPr id="3" name="Segnaposto contenuto 2">
+            <a:extLst>
+              <a:ext uri="{FF2B5EF4-FFF2-40B4-BE49-F238E27FC236}">
+                <a16:creationId xmlns:a16="http://schemas.microsoft.com/office/drawing/2014/main" id="{159DFFC4-214D-471F-9F2C-6477441A9944}"/>
+              </a:ext>
+            </a:extLst>
+          </p:cNvPr>
+          <p:cNvSpPr>
+            <a:spLocks noGrp="1"/>
+          </p:cNvSpPr>
+          <p:nvPr>
+            <p:ph idx="1"/>
+          </p:nvPr>
+        </p:nvSpPr>
+        <p:spPr>
+          <a:xfrm>
+            <a:off x="5034579" y="2249487"/>
+            <a:ext cx="6012832" cy="3541714"/>
+          </a:xfrm>
+        </p:spPr>
+        <p:txBody>
+          <a:bodyPr>
+            <a:normAutofit/>
+          </a:bodyPr>
+          <a:lstStyle/>
+          <a:p>
+            <a:pPr>
+              <a:lnSpc>
+                <a:spcPct val="110000"/>
+              </a:lnSpc>
+            </a:pPr>
+            <a:r>
+              <a:rPr lang="it-IT" sz="2000" dirty="0"/>
+              <a:t>È il permesso utilizzato per eseguire qualsiasi comunicazione Bluetooth, come richiedere una connessione, accettare una connessione e trasferire dati</a:t>
+            </a:r>
+          </a:p>
+          <a:p>
+            <a:pPr>
+              <a:lnSpc>
+                <a:spcPct val="110000"/>
+              </a:lnSpc>
+            </a:pPr>
+            <a:r>
+              <a:rPr lang="it-IT" sz="2000" dirty="0"/>
+              <a:t>Disponibile sin dall’API </a:t>
+            </a:r>
+            <a:r>
+              <a:rPr lang="it-IT" sz="2000" dirty="0" err="1"/>
+              <a:t>level</a:t>
+            </a:r>
+            <a:r>
+              <a:rPr lang="it-IT" sz="2000" dirty="0"/>
+              <a:t> 1, ha un livello di protezione di sicurezza classificato come normale</a:t>
+            </a:r>
+          </a:p>
+          <a:p>
+            <a:pPr>
+              <a:lnSpc>
+                <a:spcPct val="110000"/>
+              </a:lnSpc>
+            </a:pPr>
+            <a:r>
+              <a:rPr lang="it-IT" sz="2000" dirty="0"/>
+              <a:t>Basta la dichiarazione nel file manifest.xml tramite la costante "</a:t>
+            </a:r>
+            <a:r>
+              <a:rPr lang="it-IT" sz="2000" dirty="0" err="1"/>
+              <a:t>android.permission.BLUETOOTH</a:t>
+            </a:r>
+            <a:r>
+              <a:rPr lang="it-IT" sz="2000" dirty="0"/>
+              <a:t>"</a:t>
+            </a:r>
+          </a:p>
+        </p:txBody>
+      </p:sp>
+    </p:spTree>
+    <p:extLst>
+      <p:ext uri="{BB962C8B-B14F-4D97-AF65-F5344CB8AC3E}">
+        <p14:creationId xmlns:p14="http://schemas.microsoft.com/office/powerpoint/2010/main" val="444889726"/>
+      </p:ext>
+    </p:extLst>
+  </p:cSld>
+  <p:clrMapOvr>
+    <a:masterClrMapping/>
+  </p:clrMapOvr>
+</p:sld>
+</file>
+
+<file path=ppt/slides/slide7.xml><?xml version="1.0" encoding="utf-8"?>
+<p:sld xmlns:a="http://schemas.openxmlformats.org/drawingml/2006/main" xmlns:r="http://schemas.openxmlformats.org/officeDocument/2006/relationships" xmlns:p="http://schemas.openxmlformats.org/presentationml/2006/main">
+  <p:cSld>
+    <p:bg>
+      <p:bgPr>
+        <a:blipFill>
+          <a:blip r:embed="rId2">
+            <a:duotone>
+              <a:schemeClr val="bg2">
+                <a:shade val="88000"/>
+                <a:hueMod val="106000"/>
+                <a:satMod val="140000"/>
+                <a:lumMod val="54000"/>
+              </a:schemeClr>
+              <a:schemeClr val="bg2">
+                <a:tint val="98000"/>
+                <a:hueMod val="90000"/>
+                <a:satMod val="150000"/>
+                <a:lumMod val="160000"/>
+              </a:schemeClr>
+            </a:duotone>
+          </a:blip>
+          <a:stretch/>
+        </a:blipFill>
+        <a:effectLst/>
+      </p:bgPr>
+    </p:bg>
+    <p:spTree>
+      <p:nvGrpSpPr>
+        <p:cNvPr id="1" name=""/>
+        <p:cNvGrpSpPr/>
+        <p:nvPr/>
+      </p:nvGrpSpPr>
+      <p:grpSpPr>
+        <a:xfrm>
+          <a:off x="0" y="0"/>
+          <a:ext cx="0" cy="0"/>
+          <a:chOff x="0" y="0"/>
+          <a:chExt cx="0" cy="0"/>
+        </a:xfrm>
+      </p:grpSpPr>
+      <p:sp>
+        <p:nvSpPr>
+          <p:cNvPr id="2" name="Titolo 1">
+            <a:extLst>
+              <a:ext uri="{FF2B5EF4-FFF2-40B4-BE49-F238E27FC236}">
+                <a16:creationId xmlns:a16="http://schemas.microsoft.com/office/drawing/2014/main" id="{42278F2F-97E7-41E4-BB5E-F2CBE5461F46}"/>
+              </a:ext>
+            </a:extLst>
+          </p:cNvPr>
+          <p:cNvSpPr>
+            <a:spLocks noGrp="1"/>
+          </p:cNvSpPr>
+          <p:nvPr>
+            <p:ph type="title"/>
+          </p:nvPr>
+        </p:nvSpPr>
+        <p:spPr>
+          <a:xfrm>
+            <a:off x="1141413" y="618518"/>
+            <a:ext cx="9905998" cy="1478570"/>
+          </a:xfrm>
+        </p:spPr>
+        <p:txBody>
+          <a:bodyPr>
+            <a:normAutofit/>
+          </a:bodyPr>
+          <a:lstStyle/>
+          <a:p>
+            <a:r>
+              <a:rPr lang="it-IT" dirty="0"/>
+              <a:t>Permessi:</a:t>
+            </a:r>
+            <a:r>
+              <a:rPr lang="it-IT" sz="3600" dirty="0"/>
+              <a:t> ACCESS_FINE_LOCATION</a:t>
+            </a:r>
+            <a:endParaRPr lang="it-IT" dirty="0"/>
+          </a:p>
+        </p:txBody>
+      </p:sp>
+      <p:pic>
+        <p:nvPicPr>
+          <p:cNvPr id="7" name="Graphic 6" descr="Registrarsi">
+            <a:extLst>
+              <a:ext uri="{FF2B5EF4-FFF2-40B4-BE49-F238E27FC236}">
+                <a16:creationId xmlns:a16="http://schemas.microsoft.com/office/drawing/2014/main" id="{E5205D79-5BF5-4DA4-B610-90BCE77CAF70}"/>
+              </a:ext>
+            </a:extLst>
+          </p:cNvPr>
+          <p:cNvPicPr>
+            <a:picLocks noChangeAspect="1"/>
+          </p:cNvPicPr>
+          <p:nvPr/>
+        </p:nvPicPr>
+        <p:blipFill>
+          <a:blip r:embed="rId3">
+            <a:extLst>
+              <a:ext uri="{96DAC541-7B7A-43D3-8B79-37D633B846F1}">
+                <asvg:svgBlip xmlns:asvg="http://schemas.microsoft.com/office/drawing/2016/SVG/main" r:embed="rId4"/>
+              </a:ext>
+            </a:extLst>
+          </a:blip>
+          <a:stretch/>
+        </p:blipFill>
+        <p:spPr>
+          <a:xfrm>
+            <a:off x="1141411" y="2277013"/>
+            <a:ext cx="3494597" cy="3494597"/>
+          </a:xfrm>
+          <a:prstGeom prst="round2DiagRect">
+            <a:avLst>
+              <a:gd name="adj1" fmla="val 5608"/>
+              <a:gd name="adj2" fmla="val 0"/>
+            </a:avLst>
+          </a:prstGeom>
+          <a:ln w="19050" cap="sq">
+            <a:solidFill>
+              <a:schemeClr val="tx2">
+                <a:lumMod val="60000"/>
+                <a:lumOff val="40000"/>
+                <a:alpha val="60000"/>
+              </a:schemeClr>
+            </a:solidFill>
+            <a:miter lim="800000"/>
+          </a:ln>
+          <a:effectLst>
+            <a:outerShdw blurRad="88900" dist="38100" dir="5400000" algn="t" rotWithShape="0">
+              <a:prstClr val="black">
+                <a:alpha val="40000"/>
+              </a:prstClr>
+            </a:outerShdw>
+          </a:effectLst>
+        </p:spPr>
+      </p:pic>
+      <p:sp>
+        <p:nvSpPr>
+          <p:cNvPr id="3" name="Segnaposto contenuto 2">
+            <a:extLst>
+              <a:ext uri="{FF2B5EF4-FFF2-40B4-BE49-F238E27FC236}">
+                <a16:creationId xmlns:a16="http://schemas.microsoft.com/office/drawing/2014/main" id="{159DFFC4-214D-471F-9F2C-6477441A9944}"/>
+              </a:ext>
+            </a:extLst>
+          </p:cNvPr>
+          <p:cNvSpPr>
+            <a:spLocks noGrp="1"/>
+          </p:cNvSpPr>
+          <p:nvPr>
+            <p:ph idx="1"/>
+          </p:nvPr>
+        </p:nvSpPr>
+        <p:spPr>
+          <a:xfrm>
+            <a:off x="5034579" y="1658143"/>
+            <a:ext cx="6012832" cy="4994448"/>
+          </a:xfrm>
+        </p:spPr>
+        <p:txBody>
+          <a:bodyPr>
+            <a:noAutofit/>
+          </a:bodyPr>
+          <a:lstStyle/>
+          <a:p>
+            <a:pPr>
+              <a:lnSpc>
+                <a:spcPct val="110000"/>
+              </a:lnSpc>
+            </a:pPr>
+            <a:r>
+              <a:rPr lang="it-IT" sz="2000" dirty="0"/>
+              <a:t>È il permesso necessario affinché sia possibile utilizzare una scansione Bluetooth per raccogliere informazioni sulla posizione dell'utente.</a:t>
+            </a:r>
+          </a:p>
+          <a:p>
+            <a:pPr>
+              <a:lnSpc>
+                <a:spcPct val="110000"/>
+              </a:lnSpc>
+            </a:pPr>
+            <a:r>
+              <a:rPr lang="it-IT" sz="2000" dirty="0"/>
+              <a:t>Queste informazioni possono provenire dai dispositivi dell'utente, nonché dai beacon Bluetooth in uso in luoghi come negozi e strutture di transito</a:t>
+            </a:r>
+          </a:p>
+          <a:p>
+            <a:pPr>
+              <a:lnSpc>
+                <a:spcPct val="110000"/>
+              </a:lnSpc>
+            </a:pPr>
+            <a:r>
+              <a:rPr lang="it-IT" sz="2000" dirty="0"/>
+              <a:t>Disponibile sin dall’API </a:t>
+            </a:r>
+            <a:r>
+              <a:rPr lang="it-IT" sz="2000" dirty="0" err="1"/>
+              <a:t>level</a:t>
+            </a:r>
+            <a:r>
+              <a:rPr lang="it-IT" sz="2000" dirty="0"/>
+              <a:t> 1, ha un livello di protezione di sicurezza classificato come pericoloso</a:t>
+            </a:r>
+          </a:p>
+          <a:p>
+            <a:pPr>
+              <a:lnSpc>
+                <a:spcPct val="110000"/>
+              </a:lnSpc>
+            </a:pPr>
+            <a:r>
+              <a:rPr lang="it-IT" sz="2000" dirty="0"/>
+              <a:t>Richiede sia la dichiarazione nel file manifest.xml tramite la costante "</a:t>
+            </a:r>
+            <a:r>
+              <a:rPr lang="it-IT" sz="2000" dirty="0" err="1"/>
+              <a:t>android.permission.ACCESS_FINE_LOCATION</a:t>
+            </a:r>
+            <a:r>
+              <a:rPr lang="it-IT" sz="2000" dirty="0"/>
+              <a:t>", sia il consenso esplicito dell’utente all’interno dell’applicazione</a:t>
+            </a:r>
+          </a:p>
+        </p:txBody>
+      </p:sp>
+    </p:spTree>
+    <p:extLst>
+      <p:ext uri="{BB962C8B-B14F-4D97-AF65-F5344CB8AC3E}">
+        <p14:creationId xmlns:p14="http://schemas.microsoft.com/office/powerpoint/2010/main" val="1587722597"/>
+      </p:ext>
+    </p:extLst>
+  </p:cSld>
+  <p:clrMapOvr>
+    <a:masterClrMapping/>
+  </p:clrMapOvr>
+</p:sld>
+</file>
+
+<file path=ppt/slides/slide8.xml><?xml version="1.0" encoding="utf-8"?>
+<p:sld xmlns:a="http://schemas.openxmlformats.org/drawingml/2006/main" xmlns:r="http://schemas.openxmlformats.org/officeDocument/2006/relationships" xmlns:p="http://schemas.openxmlformats.org/presentationml/2006/main">
+  <p:cSld>
+    <p:bg>
+      <p:bgPr>
+        <a:blipFill>
+          <a:blip r:embed="rId2">
+            <a:duotone>
+              <a:schemeClr val="bg2">
+                <a:shade val="88000"/>
+                <a:hueMod val="106000"/>
+                <a:satMod val="140000"/>
+                <a:lumMod val="54000"/>
+              </a:schemeClr>
+              <a:schemeClr val="bg2">
+                <a:tint val="98000"/>
+                <a:hueMod val="90000"/>
+                <a:satMod val="150000"/>
+                <a:lumMod val="160000"/>
+              </a:schemeClr>
+            </a:duotone>
+          </a:blip>
+          <a:stretch/>
+        </a:blipFill>
+        <a:effectLst/>
+      </p:bgPr>
+    </p:bg>
+    <p:spTree>
+      <p:nvGrpSpPr>
+        <p:cNvPr id="1" name=""/>
+        <p:cNvGrpSpPr/>
+        <p:nvPr/>
+      </p:nvGrpSpPr>
+      <p:grpSpPr>
+        <a:xfrm>
+          <a:off x="0" y="0"/>
+          <a:ext cx="0" cy="0"/>
+          <a:chOff x="0" y="0"/>
+          <a:chExt cx="0" cy="0"/>
+        </a:xfrm>
+      </p:grpSpPr>
+      <p:sp>
+        <p:nvSpPr>
+          <p:cNvPr id="2" name="Titolo 1">
+            <a:extLst>
+              <a:ext uri="{FF2B5EF4-FFF2-40B4-BE49-F238E27FC236}">
+                <a16:creationId xmlns:a16="http://schemas.microsoft.com/office/drawing/2014/main" id="{42278F2F-97E7-41E4-BB5E-F2CBE5461F46}"/>
+              </a:ext>
+            </a:extLst>
+          </p:cNvPr>
+          <p:cNvSpPr>
+            <a:spLocks noGrp="1"/>
+          </p:cNvSpPr>
+          <p:nvPr>
+            <p:ph type="title"/>
+          </p:nvPr>
+        </p:nvSpPr>
+        <p:spPr>
+          <a:xfrm>
+            <a:off x="1141413" y="618518"/>
+            <a:ext cx="9905998" cy="1478570"/>
+          </a:xfrm>
+        </p:spPr>
+        <p:txBody>
+          <a:bodyPr>
+            <a:normAutofit/>
+          </a:bodyPr>
+          <a:lstStyle/>
+          <a:p>
+            <a:r>
+              <a:rPr lang="it-IT" dirty="0"/>
+              <a:t>Permessi: </a:t>
+            </a:r>
+            <a:r>
+              <a:rPr lang="it-IT" sz="3600" dirty="0"/>
+              <a:t>BLUETOOTH_ADMIN</a:t>
+            </a:r>
+            <a:endParaRPr lang="it-IT" dirty="0"/>
+          </a:p>
+        </p:txBody>
+      </p:sp>
+      <p:pic>
+        <p:nvPicPr>
+          <p:cNvPr id="7" name="Graphic 6" descr="Impostazioni">
+            <a:extLst>
+              <a:ext uri="{FF2B5EF4-FFF2-40B4-BE49-F238E27FC236}">
+                <a16:creationId xmlns:a16="http://schemas.microsoft.com/office/drawing/2014/main" id="{E5205D79-5BF5-4DA4-B610-90BCE77CAF70}"/>
+              </a:ext>
+            </a:extLst>
+          </p:cNvPr>
+          <p:cNvPicPr>
+            <a:picLocks noChangeAspect="1"/>
+          </p:cNvPicPr>
+          <p:nvPr/>
+        </p:nvPicPr>
+        <p:blipFill>
+          <a:blip r:embed="rId3">
+            <a:extLst>
+              <a:ext uri="{96DAC541-7B7A-43D3-8B79-37D633B846F1}">
+                <asvg:svgBlip xmlns:asvg="http://schemas.microsoft.com/office/drawing/2016/SVG/main" r:embed="rId4"/>
+              </a:ext>
+            </a:extLst>
+          </a:blip>
+          <a:srcRect/>
+          <a:stretch/>
+        </p:blipFill>
+        <p:spPr>
+          <a:xfrm>
+            <a:off x="1141411" y="2277013"/>
+            <a:ext cx="3494597" cy="3494597"/>
+          </a:xfrm>
+          <a:prstGeom prst="round2DiagRect">
+            <a:avLst>
+              <a:gd name="adj1" fmla="val 5608"/>
+              <a:gd name="adj2" fmla="val 0"/>
+            </a:avLst>
+          </a:prstGeom>
+          <a:ln w="19050" cap="sq">
+            <a:solidFill>
+              <a:schemeClr val="tx2">
+                <a:lumMod val="60000"/>
+                <a:lumOff val="40000"/>
+                <a:alpha val="60000"/>
+              </a:schemeClr>
+            </a:solidFill>
+            <a:miter lim="800000"/>
+          </a:ln>
+          <a:effectLst>
+            <a:outerShdw blurRad="88900" dist="38100" dir="5400000" algn="t" rotWithShape="0">
+              <a:prstClr val="black">
+                <a:alpha val="40000"/>
+              </a:prstClr>
+            </a:outerShdw>
+          </a:effectLst>
+        </p:spPr>
+      </p:pic>
+      <p:sp>
+        <p:nvSpPr>
+          <p:cNvPr id="3" name="Segnaposto contenuto 2">
+            <a:extLst>
+              <a:ext uri="{FF2B5EF4-FFF2-40B4-BE49-F238E27FC236}">
+                <a16:creationId xmlns:a16="http://schemas.microsoft.com/office/drawing/2014/main" id="{159DFFC4-214D-471F-9F2C-6477441A9944}"/>
+              </a:ext>
+            </a:extLst>
+          </p:cNvPr>
+          <p:cNvSpPr>
+            <a:spLocks noGrp="1"/>
+          </p:cNvSpPr>
+          <p:nvPr>
+            <p:ph idx="1"/>
+          </p:nvPr>
+        </p:nvSpPr>
+        <p:spPr>
+          <a:xfrm>
+            <a:off x="5034579" y="2249487"/>
+            <a:ext cx="6012832" cy="3541714"/>
+          </a:xfrm>
+        </p:spPr>
+        <p:txBody>
+          <a:bodyPr>
+            <a:noAutofit/>
+          </a:bodyPr>
+          <a:lstStyle/>
+          <a:p>
+            <a:pPr>
+              <a:lnSpc>
+                <a:spcPct val="110000"/>
+              </a:lnSpc>
+            </a:pPr>
+            <a:r>
+              <a:rPr lang="it-IT" sz="2000" dirty="0"/>
+              <a:t>È il permesso utilizzato </a:t>
+            </a:r>
+            <a:r>
+              <a:rPr kumimoji="0" lang="it-IT" altLang="it-IT" sz="2000" b="0" i="0" u="none" strike="noStrike" cap="none" normalizeH="0" baseline="0" dirty="0">
+                <a:ln>
+                  <a:noFill/>
+                </a:ln>
+                <a:effectLst/>
+              </a:rPr>
+              <a:t>esclusivamente per la capacità di scoprire i dispositivi Bluetooth locali</a:t>
+            </a:r>
+          </a:p>
+          <a:p>
+            <a:pPr>
+              <a:lnSpc>
+                <a:spcPct val="110000"/>
+              </a:lnSpc>
+            </a:pPr>
+            <a:r>
+              <a:rPr kumimoji="0" lang="it-IT" altLang="it-IT" sz="2000" b="0" i="0" u="none" strike="noStrike" cap="none" normalizeH="0" baseline="0" dirty="0">
+                <a:ln>
+                  <a:noFill/>
+                </a:ln>
+                <a:effectLst/>
+              </a:rPr>
+              <a:t>Le altre abilità concesse da questa autorizzazione non devono essere utilizzate, a meno che l'applicazione non sia un "power manager" che modifica le impostazioni Bluetooth su richiesta dell'utente</a:t>
+            </a:r>
+            <a:endParaRPr lang="it-IT" sz="2000" dirty="0"/>
+          </a:p>
+          <a:p>
+            <a:pPr>
+              <a:lnSpc>
+                <a:spcPct val="110000"/>
+              </a:lnSpc>
+            </a:pPr>
+            <a:r>
+              <a:rPr lang="it-IT" sz="2000" dirty="0"/>
+              <a:t>Disponibile sin dall’API </a:t>
+            </a:r>
+            <a:r>
+              <a:rPr lang="it-IT" sz="2000" dirty="0" err="1"/>
+              <a:t>level</a:t>
+            </a:r>
+            <a:r>
+              <a:rPr lang="it-IT" sz="2000" dirty="0"/>
+              <a:t> 1, ha un livello di protezione di sicurezza classificato come normale</a:t>
+            </a:r>
+          </a:p>
+          <a:p>
+            <a:pPr>
+              <a:lnSpc>
+                <a:spcPct val="110000"/>
+              </a:lnSpc>
+            </a:pPr>
+            <a:r>
+              <a:rPr lang="it-IT" sz="2000" dirty="0"/>
+              <a:t>Basta la dichiarazione nel file manifest.xml tramite la costante "</a:t>
+            </a:r>
+            <a:r>
+              <a:rPr lang="it-IT" sz="2000" dirty="0" err="1"/>
+              <a:t>android.permission</a:t>
+            </a:r>
+            <a:r>
+              <a:rPr lang="it-IT" sz="2000" dirty="0"/>
+              <a:t>. BLUETOOTH_ADMIN "</a:t>
+            </a:r>
+          </a:p>
+        </p:txBody>
+      </p:sp>
+    </p:spTree>
+    <p:extLst>
+      <p:ext uri="{BB962C8B-B14F-4D97-AF65-F5344CB8AC3E}">
+        <p14:creationId xmlns:p14="http://schemas.microsoft.com/office/powerpoint/2010/main" val="2299567481"/>
+      </p:ext>
+    </p:extLst>
+  </p:cSld>
+  <p:clrMapOvr>
+    <a:masterClrMapping/>
+  </p:clrMapOvr>
+</p:sld>
+</file>
+
+<file path=ppt/slides/slide9.xml><?xml version="1.0" encoding="utf-8"?>
+<p:sld xmlns:a="http://schemas.openxmlformats.org/drawingml/2006/main" xmlns:r="http://schemas.openxmlformats.org/officeDocument/2006/relationships" xmlns:p="http://schemas.openxmlformats.org/presentationml/2006/main">
+  <p:cSld>
+    <p:spTree>
+      <p:nvGrpSpPr>
+        <p:cNvPr id="1" name=""/>
+        <p:cNvGrpSpPr/>
+        <p:nvPr/>
+      </p:nvGrpSpPr>
+      <p:grpSpPr>
+        <a:xfrm>
+          <a:off x="0" y="0"/>
+          <a:ext cx="0" cy="0"/>
+          <a:chOff x="0" y="0"/>
+          <a:chExt cx="0" cy="0"/>
+        </a:xfrm>
+      </p:grpSpPr>
+      <p:sp>
+        <p:nvSpPr>
+          <p:cNvPr id="4" name="Titolo 3">
+            <a:extLst>
+              <a:ext uri="{FF2B5EF4-FFF2-40B4-BE49-F238E27FC236}">
+                <a16:creationId xmlns:a16="http://schemas.microsoft.com/office/drawing/2014/main" id="{41A4920D-6BA5-43C6-9913-CD61735B7D7F}"/>
+              </a:ext>
+            </a:extLst>
+          </p:cNvPr>
+          <p:cNvSpPr>
+            <a:spLocks noGrp="1"/>
+          </p:cNvSpPr>
+          <p:nvPr>
+            <p:ph type="ctrTitle"/>
+          </p:nvPr>
+        </p:nvSpPr>
+        <p:spPr/>
+        <p:txBody>
+          <a:bodyPr/>
+          <a:lstStyle/>
+          <a:p>
+            <a:r>
+              <a:rPr lang="it-IT" dirty="0"/>
+              <a:t>Connessione</a:t>
+            </a:r>
+          </a:p>
+        </p:txBody>
+      </p:sp>
+      <p:sp>
+        <p:nvSpPr>
+          <p:cNvPr id="5" name="Sottotitolo 4">
+            <a:extLst>
+              <a:ext uri="{FF2B5EF4-FFF2-40B4-BE49-F238E27FC236}">
+                <a16:creationId xmlns:a16="http://schemas.microsoft.com/office/drawing/2014/main" id="{8FD2B912-46E9-47C4-8D9B-009ADF3B8BB3}"/>
+              </a:ext>
+            </a:extLst>
+          </p:cNvPr>
+          <p:cNvSpPr>
+            <a:spLocks noGrp="1"/>
+          </p:cNvSpPr>
+          <p:nvPr>
+            <p:ph type="subTitle" idx="1"/>
+          </p:nvPr>
+        </p:nvSpPr>
+        <p:spPr/>
+        <p:txBody>
+          <a:bodyPr/>
+          <a:lstStyle/>
+          <a:p>
+            <a:endParaRPr lang="it-IT" dirty="0"/>
+          </a:p>
+        </p:txBody>
+      </p:sp>
+    </p:spTree>
+    <p:extLst>
+      <p:ext uri="{BB962C8B-B14F-4D97-AF65-F5344CB8AC3E}">
+        <p14:creationId xmlns:p14="http://schemas.microsoft.com/office/powerpoint/2010/main" val="2668667206"/>
       </p:ext>
     </p:extLst>
   </p:cSld>
